--- a/Doc/Attack&Defense CTF-dev.pptx
+++ b/Doc/Attack&Defense CTF-dev.pptx
@@ -4,6 +4,9 @@
   <p:sldMasterIdLst>
     <p:sldMasterId id="2147483660" r:id="rId1"/>
   </p:sldMasterIdLst>
+  <p:notesMasterIdLst>
+    <p:notesMasterId r:id="rId70"/>
+  </p:notesMasterIdLst>
   <p:sldIdLst>
     <p:sldId id="257" r:id="rId2"/>
     <p:sldId id="261" r:id="rId3"/>
@@ -26,11 +29,11 @@
     <p:sldId id="282" r:id="rId20"/>
     <p:sldId id="283" r:id="rId21"/>
     <p:sldId id="286" r:id="rId22"/>
-    <p:sldId id="287" r:id="rId23"/>
-    <p:sldId id="268" r:id="rId24"/>
-    <p:sldId id="271" r:id="rId25"/>
-    <p:sldId id="288" r:id="rId26"/>
-    <p:sldId id="289" r:id="rId27"/>
+    <p:sldId id="268" r:id="rId23"/>
+    <p:sldId id="271" r:id="rId24"/>
+    <p:sldId id="288" r:id="rId25"/>
+    <p:sldId id="289" r:id="rId26"/>
+    <p:sldId id="330" r:id="rId27"/>
     <p:sldId id="290" r:id="rId28"/>
     <p:sldId id="291" r:id="rId29"/>
     <p:sldId id="269" r:id="rId30"/>
@@ -41,36 +44,38 @@
     <p:sldId id="298" r:id="rId35"/>
     <p:sldId id="299" r:id="rId36"/>
     <p:sldId id="300" r:id="rId37"/>
-    <p:sldId id="301" r:id="rId38"/>
-    <p:sldId id="302" r:id="rId39"/>
-    <p:sldId id="303" r:id="rId40"/>
-    <p:sldId id="304" r:id="rId41"/>
-    <p:sldId id="305" r:id="rId42"/>
-    <p:sldId id="310" r:id="rId43"/>
-    <p:sldId id="306" r:id="rId44"/>
-    <p:sldId id="311" r:id="rId45"/>
-    <p:sldId id="307" r:id="rId46"/>
-    <p:sldId id="312" r:id="rId47"/>
-    <p:sldId id="308" r:id="rId48"/>
-    <p:sldId id="309" r:id="rId49"/>
-    <p:sldId id="313" r:id="rId50"/>
-    <p:sldId id="314" r:id="rId51"/>
-    <p:sldId id="328" r:id="rId52"/>
-    <p:sldId id="329" r:id="rId53"/>
-    <p:sldId id="315" r:id="rId54"/>
-    <p:sldId id="316" r:id="rId55"/>
-    <p:sldId id="317" r:id="rId56"/>
-    <p:sldId id="319" r:id="rId57"/>
-    <p:sldId id="318" r:id="rId58"/>
-    <p:sldId id="320" r:id="rId59"/>
-    <p:sldId id="321" r:id="rId60"/>
-    <p:sldId id="322" r:id="rId61"/>
-    <p:sldId id="323" r:id="rId62"/>
-    <p:sldId id="324" r:id="rId63"/>
-    <p:sldId id="325" r:id="rId64"/>
-    <p:sldId id="326" r:id="rId65"/>
-    <p:sldId id="327" r:id="rId66"/>
-    <p:sldId id="295" r:id="rId67"/>
+    <p:sldId id="331" r:id="rId38"/>
+    <p:sldId id="301" r:id="rId39"/>
+    <p:sldId id="302" r:id="rId40"/>
+    <p:sldId id="303" r:id="rId41"/>
+    <p:sldId id="332" r:id="rId42"/>
+    <p:sldId id="305" r:id="rId43"/>
+    <p:sldId id="310" r:id="rId44"/>
+    <p:sldId id="306" r:id="rId45"/>
+    <p:sldId id="311" r:id="rId46"/>
+    <p:sldId id="307" r:id="rId47"/>
+    <p:sldId id="312" r:id="rId48"/>
+    <p:sldId id="304" r:id="rId49"/>
+    <p:sldId id="308" r:id="rId50"/>
+    <p:sldId id="309" r:id="rId51"/>
+    <p:sldId id="313" r:id="rId52"/>
+    <p:sldId id="314" r:id="rId53"/>
+    <p:sldId id="328" r:id="rId54"/>
+    <p:sldId id="329" r:id="rId55"/>
+    <p:sldId id="315" r:id="rId56"/>
+    <p:sldId id="316" r:id="rId57"/>
+    <p:sldId id="317" r:id="rId58"/>
+    <p:sldId id="319" r:id="rId59"/>
+    <p:sldId id="318" r:id="rId60"/>
+    <p:sldId id="320" r:id="rId61"/>
+    <p:sldId id="321" r:id="rId62"/>
+    <p:sldId id="322" r:id="rId63"/>
+    <p:sldId id="323" r:id="rId64"/>
+    <p:sldId id="324" r:id="rId65"/>
+    <p:sldId id="325" r:id="rId66"/>
+    <p:sldId id="326" r:id="rId67"/>
+    <p:sldId id="327" r:id="rId68"/>
+    <p:sldId id="295" r:id="rId69"/>
   </p:sldIdLst>
   <p:sldSz cx="12192000" cy="6858000"/>
   <p:notesSz cx="6858000" cy="9144000"/>
@@ -177,6 +182,632 @@
 </p:presentation>
 </file>
 
+<file path=ppt/notesMasters/notesMaster1.xml><?xml version="1.0" encoding="utf-8"?>
+<p:notesMaster xmlns:a="http://schemas.openxmlformats.org/drawingml/2006/main" xmlns:r="http://schemas.openxmlformats.org/officeDocument/2006/relationships" xmlns:p="http://schemas.openxmlformats.org/presentationml/2006/main">
+  <p:cSld>
+    <p:bg>
+      <p:bgRef idx="1001">
+        <a:schemeClr val="bg1"/>
+      </p:bgRef>
+    </p:bg>
+    <p:spTree>
+      <p:nvGrpSpPr>
+        <p:cNvPr id="1" name=""/>
+        <p:cNvGrpSpPr/>
+        <p:nvPr/>
+      </p:nvGrpSpPr>
+      <p:grpSpPr>
+        <a:xfrm>
+          <a:off x="0" y="0"/>
+          <a:ext cx="0" cy="0"/>
+          <a:chOff x="0" y="0"/>
+          <a:chExt cx="0" cy="0"/>
+        </a:xfrm>
+      </p:grpSpPr>
+      <p:sp>
+        <p:nvSpPr>
+          <p:cNvPr id="2" name="머리글 개체 틀 1"/>
+          <p:cNvSpPr>
+            <a:spLocks noGrp="1"/>
+          </p:cNvSpPr>
+          <p:nvPr>
+            <p:ph type="hdr" sz="quarter"/>
+          </p:nvPr>
+        </p:nvSpPr>
+        <p:spPr>
+          <a:xfrm>
+            <a:off x="0" y="0"/>
+            <a:ext cx="2971800" cy="458788"/>
+          </a:xfrm>
+          <a:prstGeom prst="rect">
+            <a:avLst/>
+          </a:prstGeom>
+        </p:spPr>
+        <p:txBody>
+          <a:bodyPr vert="horz" lIns="91440" tIns="45720" rIns="91440" bIns="45720" rtlCol="0"/>
+          <a:lstStyle>
+            <a:lvl1pPr algn="l">
+              <a:defRPr sz="1200"/>
+            </a:lvl1pPr>
+          </a:lstStyle>
+          <a:p>
+            <a:endParaRPr lang="ko-KR" altLang="en-US"/>
+          </a:p>
+        </p:txBody>
+      </p:sp>
+      <p:sp>
+        <p:nvSpPr>
+          <p:cNvPr id="3" name="날짜 개체 틀 2"/>
+          <p:cNvSpPr>
+            <a:spLocks noGrp="1"/>
+          </p:cNvSpPr>
+          <p:nvPr>
+            <p:ph type="dt" idx="1"/>
+          </p:nvPr>
+        </p:nvSpPr>
+        <p:spPr>
+          <a:xfrm>
+            <a:off x="3884613" y="0"/>
+            <a:ext cx="2971800" cy="458788"/>
+          </a:xfrm>
+          <a:prstGeom prst="rect">
+            <a:avLst/>
+          </a:prstGeom>
+        </p:spPr>
+        <p:txBody>
+          <a:bodyPr vert="horz" lIns="91440" tIns="45720" rIns="91440" bIns="45720" rtlCol="0"/>
+          <a:lstStyle>
+            <a:lvl1pPr algn="r">
+              <a:defRPr sz="1200"/>
+            </a:lvl1pPr>
+          </a:lstStyle>
+          <a:p>
+            <a:fld id="{EBD3294A-82E0-4EB5-BD2D-C4B76BDAF017}" type="datetimeFigureOut">
+              <a:rPr lang="ko-KR" altLang="en-US" smtClean="0"/>
+              <a:t>2021-05-18</a:t>
+            </a:fld>
+            <a:endParaRPr lang="ko-KR" altLang="en-US"/>
+          </a:p>
+        </p:txBody>
+      </p:sp>
+      <p:sp>
+        <p:nvSpPr>
+          <p:cNvPr id="4" name="슬라이드 이미지 개체 틀 3"/>
+          <p:cNvSpPr>
+            <a:spLocks noGrp="1" noRot="1" noChangeAspect="1"/>
+          </p:cNvSpPr>
+          <p:nvPr>
+            <p:ph type="sldImg" idx="2"/>
+          </p:nvPr>
+        </p:nvSpPr>
+        <p:spPr>
+          <a:xfrm>
+            <a:off x="685800" y="1143000"/>
+            <a:ext cx="5486400" cy="3086100"/>
+          </a:xfrm>
+          <a:prstGeom prst="rect">
+            <a:avLst/>
+          </a:prstGeom>
+          <a:noFill/>
+          <a:ln w="12700">
+            <a:solidFill>
+              <a:prstClr val="black"/>
+            </a:solidFill>
+          </a:ln>
+        </p:spPr>
+        <p:txBody>
+          <a:bodyPr vert="horz" lIns="91440" tIns="45720" rIns="91440" bIns="45720" rtlCol="0" anchor="ctr"/>
+          <a:lstStyle/>
+          <a:p>
+            <a:endParaRPr lang="ko-KR" altLang="en-US"/>
+          </a:p>
+        </p:txBody>
+      </p:sp>
+      <p:sp>
+        <p:nvSpPr>
+          <p:cNvPr id="5" name="슬라이드 노트 개체 틀 4"/>
+          <p:cNvSpPr>
+            <a:spLocks noGrp="1"/>
+          </p:cNvSpPr>
+          <p:nvPr>
+            <p:ph type="body" sz="quarter" idx="3"/>
+          </p:nvPr>
+        </p:nvSpPr>
+        <p:spPr>
+          <a:xfrm>
+            <a:off x="685800" y="4400550"/>
+            <a:ext cx="5486400" cy="3600450"/>
+          </a:xfrm>
+          <a:prstGeom prst="rect">
+            <a:avLst/>
+          </a:prstGeom>
+        </p:spPr>
+        <p:txBody>
+          <a:bodyPr vert="horz" lIns="91440" tIns="45720" rIns="91440" bIns="45720" rtlCol="0"/>
+          <a:lstStyle/>
+          <a:p>
+            <a:pPr lvl="0"/>
+            <a:r>
+              <a:rPr lang="ko-KR" altLang="en-US"/>
+              <a:t>마스터 텍스트 스타일을 편집하려면 클릭</a:t>
+            </a:r>
+          </a:p>
+          <a:p>
+            <a:pPr lvl="1"/>
+            <a:r>
+              <a:rPr lang="ko-KR" altLang="en-US"/>
+              <a:t>두 번째 수준</a:t>
+            </a:r>
+          </a:p>
+          <a:p>
+            <a:pPr lvl="2"/>
+            <a:r>
+              <a:rPr lang="ko-KR" altLang="en-US"/>
+              <a:t>세 번째 수준</a:t>
+            </a:r>
+          </a:p>
+          <a:p>
+            <a:pPr lvl="3"/>
+            <a:r>
+              <a:rPr lang="ko-KR" altLang="en-US"/>
+              <a:t>네 번째 수준</a:t>
+            </a:r>
+          </a:p>
+          <a:p>
+            <a:pPr lvl="4"/>
+            <a:r>
+              <a:rPr lang="ko-KR" altLang="en-US"/>
+              <a:t>다섯 번째 수준</a:t>
+            </a:r>
+          </a:p>
+        </p:txBody>
+      </p:sp>
+      <p:sp>
+        <p:nvSpPr>
+          <p:cNvPr id="6" name="바닥글 개체 틀 5"/>
+          <p:cNvSpPr>
+            <a:spLocks noGrp="1"/>
+          </p:cNvSpPr>
+          <p:nvPr>
+            <p:ph type="ftr" sz="quarter" idx="4"/>
+          </p:nvPr>
+        </p:nvSpPr>
+        <p:spPr>
+          <a:xfrm>
+            <a:off x="0" y="8685213"/>
+            <a:ext cx="2971800" cy="458787"/>
+          </a:xfrm>
+          <a:prstGeom prst="rect">
+            <a:avLst/>
+          </a:prstGeom>
+        </p:spPr>
+        <p:txBody>
+          <a:bodyPr vert="horz" lIns="91440" tIns="45720" rIns="91440" bIns="45720" rtlCol="0" anchor="b"/>
+          <a:lstStyle>
+            <a:lvl1pPr algn="l">
+              <a:defRPr sz="1200"/>
+            </a:lvl1pPr>
+          </a:lstStyle>
+          <a:p>
+            <a:endParaRPr lang="ko-KR" altLang="en-US"/>
+          </a:p>
+        </p:txBody>
+      </p:sp>
+      <p:sp>
+        <p:nvSpPr>
+          <p:cNvPr id="7" name="슬라이드 번호 개체 틀 6"/>
+          <p:cNvSpPr>
+            <a:spLocks noGrp="1"/>
+          </p:cNvSpPr>
+          <p:nvPr>
+            <p:ph type="sldNum" sz="quarter" idx="5"/>
+          </p:nvPr>
+        </p:nvSpPr>
+        <p:spPr>
+          <a:xfrm>
+            <a:off x="3884613" y="8685213"/>
+            <a:ext cx="2971800" cy="458787"/>
+          </a:xfrm>
+          <a:prstGeom prst="rect">
+            <a:avLst/>
+          </a:prstGeom>
+        </p:spPr>
+        <p:txBody>
+          <a:bodyPr vert="horz" lIns="91440" tIns="45720" rIns="91440" bIns="45720" rtlCol="0" anchor="b"/>
+          <a:lstStyle>
+            <a:lvl1pPr algn="r">
+              <a:defRPr sz="1200"/>
+            </a:lvl1pPr>
+          </a:lstStyle>
+          <a:p>
+            <a:fld id="{F5D637EE-D98B-4055-BDF9-E586170440A9}" type="slidenum">
+              <a:rPr lang="ko-KR" altLang="en-US" smtClean="0"/>
+              <a:t>‹#›</a:t>
+            </a:fld>
+            <a:endParaRPr lang="ko-KR" altLang="en-US"/>
+          </a:p>
+        </p:txBody>
+      </p:sp>
+    </p:spTree>
+    <p:extLst>
+      <p:ext uri="{BB962C8B-B14F-4D97-AF65-F5344CB8AC3E}">
+        <p14:creationId xmlns:p14="http://schemas.microsoft.com/office/powerpoint/2010/main" val="2344755599"/>
+      </p:ext>
+    </p:extLst>
+  </p:cSld>
+  <p:clrMap bg1="lt1" tx1="dk1" bg2="lt2" tx2="dk2" accent1="accent1" accent2="accent2" accent3="accent3" accent4="accent4" accent5="accent5" accent6="accent6" hlink="hlink" folHlink="folHlink"/>
+  <p:notesStyle>
+    <a:lvl1pPr marL="0" algn="l" defTabSz="914400" rtl="0" eaLnBrk="1" latinLnBrk="1" hangingPunct="1">
+      <a:defRPr sz="1200" kern="1200">
+        <a:solidFill>
+          <a:schemeClr val="tx1"/>
+        </a:solidFill>
+        <a:latin typeface="+mn-lt"/>
+        <a:ea typeface="+mn-ea"/>
+        <a:cs typeface="+mn-cs"/>
+      </a:defRPr>
+    </a:lvl1pPr>
+    <a:lvl2pPr marL="457200" algn="l" defTabSz="914400" rtl="0" eaLnBrk="1" latinLnBrk="1" hangingPunct="1">
+      <a:defRPr sz="1200" kern="1200">
+        <a:solidFill>
+          <a:schemeClr val="tx1"/>
+        </a:solidFill>
+        <a:latin typeface="+mn-lt"/>
+        <a:ea typeface="+mn-ea"/>
+        <a:cs typeface="+mn-cs"/>
+      </a:defRPr>
+    </a:lvl2pPr>
+    <a:lvl3pPr marL="914400" algn="l" defTabSz="914400" rtl="0" eaLnBrk="1" latinLnBrk="1" hangingPunct="1">
+      <a:defRPr sz="1200" kern="1200">
+        <a:solidFill>
+          <a:schemeClr val="tx1"/>
+        </a:solidFill>
+        <a:latin typeface="+mn-lt"/>
+        <a:ea typeface="+mn-ea"/>
+        <a:cs typeface="+mn-cs"/>
+      </a:defRPr>
+    </a:lvl3pPr>
+    <a:lvl4pPr marL="1371600" algn="l" defTabSz="914400" rtl="0" eaLnBrk="1" latinLnBrk="1" hangingPunct="1">
+      <a:defRPr sz="1200" kern="1200">
+        <a:solidFill>
+          <a:schemeClr val="tx1"/>
+        </a:solidFill>
+        <a:latin typeface="+mn-lt"/>
+        <a:ea typeface="+mn-ea"/>
+        <a:cs typeface="+mn-cs"/>
+      </a:defRPr>
+    </a:lvl4pPr>
+    <a:lvl5pPr marL="1828800" algn="l" defTabSz="914400" rtl="0" eaLnBrk="1" latinLnBrk="1" hangingPunct="1">
+      <a:defRPr sz="1200" kern="1200">
+        <a:solidFill>
+          <a:schemeClr val="tx1"/>
+        </a:solidFill>
+        <a:latin typeface="+mn-lt"/>
+        <a:ea typeface="+mn-ea"/>
+        <a:cs typeface="+mn-cs"/>
+      </a:defRPr>
+    </a:lvl5pPr>
+    <a:lvl6pPr marL="2286000" algn="l" defTabSz="914400" rtl="0" eaLnBrk="1" latinLnBrk="1" hangingPunct="1">
+      <a:defRPr sz="1200" kern="1200">
+        <a:solidFill>
+          <a:schemeClr val="tx1"/>
+        </a:solidFill>
+        <a:latin typeface="+mn-lt"/>
+        <a:ea typeface="+mn-ea"/>
+        <a:cs typeface="+mn-cs"/>
+      </a:defRPr>
+    </a:lvl6pPr>
+    <a:lvl7pPr marL="2743200" algn="l" defTabSz="914400" rtl="0" eaLnBrk="1" latinLnBrk="1" hangingPunct="1">
+      <a:defRPr sz="1200" kern="1200">
+        <a:solidFill>
+          <a:schemeClr val="tx1"/>
+        </a:solidFill>
+        <a:latin typeface="+mn-lt"/>
+        <a:ea typeface="+mn-ea"/>
+        <a:cs typeface="+mn-cs"/>
+      </a:defRPr>
+    </a:lvl7pPr>
+    <a:lvl8pPr marL="3200400" algn="l" defTabSz="914400" rtl="0" eaLnBrk="1" latinLnBrk="1" hangingPunct="1">
+      <a:defRPr sz="1200" kern="1200">
+        <a:solidFill>
+          <a:schemeClr val="tx1"/>
+        </a:solidFill>
+        <a:latin typeface="+mn-lt"/>
+        <a:ea typeface="+mn-ea"/>
+        <a:cs typeface="+mn-cs"/>
+      </a:defRPr>
+    </a:lvl8pPr>
+    <a:lvl9pPr marL="3657600" algn="l" defTabSz="914400" rtl="0" eaLnBrk="1" latinLnBrk="1" hangingPunct="1">
+      <a:defRPr sz="1200" kern="1200">
+        <a:solidFill>
+          <a:schemeClr val="tx1"/>
+        </a:solidFill>
+        <a:latin typeface="+mn-lt"/>
+        <a:ea typeface="+mn-ea"/>
+        <a:cs typeface="+mn-cs"/>
+      </a:defRPr>
+    </a:lvl9pPr>
+  </p:notesStyle>
+</p:notesMaster>
+</file>
+
+<file path=ppt/notesSlides/notesSlide1.xml><?xml version="1.0" encoding="utf-8"?>
+<p:notes xmlns:a="http://schemas.openxmlformats.org/drawingml/2006/main" xmlns:r="http://schemas.openxmlformats.org/officeDocument/2006/relationships" xmlns:p="http://schemas.openxmlformats.org/presentationml/2006/main">
+  <p:cSld>
+    <p:spTree>
+      <p:nvGrpSpPr>
+        <p:cNvPr id="1" name=""/>
+        <p:cNvGrpSpPr/>
+        <p:nvPr/>
+      </p:nvGrpSpPr>
+      <p:grpSpPr>
+        <a:xfrm>
+          <a:off x="0" y="0"/>
+          <a:ext cx="0" cy="0"/>
+          <a:chOff x="0" y="0"/>
+          <a:chExt cx="0" cy="0"/>
+        </a:xfrm>
+      </p:grpSpPr>
+      <p:sp>
+        <p:nvSpPr>
+          <p:cNvPr id="2" name="슬라이드 이미지 개체 틀 1"/>
+          <p:cNvSpPr>
+            <a:spLocks noGrp="1" noRot="1" noChangeAspect="1"/>
+          </p:cNvSpPr>
+          <p:nvPr>
+            <p:ph type="sldImg"/>
+          </p:nvPr>
+        </p:nvSpPr>
+        <p:spPr/>
+      </p:sp>
+      <p:sp>
+        <p:nvSpPr>
+          <p:cNvPr id="3" name="슬라이드 노트 개체 틀 2"/>
+          <p:cNvSpPr>
+            <a:spLocks noGrp="1"/>
+          </p:cNvSpPr>
+          <p:nvPr>
+            <p:ph type="body" idx="1"/>
+          </p:nvPr>
+        </p:nvSpPr>
+        <p:spPr/>
+        <p:txBody>
+          <a:bodyPr/>
+          <a:lstStyle/>
+          <a:p>
+            <a:pPr marL="0" marR="0" lvl="0" indent="0" algn="l" defTabSz="914400" rtl="0" eaLnBrk="1" fontAlgn="auto" latinLnBrk="1" hangingPunct="1">
+              <a:lnSpc>
+                <a:spcPct val="100000"/>
+              </a:lnSpc>
+              <a:spcBef>
+                <a:spcPts val="0"/>
+              </a:spcBef>
+              <a:spcAft>
+                <a:spcPts val="0"/>
+              </a:spcAft>
+              <a:buClrTx/>
+              <a:buSzTx/>
+              <a:buFontTx/>
+              <a:buNone/>
+              <a:tabLst/>
+              <a:defRPr/>
+            </a:pPr>
+            <a:endParaRPr kumimoji="0" lang="ko-KR" altLang="ko-KR" sz="3200" b="1" i="0" u="none" strike="noStrike" cap="none" normalizeH="0" baseline="0" dirty="0">
+              <a:ln>
+                <a:noFill/>
+              </a:ln>
+              <a:solidFill>
+                <a:schemeClr val="tx1"/>
+              </a:solidFill>
+              <a:effectLst/>
+              <a:latin typeface="Arial" panose="020B0604020202020204" pitchFamily="34" charset="0"/>
+            </a:endParaRPr>
+          </a:p>
+        </p:txBody>
+      </p:sp>
+      <p:sp>
+        <p:nvSpPr>
+          <p:cNvPr id="4" name="슬라이드 번호 개체 틀 3"/>
+          <p:cNvSpPr>
+            <a:spLocks noGrp="1"/>
+          </p:cNvSpPr>
+          <p:nvPr>
+            <p:ph type="sldNum" sz="quarter" idx="5"/>
+          </p:nvPr>
+        </p:nvSpPr>
+        <p:spPr/>
+        <p:txBody>
+          <a:bodyPr/>
+          <a:lstStyle/>
+          <a:p>
+            <a:fld id="{F5D637EE-D98B-4055-BDF9-E586170440A9}" type="slidenum">
+              <a:rPr lang="ko-KR" altLang="en-US" smtClean="0"/>
+              <a:t>15</a:t>
+            </a:fld>
+            <a:endParaRPr lang="ko-KR" altLang="en-US"/>
+          </a:p>
+        </p:txBody>
+      </p:sp>
+    </p:spTree>
+    <p:extLst>
+      <p:ext uri="{BB962C8B-B14F-4D97-AF65-F5344CB8AC3E}">
+        <p14:creationId xmlns:p14="http://schemas.microsoft.com/office/powerpoint/2010/main" val="1422877972"/>
+      </p:ext>
+    </p:extLst>
+  </p:cSld>
+  <p:clrMapOvr>
+    <a:masterClrMapping/>
+  </p:clrMapOvr>
+</p:notes>
+</file>
+
+<file path=ppt/notesSlides/notesSlide2.xml><?xml version="1.0" encoding="utf-8"?>
+<p:notes xmlns:a="http://schemas.openxmlformats.org/drawingml/2006/main" xmlns:r="http://schemas.openxmlformats.org/officeDocument/2006/relationships" xmlns:p="http://schemas.openxmlformats.org/presentationml/2006/main">
+  <p:cSld>
+    <p:spTree>
+      <p:nvGrpSpPr>
+        <p:cNvPr id="1" name=""/>
+        <p:cNvGrpSpPr/>
+        <p:nvPr/>
+      </p:nvGrpSpPr>
+      <p:grpSpPr>
+        <a:xfrm>
+          <a:off x="0" y="0"/>
+          <a:ext cx="0" cy="0"/>
+          <a:chOff x="0" y="0"/>
+          <a:chExt cx="0" cy="0"/>
+        </a:xfrm>
+      </p:grpSpPr>
+      <p:sp>
+        <p:nvSpPr>
+          <p:cNvPr id="2" name="슬라이드 이미지 개체 틀 1"/>
+          <p:cNvSpPr>
+            <a:spLocks noGrp="1" noRot="1" noChangeAspect="1"/>
+          </p:cNvSpPr>
+          <p:nvPr>
+            <p:ph type="sldImg"/>
+          </p:nvPr>
+        </p:nvSpPr>
+        <p:spPr/>
+      </p:sp>
+      <p:sp>
+        <p:nvSpPr>
+          <p:cNvPr id="3" name="슬라이드 노트 개체 틀 2"/>
+          <p:cNvSpPr>
+            <a:spLocks noGrp="1"/>
+          </p:cNvSpPr>
+          <p:nvPr>
+            <p:ph type="body" idx="1"/>
+          </p:nvPr>
+        </p:nvSpPr>
+        <p:spPr/>
+        <p:txBody>
+          <a:bodyPr/>
+          <a:lstStyle/>
+          <a:p>
+            <a:pPr>
+              <a:spcAft>
+                <a:spcPts val="1425"/>
+              </a:spcAft>
+              <a:buClr>
+                <a:srgbClr val="F0AD00"/>
+              </a:buClr>
+              <a:buSzPct val="80000"/>
+              <a:buFont typeface="Wingdings 2" panose="05020102010507070707" pitchFamily="18" charset="2"/>
+              <a:buChar char=""/>
+            </a:pPr>
+            <a:r>
+              <a:rPr lang="en-US" altLang="ko-KR" dirty="0">
+                <a:latin typeface="맑은 고딕" panose="020B0503020000020004" pitchFamily="50" charset="-127"/>
+                <a:ea typeface="맑은 고딕" panose="020B0503020000020004" pitchFamily="50" charset="-127"/>
+              </a:rPr>
+              <a:t>HTTP Method(</a:t>
+            </a:r>
+            <a:r>
+              <a:rPr lang="ko-KR" altLang="en-US" dirty="0">
+                <a:latin typeface="맑은 고딕" panose="020B0503020000020004" pitchFamily="50" charset="-127"/>
+                <a:ea typeface="맑은 고딕" panose="020B0503020000020004" pitchFamily="50" charset="-127"/>
+              </a:rPr>
+              <a:t>전송 방식</a:t>
+            </a:r>
+            <a:r>
+              <a:rPr lang="en-US" altLang="ko-KR" dirty="0">
+                <a:latin typeface="맑은 고딕" panose="020B0503020000020004" pitchFamily="50" charset="-127"/>
+                <a:ea typeface="맑은 고딕" panose="020B0503020000020004" pitchFamily="50" charset="-127"/>
+              </a:rPr>
+              <a:t>)</a:t>
+            </a:r>
+            <a:endParaRPr lang="en-US" altLang="ko-KR" sz="1400" dirty="0"/>
+          </a:p>
+          <a:p>
+            <a:pPr>
+              <a:spcAft>
+                <a:spcPts val="1425"/>
+              </a:spcAft>
+              <a:buClr>
+                <a:srgbClr val="F0AD00"/>
+              </a:buClr>
+              <a:buSzPct val="80000"/>
+              <a:buFont typeface="Wingdings 2" panose="05020102010507070707" pitchFamily="18" charset="2"/>
+              <a:buChar char=""/>
+            </a:pPr>
+            <a:r>
+              <a:rPr lang="en-US" altLang="ko-KR" dirty="0">
+                <a:latin typeface="맑은 고딕" panose="020B0503020000020004" pitchFamily="50" charset="-127"/>
+                <a:ea typeface="맑은 고딕" panose="020B0503020000020004" pitchFamily="50" charset="-127"/>
+              </a:rPr>
+              <a:t>HTTP </a:t>
+            </a:r>
+            <a:r>
+              <a:rPr lang="ko-KR" altLang="en-US" dirty="0">
+                <a:latin typeface="맑은 고딕" panose="020B0503020000020004" pitchFamily="50" charset="-127"/>
+                <a:ea typeface="맑은 고딕" panose="020B0503020000020004" pitchFamily="50" charset="-127"/>
+              </a:rPr>
+              <a:t>응답 코드</a:t>
+            </a:r>
+            <a:endParaRPr lang="en-US" altLang="ko-KR" dirty="0">
+              <a:latin typeface="맑은 고딕" panose="020B0503020000020004" pitchFamily="50" charset="-127"/>
+              <a:ea typeface="맑은 고딕" panose="020B0503020000020004" pitchFamily="50" charset="-127"/>
+            </a:endParaRPr>
+          </a:p>
+          <a:p>
+            <a:pPr>
+              <a:spcAft>
+                <a:spcPts val="1425"/>
+              </a:spcAft>
+              <a:buClr>
+                <a:srgbClr val="F0AD00"/>
+              </a:buClr>
+              <a:buSzPct val="80000"/>
+              <a:buFont typeface="Wingdings 2" panose="05020102010507070707" pitchFamily="18" charset="2"/>
+              <a:buChar char=""/>
+            </a:pPr>
+            <a:r>
+              <a:rPr lang="en-US" altLang="ko-KR" dirty="0">
+                <a:latin typeface="맑은 고딕" panose="020B0503020000020004" pitchFamily="50" charset="-127"/>
+                <a:ea typeface="맑은 고딕" panose="020B0503020000020004" pitchFamily="50" charset="-127"/>
+              </a:rPr>
+              <a:t>Well Known Port</a:t>
+            </a:r>
+          </a:p>
+        </p:txBody>
+      </p:sp>
+      <p:sp>
+        <p:nvSpPr>
+          <p:cNvPr id="4" name="슬라이드 번호 개체 틀 3"/>
+          <p:cNvSpPr>
+            <a:spLocks noGrp="1"/>
+          </p:cNvSpPr>
+          <p:nvPr>
+            <p:ph type="sldNum" sz="quarter" idx="5"/>
+          </p:nvPr>
+        </p:nvSpPr>
+        <p:spPr/>
+        <p:txBody>
+          <a:bodyPr/>
+          <a:lstStyle/>
+          <a:p>
+            <a:fld id="{F5D637EE-D98B-4055-BDF9-E586170440A9}" type="slidenum">
+              <a:rPr lang="ko-KR" altLang="en-US" smtClean="0"/>
+              <a:t>18</a:t>
+            </a:fld>
+            <a:endParaRPr lang="ko-KR" altLang="en-US"/>
+          </a:p>
+        </p:txBody>
+      </p:sp>
+    </p:spTree>
+    <p:extLst>
+      <p:ext uri="{BB962C8B-B14F-4D97-AF65-F5344CB8AC3E}">
+        <p14:creationId xmlns:p14="http://schemas.microsoft.com/office/powerpoint/2010/main" val="3128588765"/>
+      </p:ext>
+    </p:extLst>
+  </p:cSld>
+  <p:clrMapOvr>
+    <a:masterClrMapping/>
+  </p:clrMapOvr>
+</p:notes>
+</file>
+
 <file path=ppt/slideLayouts/slideLayout1.xml><?xml version="1.0" encoding="utf-8"?>
 <p:sldLayout xmlns:a="http://schemas.openxmlformats.org/drawingml/2006/main" xmlns:r="http://schemas.openxmlformats.org/officeDocument/2006/relationships" xmlns:p="http://schemas.openxmlformats.org/presentationml/2006/main" type="title" preserve="1">
   <p:cSld name="제목 슬라이드">
@@ -313,7 +944,7 @@
                 </a:solidFill>
               </a:rPr>
               <a:pPr/>
-              <a:t>2021. 4. 27.</a:t>
+              <a:t>2021-05-18</a:t>
             </a:fld>
             <a:endParaRPr lang="ko-KR" altLang="en-US">
               <a:solidFill>
@@ -513,7 +1144,7 @@
                 </a:solidFill>
               </a:rPr>
               <a:pPr/>
-              <a:t>2021. 4. 27.</a:t>
+              <a:t>2021-05-18</a:t>
             </a:fld>
             <a:endParaRPr lang="ko-KR" altLang="en-US">
               <a:solidFill>
@@ -723,7 +1354,7 @@
                 </a:solidFill>
               </a:rPr>
               <a:pPr/>
-              <a:t>2021. 4. 27.</a:t>
+              <a:t>2021-05-18</a:t>
             </a:fld>
             <a:endParaRPr lang="ko-KR" altLang="en-US">
               <a:solidFill>
@@ -923,7 +1554,7 @@
                 </a:solidFill>
               </a:rPr>
               <a:pPr/>
-              <a:t>2021. 4. 27.</a:t>
+              <a:t>2021-05-18</a:t>
             </a:fld>
             <a:endParaRPr lang="ko-KR" altLang="en-US">
               <a:solidFill>
@@ -1200,7 +1831,7 @@
                 </a:solidFill>
               </a:rPr>
               <a:pPr/>
-              <a:t>2021. 4. 27.</a:t>
+              <a:t>2021-05-18</a:t>
             </a:fld>
             <a:endParaRPr lang="ko-KR" altLang="en-US">
               <a:solidFill>
@@ -1461,7 +2092,7 @@
                 </a:solidFill>
               </a:rPr>
               <a:pPr/>
-              <a:t>2021. 4. 27.</a:t>
+              <a:t>2021-05-18</a:t>
             </a:fld>
             <a:endParaRPr lang="ko-KR" altLang="en-US">
               <a:solidFill>
@@ -1857,7 +2488,7 @@
                 </a:solidFill>
               </a:rPr>
               <a:pPr/>
-              <a:t>2021. 4. 27.</a:t>
+              <a:t>2021-05-18</a:t>
             </a:fld>
             <a:endParaRPr lang="ko-KR" altLang="en-US">
               <a:solidFill>
@@ -2006,7 +2637,7 @@
                 </a:solidFill>
               </a:rPr>
               <a:pPr/>
-              <a:t>2021. 4. 27.</a:t>
+              <a:t>2021-05-18</a:t>
             </a:fld>
             <a:endParaRPr lang="ko-KR" altLang="en-US">
               <a:solidFill>
@@ -2133,7 +2764,7 @@
                 </a:solidFill>
               </a:rPr>
               <a:pPr/>
-              <a:t>2021. 4. 27.</a:t>
+              <a:t>2021-05-18</a:t>
             </a:fld>
             <a:endParaRPr lang="ko-KR" altLang="en-US">
               <a:solidFill>
@@ -2440,7 +3071,7 @@
                 </a:solidFill>
               </a:rPr>
               <a:pPr/>
-              <a:t>2021. 4. 27.</a:t>
+              <a:t>2021-05-18</a:t>
             </a:fld>
             <a:endParaRPr lang="ko-KR" altLang="en-US">
               <a:solidFill>
@@ -2724,7 +3355,7 @@
                 </a:solidFill>
               </a:rPr>
               <a:pPr/>
-              <a:t>2021. 4. 27.</a:t>
+              <a:t>2021-05-18</a:t>
             </a:fld>
             <a:endParaRPr lang="ko-KR" altLang="en-US">
               <a:solidFill>
@@ -2967,7 +3598,7 @@
                 </a:solidFill>
               </a:rPr>
               <a:pPr/>
-              <a:t>2021. 4. 27.</a:t>
+              <a:t>2021-05-18</a:t>
             </a:fld>
             <a:endParaRPr lang="ko-KR" altLang="en-US">
               <a:solidFill>
@@ -5379,13 +6010,13 @@
           <p:nvPr>
             <p:extLst>
               <p:ext uri="{D42A27DB-BD31-4B8C-83A1-F6EECF244321}">
-                <p14:modId xmlns:p14="http://schemas.microsoft.com/office/powerpoint/2010/main" val="535236441"/>
+                <p14:modId xmlns:p14="http://schemas.microsoft.com/office/powerpoint/2010/main" val="3914882197"/>
               </p:ext>
             </p:extLst>
           </p:nvPr>
         </p:nvGraphicFramePr>
         <p:xfrm>
-          <a:off x="882503" y="2086776"/>
+          <a:off x="898171" y="1984644"/>
           <a:ext cx="6507648" cy="3092229"/>
         </p:xfrm>
         <a:graphic>
@@ -5871,6 +6502,100 @@
           </a:graphicData>
         </a:graphic>
       </p:graphicFrame>
+      <p:sp>
+        <p:nvSpPr>
+          <p:cNvPr id="6" name="TextBox 5">
+            <a:extLst>
+              <a:ext uri="{FF2B5EF4-FFF2-40B4-BE49-F238E27FC236}">
+                <a16:creationId xmlns:a16="http://schemas.microsoft.com/office/drawing/2014/main" id="{5FE595E1-A27B-49E2-9A4D-D90E38268704}"/>
+              </a:ext>
+            </a:extLst>
+          </p:cNvPr>
+          <p:cNvSpPr txBox="1"/>
+          <p:nvPr/>
+        </p:nvSpPr>
+        <p:spPr>
+          <a:xfrm>
+            <a:off x="882502" y="5233833"/>
+            <a:ext cx="3456395" cy="461665"/>
+          </a:xfrm>
+          <a:prstGeom prst="rect">
+            <a:avLst/>
+          </a:prstGeom>
+          <a:noFill/>
+        </p:spPr>
+        <p:txBody>
+          <a:bodyPr wrap="none" rtlCol="0">
+            <a:spAutoFit/>
+          </a:bodyPr>
+          <a:lstStyle/>
+          <a:p>
+            <a:r>
+              <a:rPr lang="ko-KR" altLang="en-US" sz="2400" b="1" dirty="0"/>
+              <a:t>절대 경로 </a:t>
+            </a:r>
+            <a:r>
+              <a:rPr lang="en-US" altLang="ko-KR" sz="2400" b="1" dirty="0"/>
+              <a:t>&amp; </a:t>
+            </a:r>
+            <a:r>
+              <a:rPr lang="ko-KR" altLang="en-US" sz="2400" b="1" dirty="0"/>
+              <a:t>상대 경로</a:t>
+            </a:r>
+            <a:endParaRPr lang="en-KR" sz="2400" b="1" dirty="0"/>
+          </a:p>
+        </p:txBody>
+      </p:sp>
+      <p:sp>
+        <p:nvSpPr>
+          <p:cNvPr id="8" name="TextBox 7">
+            <a:extLst>
+              <a:ext uri="{FF2B5EF4-FFF2-40B4-BE49-F238E27FC236}">
+                <a16:creationId xmlns:a16="http://schemas.microsoft.com/office/drawing/2014/main" id="{2F079306-4396-4110-BF92-CD12A4F4980A}"/>
+              </a:ext>
+            </a:extLst>
+          </p:cNvPr>
+          <p:cNvSpPr txBox="1"/>
+          <p:nvPr/>
+        </p:nvSpPr>
+        <p:spPr>
+          <a:xfrm>
+            <a:off x="882502" y="5695498"/>
+            <a:ext cx="6018892" cy="558166"/>
+          </a:xfrm>
+          <a:prstGeom prst="rect">
+            <a:avLst/>
+          </a:prstGeom>
+          <a:noFill/>
+        </p:spPr>
+        <p:txBody>
+          <a:bodyPr wrap="none" rtlCol="0">
+            <a:spAutoFit/>
+          </a:bodyPr>
+          <a:lstStyle/>
+          <a:p>
+            <a:pPr marL="285750" indent="-285750">
+              <a:lnSpc>
+                <a:spcPct val="200000"/>
+              </a:lnSpc>
+              <a:buFont typeface="Arial" panose="020B0604020202020204" pitchFamily="34" charset="0"/>
+              <a:buChar char="•"/>
+            </a:pPr>
+            <a:r>
+              <a:rPr lang="en-US" altLang="ko-KR" dirty="0"/>
+              <a:t>Tag</a:t>
+            </a:r>
+            <a:r>
+              <a:rPr lang="ko-KR" altLang="en-US" dirty="0"/>
+              <a:t>에 지적해주어야 하는 경로 방식에 두가지가 있다</a:t>
+            </a:r>
+            <a:r>
+              <a:rPr lang="en-US" altLang="ko-KR" dirty="0"/>
+              <a:t>.</a:t>
+            </a:r>
+          </a:p>
+        </p:txBody>
+      </p:sp>
     </p:spTree>
     <p:extLst>
       <p:ext uri="{BB962C8B-B14F-4D97-AF65-F5344CB8AC3E}">
@@ -8395,7 +9120,7 @@
           <p:nvPr/>
         </p:nvPicPr>
         <p:blipFill>
-          <a:blip r:embed="rId2"/>
+          <a:blip r:embed="rId3"/>
           <a:stretch>
             <a:fillRect/>
           </a:stretch>
@@ -13141,192 +13866,6 @@
         </p:nvSpPr>
         <p:spPr>
           <a:xfrm>
-            <a:off x="3216068" y="0"/>
-            <a:ext cx="5759864" cy="887615"/>
-          </a:xfrm>
-          <a:prstGeom prst="rect">
-            <a:avLst/>
-          </a:prstGeom>
-        </p:spPr>
-        <p:txBody>
-          <a:bodyPr wrap="square">
-            <a:spAutoFit/>
-          </a:bodyPr>
-          <a:lstStyle/>
-          <a:p>
-            <a:pPr algn="ctr" latinLnBrk="0">
-              <a:lnSpc>
-                <a:spcPct val="150000"/>
-              </a:lnSpc>
-              <a:defRPr/>
-            </a:pPr>
-            <a:r>
-              <a:rPr lang="en-US" altLang="ko-KR" sz="2400" b="1" i="1" kern="0" dirty="0">
-                <a:solidFill>
-                  <a:prstClr val="black">
-                    <a:lumMod val="75000"/>
-                    <a:lumOff val="25000"/>
-                  </a:prstClr>
-                </a:solidFill>
-              </a:rPr>
-              <a:t>Attack &amp; Defense CTF</a:t>
-            </a:r>
-          </a:p>
-          <a:p>
-            <a:pPr algn="ctr" latinLnBrk="0">
-              <a:lnSpc>
-                <a:spcPct val="150000"/>
-              </a:lnSpc>
-              <a:defRPr/>
-            </a:pPr>
-            <a:r>
-              <a:rPr lang="en-US" altLang="ko-KR" sz="1200" kern="0" dirty="0">
-                <a:solidFill>
-                  <a:prstClr val="black">
-                    <a:lumMod val="75000"/>
-                    <a:lumOff val="25000"/>
-                  </a:prstClr>
-                </a:solidFill>
-              </a:rPr>
-              <a:t>CSS</a:t>
-            </a:r>
-            <a:endParaRPr lang="ko-KR" altLang="en-US" sz="7200" kern="0" dirty="0">
-              <a:solidFill>
-                <a:prstClr val="black">
-                  <a:lumMod val="75000"/>
-                  <a:lumOff val="25000"/>
-                </a:prstClr>
-              </a:solidFill>
-            </a:endParaRPr>
-          </a:p>
-        </p:txBody>
-      </p:sp>
-      <p:cxnSp>
-        <p:nvCxnSpPr>
-          <p:cNvPr id="15" name="직선 연결선 14"/>
-          <p:cNvCxnSpPr>
-            <a:cxnSpLocks/>
-          </p:cNvCxnSpPr>
-          <p:nvPr/>
-        </p:nvCxnSpPr>
-        <p:spPr>
-          <a:xfrm>
-            <a:off x="882503" y="1013814"/>
-            <a:ext cx="10241952" cy="0"/>
-          </a:xfrm>
-          <a:prstGeom prst="line">
-            <a:avLst/>
-          </a:prstGeom>
-          <a:ln>
-            <a:solidFill>
-              <a:schemeClr val="tx1">
-                <a:lumMod val="75000"/>
-                <a:lumOff val="25000"/>
-              </a:schemeClr>
-            </a:solidFill>
-          </a:ln>
-        </p:spPr>
-        <p:style>
-          <a:lnRef idx="1">
-            <a:schemeClr val="accent1"/>
-          </a:lnRef>
-          <a:fillRef idx="0">
-            <a:schemeClr val="accent1"/>
-          </a:fillRef>
-          <a:effectRef idx="0">
-            <a:schemeClr val="accent1"/>
-          </a:effectRef>
-          <a:fontRef idx="minor">
-            <a:schemeClr val="tx1"/>
-          </a:fontRef>
-        </p:style>
-      </p:cxnSp>
-      <p:sp>
-        <p:nvSpPr>
-          <p:cNvPr id="5" name="TextBox 4">
-            <a:extLst>
-              <a:ext uri="{FF2B5EF4-FFF2-40B4-BE49-F238E27FC236}">
-                <a16:creationId xmlns:a16="http://schemas.microsoft.com/office/drawing/2014/main" id="{9465905B-733B-BD46-93D4-D70C0DAD0006}"/>
-              </a:ext>
-            </a:extLst>
-          </p:cNvPr>
-          <p:cNvSpPr txBox="1"/>
-          <p:nvPr/>
-        </p:nvSpPr>
-        <p:spPr>
-          <a:xfrm>
-            <a:off x="882503" y="1319463"/>
-            <a:ext cx="1455848" cy="461665"/>
-          </a:xfrm>
-          <a:prstGeom prst="rect">
-            <a:avLst/>
-          </a:prstGeom>
-          <a:noFill/>
-        </p:spPr>
-        <p:txBody>
-          <a:bodyPr wrap="none" rtlCol="0">
-            <a:spAutoFit/>
-          </a:bodyPr>
-          <a:lstStyle/>
-          <a:p>
-            <a:r>
-              <a:rPr lang="en-US" sz="2400" b="1" dirty="0"/>
-              <a:t>CSS </a:t>
-            </a:r>
-            <a:r>
-              <a:rPr lang="ko-KR" altLang="en-US" sz="2400" b="1" dirty="0"/>
-              <a:t>실습</a:t>
-            </a:r>
-            <a:endParaRPr lang="en-KR" sz="2400" b="1" dirty="0"/>
-          </a:p>
-        </p:txBody>
-      </p:sp>
-    </p:spTree>
-    <p:extLst>
-      <p:ext uri="{BB962C8B-B14F-4D97-AF65-F5344CB8AC3E}">
-        <p14:creationId xmlns:p14="http://schemas.microsoft.com/office/powerpoint/2010/main" val="4214794164"/>
-      </p:ext>
-    </p:extLst>
-  </p:cSld>
-  <p:clrMapOvr>
-    <a:masterClrMapping/>
-  </p:clrMapOvr>
-</p:sld>
-</file>
-
-<file path=ppt/slides/slide23.xml><?xml version="1.0" encoding="utf-8"?>
-<p:sld xmlns:a="http://schemas.openxmlformats.org/drawingml/2006/main" xmlns:r="http://schemas.openxmlformats.org/officeDocument/2006/relationships" xmlns:p="http://schemas.openxmlformats.org/presentationml/2006/main">
-  <p:cSld>
-    <p:bg>
-      <p:bgPr>
-        <a:solidFill>
-          <a:srgbClr val="E6E7E2"/>
-        </a:solidFill>
-        <a:effectLst/>
-      </p:bgPr>
-    </p:bg>
-    <p:spTree>
-      <p:nvGrpSpPr>
-        <p:cNvPr id="1" name=""/>
-        <p:cNvGrpSpPr/>
-        <p:nvPr/>
-      </p:nvGrpSpPr>
-      <p:grpSpPr>
-        <a:xfrm>
-          <a:off x="0" y="0"/>
-          <a:ext cx="0" cy="0"/>
-          <a:chOff x="0" y="0"/>
-          <a:chExt cx="0" cy="0"/>
-        </a:xfrm>
-      </p:grpSpPr>
-      <p:sp>
-        <p:nvSpPr>
-          <p:cNvPr id="14" name="직사각형 13"/>
-          <p:cNvSpPr/>
-          <p:nvPr/>
-        </p:nvSpPr>
-        <p:spPr>
-          <a:xfrm>
             <a:off x="1381316" y="2322415"/>
             <a:ext cx="9429368" cy="1474506"/>
           </a:xfrm>
@@ -13411,7 +13950,7 @@
 </p:sld>
 </file>
 
-<file path=ppt/slides/slide24.xml><?xml version="1.0" encoding="utf-8"?>
+<file path=ppt/slides/slide23.xml><?xml version="1.0" encoding="utf-8"?>
 <p:sld xmlns:a="http://schemas.openxmlformats.org/drawingml/2006/main" xmlns:r="http://schemas.openxmlformats.org/officeDocument/2006/relationships" xmlns:p="http://schemas.openxmlformats.org/presentationml/2006/main">
   <p:cSld>
     <p:bg>
@@ -13730,7 +14269,7 @@
 </p:sld>
 </file>
 
-<file path=ppt/slides/slide25.xml><?xml version="1.0" encoding="utf-8"?>
+<file path=ppt/slides/slide24.xml><?xml version="1.0" encoding="utf-8"?>
 <p:sld xmlns:a="http://schemas.openxmlformats.org/drawingml/2006/main" xmlns:r="http://schemas.openxmlformats.org/officeDocument/2006/relationships" xmlns:p="http://schemas.openxmlformats.org/presentationml/2006/main">
   <p:cSld>
     <p:bg>
@@ -14298,7 +14837,7 @@
 </p:sld>
 </file>
 
-<file path=ppt/slides/slide26.xml><?xml version="1.0" encoding="utf-8"?>
+<file path=ppt/slides/slide25.xml><?xml version="1.0" encoding="utf-8"?>
 <p:sld xmlns:a="http://schemas.openxmlformats.org/drawingml/2006/main" xmlns:r="http://schemas.openxmlformats.org/officeDocument/2006/relationships" xmlns:p="http://schemas.openxmlformats.org/presentationml/2006/main">
   <p:cSld>
     <p:bg>
@@ -14968,6 +15507,280 @@
 </p:sld>
 </file>
 
+<file path=ppt/slides/slide26.xml><?xml version="1.0" encoding="utf-8"?>
+<p:sld xmlns:a="http://schemas.openxmlformats.org/drawingml/2006/main" xmlns:r="http://schemas.openxmlformats.org/officeDocument/2006/relationships" xmlns:p="http://schemas.openxmlformats.org/presentationml/2006/main">
+  <p:cSld>
+    <p:bg>
+      <p:bgPr>
+        <a:solidFill>
+          <a:srgbClr val="E6E7E2"/>
+        </a:solidFill>
+        <a:effectLst/>
+      </p:bgPr>
+    </p:bg>
+    <p:spTree>
+      <p:nvGrpSpPr>
+        <p:cNvPr id="1" name=""/>
+        <p:cNvGrpSpPr/>
+        <p:nvPr/>
+      </p:nvGrpSpPr>
+      <p:grpSpPr>
+        <a:xfrm>
+          <a:off x="0" y="0"/>
+          <a:ext cx="0" cy="0"/>
+          <a:chOff x="0" y="0"/>
+          <a:chExt cx="0" cy="0"/>
+        </a:xfrm>
+      </p:grpSpPr>
+      <p:sp>
+        <p:nvSpPr>
+          <p:cNvPr id="14" name="직사각형 13"/>
+          <p:cNvSpPr/>
+          <p:nvPr/>
+        </p:nvSpPr>
+        <p:spPr>
+          <a:xfrm>
+            <a:off x="3216068" y="0"/>
+            <a:ext cx="5759864" cy="887615"/>
+          </a:xfrm>
+          <a:prstGeom prst="rect">
+            <a:avLst/>
+          </a:prstGeom>
+        </p:spPr>
+        <p:txBody>
+          <a:bodyPr wrap="square">
+            <a:spAutoFit/>
+          </a:bodyPr>
+          <a:lstStyle/>
+          <a:p>
+            <a:pPr algn="ctr" latinLnBrk="0">
+              <a:lnSpc>
+                <a:spcPct val="150000"/>
+              </a:lnSpc>
+              <a:defRPr/>
+            </a:pPr>
+            <a:r>
+              <a:rPr lang="en-US" altLang="ko-KR" sz="2400" b="1" i="1" kern="0" dirty="0">
+                <a:solidFill>
+                  <a:prstClr val="black">
+                    <a:lumMod val="75000"/>
+                    <a:lumOff val="25000"/>
+                  </a:prstClr>
+                </a:solidFill>
+              </a:rPr>
+              <a:t>Attack &amp; Defense CTF</a:t>
+            </a:r>
+          </a:p>
+          <a:p>
+            <a:pPr algn="ctr" latinLnBrk="0">
+              <a:lnSpc>
+                <a:spcPct val="150000"/>
+              </a:lnSpc>
+              <a:defRPr/>
+            </a:pPr>
+            <a:r>
+              <a:rPr lang="en-US" altLang="ko-KR" sz="1200" kern="0" dirty="0">
+                <a:solidFill>
+                  <a:prstClr val="black">
+                    <a:lumMod val="75000"/>
+                    <a:lumOff val="25000"/>
+                  </a:prstClr>
+                </a:solidFill>
+              </a:rPr>
+              <a:t>JAVASCRIPT</a:t>
+            </a:r>
+            <a:endParaRPr lang="ko-KR" altLang="en-US" sz="7200" kern="0" dirty="0">
+              <a:solidFill>
+                <a:prstClr val="black">
+                  <a:lumMod val="75000"/>
+                  <a:lumOff val="25000"/>
+                </a:prstClr>
+              </a:solidFill>
+            </a:endParaRPr>
+          </a:p>
+        </p:txBody>
+      </p:sp>
+      <p:cxnSp>
+        <p:nvCxnSpPr>
+          <p:cNvPr id="15" name="직선 연결선 14"/>
+          <p:cNvCxnSpPr>
+            <a:cxnSpLocks/>
+          </p:cNvCxnSpPr>
+          <p:nvPr/>
+        </p:nvCxnSpPr>
+        <p:spPr>
+          <a:xfrm>
+            <a:off x="882503" y="1013814"/>
+            <a:ext cx="10241952" cy="0"/>
+          </a:xfrm>
+          <a:prstGeom prst="line">
+            <a:avLst/>
+          </a:prstGeom>
+          <a:ln>
+            <a:solidFill>
+              <a:schemeClr val="tx1">
+                <a:lumMod val="75000"/>
+                <a:lumOff val="25000"/>
+              </a:schemeClr>
+            </a:solidFill>
+          </a:ln>
+        </p:spPr>
+        <p:style>
+          <a:lnRef idx="1">
+            <a:schemeClr val="accent1"/>
+          </a:lnRef>
+          <a:fillRef idx="0">
+            <a:schemeClr val="accent1"/>
+          </a:fillRef>
+          <a:effectRef idx="0">
+            <a:schemeClr val="accent1"/>
+          </a:effectRef>
+          <a:fontRef idx="minor">
+            <a:schemeClr val="tx1"/>
+          </a:fontRef>
+        </p:style>
+      </p:cxnSp>
+      <p:sp>
+        <p:nvSpPr>
+          <p:cNvPr id="4" name="TextBox 3">
+            <a:extLst>
+              <a:ext uri="{FF2B5EF4-FFF2-40B4-BE49-F238E27FC236}">
+                <a16:creationId xmlns:a16="http://schemas.microsoft.com/office/drawing/2014/main" id="{42AD757A-74B2-9A40-88A6-6A2354A80783}"/>
+              </a:ext>
+            </a:extLst>
+          </p:cNvPr>
+          <p:cNvSpPr txBox="1"/>
+          <p:nvPr/>
+        </p:nvSpPr>
+        <p:spPr>
+          <a:xfrm>
+            <a:off x="882503" y="1319463"/>
+            <a:ext cx="4081054" cy="461665"/>
+          </a:xfrm>
+          <a:prstGeom prst="rect">
+            <a:avLst/>
+          </a:prstGeom>
+          <a:noFill/>
+        </p:spPr>
+        <p:txBody>
+          <a:bodyPr wrap="none" rtlCol="0">
+            <a:spAutoFit/>
+          </a:bodyPr>
+          <a:lstStyle/>
+          <a:p>
+            <a:r>
+              <a:rPr lang="en-US" sz="2400" b="1" dirty="0"/>
+              <a:t>JAVASCRIPT </a:t>
+            </a:r>
+            <a:r>
+              <a:rPr lang="en-US" sz="2400" b="1" dirty="0" err="1"/>
+              <a:t>getElementBy</a:t>
+            </a:r>
+            <a:endParaRPr lang="en-KR" sz="2400" b="1" dirty="0"/>
+          </a:p>
+        </p:txBody>
+      </p:sp>
+      <p:sp>
+        <p:nvSpPr>
+          <p:cNvPr id="5" name="TextBox 4">
+            <a:extLst>
+              <a:ext uri="{FF2B5EF4-FFF2-40B4-BE49-F238E27FC236}">
+                <a16:creationId xmlns:a16="http://schemas.microsoft.com/office/drawing/2014/main" id="{BD98008D-4952-E14E-B30F-E108E9001352}"/>
+              </a:ext>
+            </a:extLst>
+          </p:cNvPr>
+          <p:cNvSpPr txBox="1"/>
+          <p:nvPr/>
+        </p:nvSpPr>
+        <p:spPr>
+          <a:xfrm>
+            <a:off x="882503" y="1781128"/>
+            <a:ext cx="5771132" cy="1666162"/>
+          </a:xfrm>
+          <a:prstGeom prst="rect">
+            <a:avLst/>
+          </a:prstGeom>
+          <a:noFill/>
+        </p:spPr>
+        <p:txBody>
+          <a:bodyPr wrap="none" rtlCol="0">
+            <a:spAutoFit/>
+          </a:bodyPr>
+          <a:lstStyle/>
+          <a:p>
+            <a:pPr marL="285750" indent="-285750">
+              <a:lnSpc>
+                <a:spcPct val="200000"/>
+              </a:lnSpc>
+              <a:buFont typeface="Arial" panose="020B0604020202020204" pitchFamily="34" charset="0"/>
+              <a:buChar char="•"/>
+            </a:pPr>
+            <a:r>
+              <a:rPr lang="en-US" altLang="ko-KR" dirty="0" err="1"/>
+              <a:t>document.getElementById</a:t>
+            </a:r>
+            <a:r>
+              <a:rPr lang="en-US" altLang="ko-KR" dirty="0"/>
+              <a:t>.(‘ID”)</a:t>
+            </a:r>
+          </a:p>
+          <a:p>
+            <a:pPr marL="285750" indent="-285750">
+              <a:lnSpc>
+                <a:spcPct val="200000"/>
+              </a:lnSpc>
+              <a:buFont typeface="Arial" panose="020B0604020202020204" pitchFamily="34" charset="0"/>
+              <a:buChar char="•"/>
+            </a:pPr>
+            <a:r>
+              <a:rPr lang="en-US" altLang="ko-KR" dirty="0" err="1"/>
+              <a:t>document.getElementsByClassName</a:t>
+            </a:r>
+            <a:r>
+              <a:rPr lang="en-US" altLang="ko-KR" dirty="0"/>
+              <a:t>.(“</a:t>
+            </a:r>
+            <a:r>
+              <a:rPr lang="en-US" altLang="ko-KR" dirty="0" err="1"/>
+              <a:t>ClassName</a:t>
+            </a:r>
+            <a:r>
+              <a:rPr lang="en-US" altLang="ko-KR" dirty="0"/>
+              <a:t>”)</a:t>
+            </a:r>
+          </a:p>
+          <a:p>
+            <a:pPr marL="285750" indent="-285750">
+              <a:lnSpc>
+                <a:spcPct val="200000"/>
+              </a:lnSpc>
+              <a:buFont typeface="Arial" panose="020B0604020202020204" pitchFamily="34" charset="0"/>
+              <a:buChar char="•"/>
+            </a:pPr>
+            <a:r>
+              <a:rPr lang="en-US" altLang="ko-KR" dirty="0" err="1"/>
+              <a:t>document.getmentsByTagName</a:t>
+            </a:r>
+            <a:r>
+              <a:rPr lang="en-US" altLang="ko-KR" dirty="0"/>
+              <a:t>.(“TAG”)</a:t>
+            </a:r>
+          </a:p>
+        </p:txBody>
+      </p:sp>
+    </p:spTree>
+    <p:extLst>
+      <p:ext uri="{BB962C8B-B14F-4D97-AF65-F5344CB8AC3E}">
+        <p14:creationId xmlns:p14="http://schemas.microsoft.com/office/powerpoint/2010/main" val="2299918557"/>
+      </p:ext>
+    </p:extLst>
+  </p:cSld>
+  <p:clrMapOvr>
+    <a:masterClrMapping/>
+  </p:clrMapOvr>
+</p:sld>
+</file>
+
 <file path=ppt/slides/slide27.xml><?xml version="1.0" encoding="utf-8"?>
 <p:sld xmlns:a="http://schemas.openxmlformats.org/drawingml/2006/main" xmlns:r="http://schemas.openxmlformats.org/officeDocument/2006/relationships" xmlns:p="http://schemas.openxmlformats.org/presentationml/2006/main">
   <p:cSld>
@@ -15141,6 +15954,41 @@
           </a:p>
         </p:txBody>
       </p:sp>
+      <p:pic>
+        <p:nvPicPr>
+          <p:cNvPr id="3" name="그림 2">
+            <a:extLst>
+              <a:ext uri="{FF2B5EF4-FFF2-40B4-BE49-F238E27FC236}">
+                <a16:creationId xmlns:a16="http://schemas.microsoft.com/office/drawing/2014/main" id="{5FB6AE99-DBEE-49C8-AE82-AA5C243359DE}"/>
+              </a:ext>
+            </a:extLst>
+          </p:cNvPr>
+          <p:cNvPicPr>
+            <a:picLocks noChangeAspect="1"/>
+          </p:cNvPicPr>
+          <p:nvPr/>
+        </p:nvPicPr>
+        <p:blipFill>
+          <a:blip r:embed="rId2"/>
+          <a:stretch>
+            <a:fillRect/>
+          </a:stretch>
+        </p:blipFill>
+        <p:spPr>
+          <a:xfrm>
+            <a:off x="882503" y="2086776"/>
+            <a:ext cx="7651897" cy="4270509"/>
+          </a:xfrm>
+          <a:prstGeom prst="rect">
+            <a:avLst/>
+          </a:prstGeom>
+          <a:ln>
+            <a:solidFill>
+              <a:schemeClr val="tx1"/>
+            </a:solidFill>
+          </a:ln>
+        </p:spPr>
+      </p:pic>
     </p:spTree>
     <p:extLst>
       <p:ext uri="{BB962C8B-B14F-4D97-AF65-F5344CB8AC3E}">
@@ -15341,7 +16189,7 @@
         </p:nvSpPr>
         <p:spPr>
           <a:xfrm>
-            <a:off x="2364059" y="2029522"/>
+            <a:off x="882503" y="1902110"/>
             <a:ext cx="1420582" cy="369332"/>
           </a:xfrm>
           <a:prstGeom prst="rect">
@@ -16085,7 +16933,7 @@
           <p:nvPr/>
         </p:nvPicPr>
         <p:blipFill>
-          <a:blip r:embed="rId2">
+          <a:blip r:embed="rId2" cstate="print">
             <a:extLst>
               <a:ext uri="{28A0092B-C50C-407E-A947-70E740481C1C}">
                 <a14:useLocalDpi xmlns:a14="http://schemas.microsoft.com/office/drawing/2010/main" val="0"/>
@@ -18194,49 +19042,6 @@
           </a:p>
         </p:txBody>
       </p:sp>
-      <p:sp>
-        <p:nvSpPr>
-          <p:cNvPr id="6" name="CustomShape 4">
-            <a:extLst>
-              <a:ext uri="{FF2B5EF4-FFF2-40B4-BE49-F238E27FC236}">
-                <a16:creationId xmlns:a16="http://schemas.microsoft.com/office/drawing/2014/main" id="{F4914E0D-6B2C-2B4D-8CE3-4474A207D253}"/>
-              </a:ext>
-            </a:extLst>
-          </p:cNvPr>
-          <p:cNvSpPr/>
-          <p:nvPr/>
-        </p:nvSpPr>
-        <p:spPr>
-          <a:xfrm>
-            <a:off x="882503" y="3709121"/>
-            <a:ext cx="6638040" cy="2381760"/>
-          </a:xfrm>
-          <a:prstGeom prst="rect">
-            <a:avLst/>
-          </a:prstGeom>
-          <a:blipFill>
-            <a:blip r:embed="rId2"/>
-            <a:stretch>
-              <a:fillRect/>
-            </a:stretch>
-          </a:blipFill>
-          <a:ln>
-            <a:noFill/>
-          </a:ln>
-        </p:spPr>
-        <p:style>
-          <a:lnRef idx="0">
-            <a:scrgbClr r="0" g="0" b="0"/>
-          </a:lnRef>
-          <a:fillRef idx="0">
-            <a:scrgbClr r="0" g="0" b="0"/>
-          </a:fillRef>
-          <a:effectRef idx="0">
-            <a:scrgbClr r="0" g="0" b="0"/>
-          </a:effectRef>
-          <a:fontRef idx="minor"/>
-        </p:style>
-      </p:sp>
     </p:spTree>
     <p:extLst>
       <p:ext uri="{BB962C8B-B14F-4D97-AF65-F5344CB8AC3E}">
@@ -20251,7 +21056,7 @@
         <p:spPr>
           <a:xfrm>
             <a:off x="882503" y="1319463"/>
-            <a:ext cx="1832553" cy="461665"/>
+            <a:ext cx="1524776" cy="461665"/>
           </a:xfrm>
           <a:prstGeom prst="rect">
             <a:avLst/>
@@ -20270,9 +21075,74 @@
             </a:r>
             <a:r>
               <a:rPr lang="ko-KR" altLang="en-US" sz="2400" b="1" dirty="0"/>
-              <a:t> 연산자</a:t>
+              <a:t> 출력</a:t>
             </a:r>
             <a:endParaRPr lang="en-KR" sz="2400" b="1" dirty="0"/>
+          </a:p>
+        </p:txBody>
+      </p:sp>
+      <p:sp>
+        <p:nvSpPr>
+          <p:cNvPr id="7" name="TextBox 6">
+            <a:extLst>
+              <a:ext uri="{FF2B5EF4-FFF2-40B4-BE49-F238E27FC236}">
+                <a16:creationId xmlns:a16="http://schemas.microsoft.com/office/drawing/2014/main" id="{485D6491-7D93-498F-8D7A-883F95592DF5}"/>
+              </a:ext>
+            </a:extLst>
+          </p:cNvPr>
+          <p:cNvSpPr txBox="1"/>
+          <p:nvPr/>
+        </p:nvSpPr>
+        <p:spPr>
+          <a:xfrm>
+            <a:off x="882503" y="1781128"/>
+            <a:ext cx="4246675" cy="1112164"/>
+          </a:xfrm>
+          <a:prstGeom prst="rect">
+            <a:avLst/>
+          </a:prstGeom>
+          <a:noFill/>
+        </p:spPr>
+        <p:txBody>
+          <a:bodyPr wrap="none" rtlCol="0">
+            <a:spAutoFit/>
+          </a:bodyPr>
+          <a:lstStyle/>
+          <a:p>
+            <a:pPr marL="285750" indent="-285750">
+              <a:lnSpc>
+                <a:spcPct val="200000"/>
+              </a:lnSpc>
+              <a:buFont typeface="Arial" panose="020B0604020202020204" pitchFamily="34" charset="0"/>
+              <a:buChar char="•"/>
+            </a:pPr>
+            <a:r>
+              <a:rPr lang="en-US" dirty="0"/>
+              <a:t>echo</a:t>
+            </a:r>
+            <a:r>
+              <a:rPr lang="ko-KR" altLang="en-US" dirty="0"/>
+              <a:t> 사용</a:t>
+            </a:r>
+            <a:endParaRPr lang="en-US" altLang="ko-KR" dirty="0"/>
+          </a:p>
+          <a:p>
+            <a:pPr marL="285750" indent="-285750">
+              <a:lnSpc>
+                <a:spcPct val="200000"/>
+              </a:lnSpc>
+              <a:buFont typeface="Arial" panose="020B0604020202020204" pitchFamily="34" charset="0"/>
+              <a:buChar char="•"/>
+            </a:pPr>
+            <a:r>
+              <a:rPr lang="en-US" dirty="0"/>
+              <a:t>.</a:t>
+            </a:r>
+            <a:r>
+              <a:rPr lang="ko-KR" altLang="en-US" dirty="0"/>
+              <a:t>을 이용해서 두 수식을 이을 수 있음</a:t>
+            </a:r>
+            <a:endParaRPr lang="en-US" altLang="ko-KR" dirty="0"/>
           </a:p>
         </p:txBody>
       </p:sp>
@@ -20456,20 +21326,115 @@
             </a:r>
             <a:r>
               <a:rPr lang="ko-KR" altLang="en-US" sz="2400" b="1" dirty="0"/>
-              <a:t> </a:t>
-            </a:r>
-            <a:r>
-              <a:rPr lang="ko-KR" altLang="en-US" sz="2400" b="1" dirty="0" err="1"/>
-              <a:t>조건문</a:t>
+              <a:t> 연산자</a:t>
             </a:r>
             <a:endParaRPr lang="en-KR" sz="2400" b="1" dirty="0"/>
+          </a:p>
+        </p:txBody>
+      </p:sp>
+      <p:sp>
+        <p:nvSpPr>
+          <p:cNvPr id="7" name="TextBox 6">
+            <a:extLst>
+              <a:ext uri="{FF2B5EF4-FFF2-40B4-BE49-F238E27FC236}">
+                <a16:creationId xmlns:a16="http://schemas.microsoft.com/office/drawing/2014/main" id="{5E5A7279-9B7A-43CC-9AA5-E8A9886BB1B0}"/>
+              </a:ext>
+            </a:extLst>
+          </p:cNvPr>
+          <p:cNvSpPr txBox="1"/>
+          <p:nvPr/>
+        </p:nvSpPr>
+        <p:spPr>
+          <a:xfrm>
+            <a:off x="882503" y="1781128"/>
+            <a:ext cx="1478290" cy="2774157"/>
+          </a:xfrm>
+          <a:prstGeom prst="rect">
+            <a:avLst/>
+          </a:prstGeom>
+          <a:noFill/>
+        </p:spPr>
+        <p:txBody>
+          <a:bodyPr wrap="none" rtlCol="0">
+            <a:spAutoFit/>
+          </a:bodyPr>
+          <a:lstStyle/>
+          <a:p>
+            <a:pPr marL="285750" indent="-285750">
+              <a:lnSpc>
+                <a:spcPct val="200000"/>
+              </a:lnSpc>
+              <a:buFont typeface="Arial" panose="020B0604020202020204" pitchFamily="34" charset="0"/>
+              <a:buChar char="•"/>
+            </a:pPr>
+            <a:r>
+              <a:rPr lang="ko-KR" altLang="en-US" dirty="0"/>
+              <a:t>산술 연산</a:t>
+            </a:r>
+            <a:endParaRPr lang="en-US" altLang="ko-KR" dirty="0"/>
+          </a:p>
+          <a:p>
+            <a:pPr marL="285750" indent="-285750">
+              <a:lnSpc>
+                <a:spcPct val="200000"/>
+              </a:lnSpc>
+              <a:buFont typeface="Arial" panose="020B0604020202020204" pitchFamily="34" charset="0"/>
+              <a:buChar char="•"/>
+            </a:pPr>
+            <a:r>
+              <a:rPr lang="ko-KR" altLang="en-US" dirty="0"/>
+              <a:t>증감 연산</a:t>
+            </a:r>
+            <a:endParaRPr lang="en-US" altLang="ko-KR" dirty="0"/>
+          </a:p>
+          <a:p>
+            <a:pPr marL="285750" indent="-285750">
+              <a:lnSpc>
+                <a:spcPct val="200000"/>
+              </a:lnSpc>
+              <a:buFont typeface="Arial" panose="020B0604020202020204" pitchFamily="34" charset="0"/>
+              <a:buChar char="•"/>
+            </a:pPr>
+            <a:r>
+              <a:rPr lang="ko-KR" altLang="en-US" dirty="0"/>
+              <a:t>비교 연산</a:t>
+            </a:r>
+            <a:endParaRPr lang="en-US" altLang="ko-KR" dirty="0"/>
+          </a:p>
+          <a:p>
+            <a:pPr marL="285750" indent="-285750">
+              <a:lnSpc>
+                <a:spcPct val="200000"/>
+              </a:lnSpc>
+              <a:buFont typeface="Arial" panose="020B0604020202020204" pitchFamily="34" charset="0"/>
+              <a:buChar char="•"/>
+            </a:pPr>
+            <a:r>
+              <a:rPr lang="ko-KR" altLang="en-US" dirty="0"/>
+              <a:t>논리 연산</a:t>
+            </a:r>
+            <a:endParaRPr lang="en-US" altLang="ko-KR" dirty="0"/>
+          </a:p>
+          <a:p>
+            <a:pPr marL="285750" indent="-285750">
+              <a:lnSpc>
+                <a:spcPct val="200000"/>
+              </a:lnSpc>
+              <a:buFont typeface="Arial" panose="020B0604020202020204" pitchFamily="34" charset="0"/>
+              <a:buChar char="•"/>
+            </a:pPr>
+            <a:r>
+              <a:rPr lang="ko-KR" altLang="en-US" dirty="0"/>
+              <a:t>비트 연산</a:t>
+            </a:r>
+            <a:endParaRPr lang="en-US" altLang="ko-KR" dirty="0"/>
           </a:p>
         </p:txBody>
       </p:sp>
     </p:spTree>
     <p:extLst>
       <p:ext uri="{BB962C8B-B14F-4D97-AF65-F5344CB8AC3E}">
-        <p14:creationId xmlns:p14="http://schemas.microsoft.com/office/powerpoint/2010/main" val="2201718795"/>
+        <p14:creationId xmlns:p14="http://schemas.microsoft.com/office/powerpoint/2010/main" val="1138263566"/>
       </p:ext>
     </p:extLst>
   </p:cSld>
@@ -20650,16 +21615,105 @@
             </a:r>
             <a:r>
               <a:rPr lang="ko-KR" altLang="en-US" sz="2400" b="1" dirty="0" err="1"/>
-              <a:t>반복문</a:t>
+              <a:t>조건문</a:t>
             </a:r>
             <a:endParaRPr lang="en-KR" sz="2400" b="1" dirty="0"/>
+          </a:p>
+        </p:txBody>
+      </p:sp>
+      <p:sp>
+        <p:nvSpPr>
+          <p:cNvPr id="7" name="TextBox 6">
+            <a:extLst>
+              <a:ext uri="{FF2B5EF4-FFF2-40B4-BE49-F238E27FC236}">
+                <a16:creationId xmlns:a16="http://schemas.microsoft.com/office/drawing/2014/main" id="{CBFD11E4-A862-4469-813F-3ED9A82CA068}"/>
+              </a:ext>
+            </a:extLst>
+          </p:cNvPr>
+          <p:cNvSpPr txBox="1"/>
+          <p:nvPr/>
+        </p:nvSpPr>
+        <p:spPr>
+          <a:xfrm>
+            <a:off x="882503" y="1781128"/>
+            <a:ext cx="2166747" cy="1112164"/>
+          </a:xfrm>
+          <a:prstGeom prst="rect">
+            <a:avLst/>
+          </a:prstGeom>
+          <a:noFill/>
+        </p:spPr>
+        <p:txBody>
+          <a:bodyPr wrap="none" rtlCol="0">
+            <a:spAutoFit/>
+          </a:bodyPr>
+          <a:lstStyle/>
+          <a:p>
+            <a:pPr marL="285750" indent="-285750">
+              <a:lnSpc>
+                <a:spcPct val="200000"/>
+              </a:lnSpc>
+              <a:buFont typeface="Arial" panose="020B0604020202020204" pitchFamily="34" charset="0"/>
+              <a:buChar char="•"/>
+            </a:pPr>
+            <a:r>
+              <a:rPr lang="en-US" altLang="ko-KR" dirty="0"/>
+              <a:t>if,</a:t>
+            </a:r>
+            <a:r>
+              <a:rPr lang="ko-KR" altLang="en-US" dirty="0"/>
+              <a:t> </a:t>
+            </a:r>
+            <a:r>
+              <a:rPr lang="en-US" altLang="ko-KR" dirty="0"/>
+              <a:t>else</a:t>
+            </a:r>
+            <a:r>
+              <a:rPr lang="ko-KR" altLang="en-US" dirty="0"/>
+              <a:t> </a:t>
+            </a:r>
+            <a:r>
+              <a:rPr lang="en-US" altLang="ko-KR" dirty="0"/>
+              <a:t>if,</a:t>
+            </a:r>
+            <a:r>
+              <a:rPr lang="ko-KR" altLang="en-US" dirty="0"/>
+              <a:t> </a:t>
+            </a:r>
+            <a:r>
+              <a:rPr lang="en-US" altLang="ko-KR" dirty="0"/>
+              <a:t>else </a:t>
+            </a:r>
+            <a:r>
+              <a:rPr lang="ko-KR" altLang="en-US" dirty="0"/>
+              <a:t>문</a:t>
+            </a:r>
+            <a:endParaRPr lang="en-US" altLang="ko-KR" dirty="0"/>
+          </a:p>
+          <a:p>
+            <a:pPr marL="285750" indent="-285750">
+              <a:lnSpc>
+                <a:spcPct val="200000"/>
+              </a:lnSpc>
+              <a:buFont typeface="Arial" panose="020B0604020202020204" pitchFamily="34" charset="0"/>
+              <a:buChar char="•"/>
+            </a:pPr>
+            <a:r>
+              <a:rPr lang="en-US" altLang="ko-KR" dirty="0"/>
+              <a:t>switch case </a:t>
+            </a:r>
+            <a:r>
+              <a:rPr lang="ko-KR" altLang="en-US" dirty="0"/>
+              <a:t>문</a:t>
+            </a:r>
+            <a:endParaRPr lang="en-US" altLang="ko-KR" dirty="0"/>
           </a:p>
         </p:txBody>
       </p:sp>
     </p:spTree>
     <p:extLst>
       <p:ext uri="{BB962C8B-B14F-4D97-AF65-F5344CB8AC3E}">
-        <p14:creationId xmlns:p14="http://schemas.microsoft.com/office/powerpoint/2010/main" val="1691597863"/>
+        <p14:creationId xmlns:p14="http://schemas.microsoft.com/office/powerpoint/2010/main" val="2201718795"/>
       </p:ext>
     </p:extLst>
   </p:cSld>
@@ -20817,7 +21871,7 @@
         <p:spPr>
           <a:xfrm>
             <a:off x="882503" y="1319463"/>
-            <a:ext cx="3281668" cy="461665"/>
+            <a:ext cx="1832553" cy="461665"/>
           </a:xfrm>
           <a:prstGeom prst="rect">
             <a:avLst/>
@@ -20836,16 +21890,103 @@
             </a:r>
             <a:r>
               <a:rPr lang="ko-KR" altLang="en-US" sz="2400" b="1" dirty="0"/>
-              <a:t> 사용자 정의 함수</a:t>
+              <a:t> </a:t>
+            </a:r>
+            <a:r>
+              <a:rPr lang="ko-KR" altLang="en-US" sz="2400" b="1" dirty="0" err="1"/>
+              <a:t>반복문</a:t>
             </a:r>
             <a:endParaRPr lang="en-KR" sz="2400" b="1" dirty="0"/>
+          </a:p>
+        </p:txBody>
+      </p:sp>
+      <p:sp>
+        <p:nvSpPr>
+          <p:cNvPr id="7" name="TextBox 6">
+            <a:extLst>
+              <a:ext uri="{FF2B5EF4-FFF2-40B4-BE49-F238E27FC236}">
+                <a16:creationId xmlns:a16="http://schemas.microsoft.com/office/drawing/2014/main" id="{18E8C141-04E5-41F9-B0CE-B6A231E6BA89}"/>
+              </a:ext>
+            </a:extLst>
+          </p:cNvPr>
+          <p:cNvSpPr txBox="1"/>
+          <p:nvPr/>
+        </p:nvSpPr>
+        <p:spPr>
+          <a:xfrm>
+            <a:off x="882503" y="1781128"/>
+            <a:ext cx="1709122" cy="1666162"/>
+          </a:xfrm>
+          <a:prstGeom prst="rect">
+            <a:avLst/>
+          </a:prstGeom>
+          <a:noFill/>
+        </p:spPr>
+        <p:txBody>
+          <a:bodyPr wrap="none" rtlCol="0">
+            <a:spAutoFit/>
+          </a:bodyPr>
+          <a:lstStyle/>
+          <a:p>
+            <a:pPr marL="285750" indent="-285750">
+              <a:lnSpc>
+                <a:spcPct val="200000"/>
+              </a:lnSpc>
+              <a:buFont typeface="Arial" panose="020B0604020202020204" pitchFamily="34" charset="0"/>
+              <a:buChar char="•"/>
+            </a:pPr>
+            <a:r>
+              <a:rPr lang="en-US" altLang="ko-KR" dirty="0"/>
+              <a:t>for </a:t>
+            </a:r>
+            <a:r>
+              <a:rPr lang="ko-KR" altLang="en-US" dirty="0"/>
+              <a:t>문</a:t>
+            </a:r>
+            <a:endParaRPr lang="en-US" altLang="ko-KR" dirty="0"/>
+          </a:p>
+          <a:p>
+            <a:pPr marL="285750" indent="-285750">
+              <a:lnSpc>
+                <a:spcPct val="200000"/>
+              </a:lnSpc>
+              <a:buFont typeface="Arial" panose="020B0604020202020204" pitchFamily="34" charset="0"/>
+              <a:buChar char="•"/>
+            </a:pPr>
+            <a:r>
+              <a:rPr lang="en-US" altLang="ko-KR" dirty="0"/>
+              <a:t>while </a:t>
+            </a:r>
+            <a:r>
+              <a:rPr lang="ko-KR" altLang="en-US" dirty="0"/>
+              <a:t>문</a:t>
+            </a:r>
+            <a:endParaRPr lang="en-US" altLang="ko-KR" dirty="0"/>
+          </a:p>
+          <a:p>
+            <a:pPr marL="285750" indent="-285750">
+              <a:lnSpc>
+                <a:spcPct val="200000"/>
+              </a:lnSpc>
+              <a:buFont typeface="Arial" panose="020B0604020202020204" pitchFamily="34" charset="0"/>
+              <a:buChar char="•"/>
+            </a:pPr>
+            <a:r>
+              <a:rPr lang="en-US" altLang="ko-KR" dirty="0"/>
+              <a:t>do while </a:t>
+            </a:r>
+            <a:r>
+              <a:rPr lang="ko-KR" altLang="en-US" dirty="0"/>
+              <a:t>문</a:t>
+            </a:r>
+            <a:endParaRPr lang="en-US" altLang="ko-KR" dirty="0"/>
           </a:p>
         </p:txBody>
       </p:sp>
     </p:spTree>
     <p:extLst>
       <p:ext uri="{BB962C8B-B14F-4D97-AF65-F5344CB8AC3E}">
-        <p14:creationId xmlns:p14="http://schemas.microsoft.com/office/powerpoint/2010/main" val="359197310"/>
+        <p14:creationId xmlns:p14="http://schemas.microsoft.com/office/powerpoint/2010/main" val="1691597863"/>
       </p:ext>
     </p:extLst>
   </p:cSld>
@@ -21296,7 +22437,7 @@
                 <p:nvPr/>
               </p:nvPicPr>
               <p:blipFill>
-                <a:blip r:embed="rId2">
+                <a:blip r:embed="rId2" cstate="print">
                   <a:extLst>
                     <a:ext uri="{28A0092B-C50C-407E-A947-70E740481C1C}">
                       <a14:useLocalDpi xmlns:a14="http://schemas.microsoft.com/office/drawing/2010/main" val="0"/>
@@ -21390,7 +22531,7 @@
                 <p:nvPr/>
               </p:nvPicPr>
               <p:blipFill>
-                <a:blip r:embed="rId4">
+                <a:blip r:embed="rId4" cstate="print">
                   <a:extLst>
                     <a:ext uri="{28A0092B-C50C-407E-A947-70E740481C1C}">
                       <a14:useLocalDpi xmlns:a14="http://schemas.microsoft.com/office/drawing/2010/main" val="0"/>
@@ -21437,7 +22578,7 @@
                 <p:nvPr/>
               </p:nvPicPr>
               <p:blipFill>
-                <a:blip r:embed="rId5">
+                <a:blip r:embed="rId5" cstate="print">
                   <a:extLst>
                     <a:ext uri="{28A0092B-C50C-407E-A947-70E740481C1C}">
                       <a14:useLocalDpi xmlns:a14="http://schemas.microsoft.com/office/drawing/2010/main" val="0"/>
@@ -21645,7 +22786,7 @@
                 <p:nvPr/>
               </p:nvPicPr>
               <p:blipFill>
-                <a:blip r:embed="rId6">
+                <a:blip r:embed="rId6" cstate="print">
                   <a:extLst>
                     <a:ext uri="{28A0092B-C50C-407E-A947-70E740481C1C}">
                       <a14:useLocalDpi xmlns:a14="http://schemas.microsoft.com/office/drawing/2010/main" val="0"/>
@@ -21907,7 +23048,7 @@
                   <p:nvPr/>
                 </p:nvPicPr>
                 <p:blipFill>
-                  <a:blip r:embed="rId2">
+                  <a:blip r:embed="rId2" cstate="print">
                     <a:extLst>
                       <a:ext uri="{28A0092B-C50C-407E-A947-70E740481C1C}">
                         <a14:useLocalDpi xmlns:a14="http://schemas.microsoft.com/office/drawing/2010/main" val="0"/>
@@ -22001,7 +23142,7 @@
                   <p:nvPr/>
                 </p:nvPicPr>
                 <p:blipFill>
-                  <a:blip r:embed="rId4">
+                  <a:blip r:embed="rId4" cstate="print">
                     <a:extLst>
                       <a:ext uri="{28A0092B-C50C-407E-A947-70E740481C1C}">
                         <a14:useLocalDpi xmlns:a14="http://schemas.microsoft.com/office/drawing/2010/main" val="0"/>
@@ -22048,7 +23189,7 @@
                   <p:nvPr/>
                 </p:nvPicPr>
                 <p:blipFill>
-                  <a:blip r:embed="rId5">
+                  <a:blip r:embed="rId5" cstate="print">
                     <a:extLst>
                       <a:ext uri="{28A0092B-C50C-407E-A947-70E740481C1C}">
                         <a14:useLocalDpi xmlns:a14="http://schemas.microsoft.com/office/drawing/2010/main" val="0"/>
@@ -22535,7 +23676,7 @@
                   <p:nvPr/>
                 </p:nvPicPr>
                 <p:blipFill>
-                  <a:blip r:embed="rId6">
+                  <a:blip r:embed="rId6" cstate="print">
                     <a:extLst>
                       <a:ext uri="{28A0092B-C50C-407E-A947-70E740481C1C}">
                         <a14:useLocalDpi xmlns:a14="http://schemas.microsoft.com/office/drawing/2010/main" val="0"/>
@@ -22583,7 +23724,7 @@
                 <p:nvPr/>
               </p:nvPicPr>
               <p:blipFill>
-                <a:blip r:embed="rId7">
+                <a:blip r:embed="rId7" cstate="print">
                   <a:extLst>
                     <a:ext uri="{28A0092B-C50C-407E-A947-70E740481C1C}">
                       <a14:useLocalDpi xmlns:a14="http://schemas.microsoft.com/office/drawing/2010/main" val="0"/>
@@ -22723,7 +23864,7 @@
             <p:nvPr/>
           </p:nvPicPr>
           <p:blipFill>
-            <a:blip r:embed="rId6">
+            <a:blip r:embed="rId6" cstate="print">
               <a:extLst>
                 <a:ext uri="{28A0092B-C50C-407E-A947-70E740481C1C}">
                   <a14:useLocalDpi xmlns:a14="http://schemas.microsoft.com/office/drawing/2010/main" val="0"/>
@@ -22770,7 +23911,7 @@
             <p:nvPr/>
           </p:nvPicPr>
           <p:blipFill>
-            <a:blip r:embed="rId7">
+            <a:blip r:embed="rId7" cstate="print">
               <a:extLst>
                 <a:ext uri="{28A0092B-C50C-407E-A947-70E740481C1C}">
                   <a14:useLocalDpi xmlns:a14="http://schemas.microsoft.com/office/drawing/2010/main" val="0"/>
@@ -23008,7 +24149,7 @@
         <p:spPr>
           <a:xfrm>
             <a:off x="882503" y="1319463"/>
-            <a:ext cx="3390672" cy="461665"/>
+            <a:ext cx="3281668" cy="461665"/>
           </a:xfrm>
           <a:prstGeom prst="rect">
             <a:avLst/>
@@ -23027,16 +24168,77 @@
             </a:r>
             <a:r>
               <a:rPr lang="ko-KR" altLang="en-US" sz="2400" b="1" dirty="0"/>
-              <a:t> 로그인 체크 실습</a:t>
+              <a:t> 사용자 정의 함수</a:t>
             </a:r>
             <a:endParaRPr lang="en-KR" sz="2400" b="1" dirty="0"/>
+          </a:p>
+        </p:txBody>
+      </p:sp>
+      <p:sp>
+        <p:nvSpPr>
+          <p:cNvPr id="7" name="TextBox 6">
+            <a:extLst>
+              <a:ext uri="{FF2B5EF4-FFF2-40B4-BE49-F238E27FC236}">
+                <a16:creationId xmlns:a16="http://schemas.microsoft.com/office/drawing/2014/main" id="{6F7D2530-9955-4ABF-8B57-A5967BA668F9}"/>
+              </a:ext>
+            </a:extLst>
+          </p:cNvPr>
+          <p:cNvSpPr txBox="1"/>
+          <p:nvPr/>
+        </p:nvSpPr>
+        <p:spPr>
+          <a:xfrm>
+            <a:off x="882503" y="1781128"/>
+            <a:ext cx="2959465" cy="1112164"/>
+          </a:xfrm>
+          <a:prstGeom prst="rect">
+            <a:avLst/>
+          </a:prstGeom>
+          <a:noFill/>
+        </p:spPr>
+        <p:txBody>
+          <a:bodyPr wrap="none" rtlCol="0">
+            <a:spAutoFit/>
+          </a:bodyPr>
+          <a:lstStyle/>
+          <a:p>
+            <a:pPr marL="285750" indent="-285750">
+              <a:lnSpc>
+                <a:spcPct val="200000"/>
+              </a:lnSpc>
+              <a:buFont typeface="Arial" panose="020B0604020202020204" pitchFamily="34" charset="0"/>
+              <a:buChar char="•"/>
+            </a:pPr>
+            <a:r>
+              <a:rPr lang="en-US" altLang="ko-KR" dirty="0"/>
+              <a:t>function </a:t>
+            </a:r>
+            <a:r>
+              <a:rPr lang="ko-KR" altLang="en-US" dirty="0"/>
+              <a:t>으로 함수 정의</a:t>
+            </a:r>
+            <a:endParaRPr lang="en-US" altLang="ko-KR" dirty="0"/>
+          </a:p>
+          <a:p>
+            <a:pPr marL="285750" indent="-285750">
+              <a:lnSpc>
+                <a:spcPct val="200000"/>
+              </a:lnSpc>
+              <a:buFont typeface="Arial" panose="020B0604020202020204" pitchFamily="34" charset="0"/>
+              <a:buChar char="•"/>
+            </a:pPr>
+            <a:r>
+              <a:rPr lang="ko-KR" altLang="en-US" dirty="0"/>
+              <a:t>따로 변수 형태는 없음</a:t>
+            </a:r>
+            <a:endParaRPr lang="en-US" altLang="ko-KR" dirty="0"/>
           </a:p>
         </p:txBody>
       </p:sp>
     </p:spTree>
     <p:extLst>
       <p:ext uri="{BB962C8B-B14F-4D97-AF65-F5344CB8AC3E}">
-        <p14:creationId xmlns:p14="http://schemas.microsoft.com/office/powerpoint/2010/main" val="1012366212"/>
+        <p14:creationId xmlns:p14="http://schemas.microsoft.com/office/powerpoint/2010/main" val="359197310"/>
       </p:ext>
     </p:extLst>
   </p:cSld>
@@ -23047,6 +24249,293 @@
 </file>
 
 <file path=ppt/slides/slide41.xml><?xml version="1.0" encoding="utf-8"?>
+<p:sld xmlns:a="http://schemas.openxmlformats.org/drawingml/2006/main" xmlns:r="http://schemas.openxmlformats.org/officeDocument/2006/relationships" xmlns:p="http://schemas.openxmlformats.org/presentationml/2006/main">
+  <p:cSld>
+    <p:bg>
+      <p:bgPr>
+        <a:solidFill>
+          <a:srgbClr val="E6E7E2"/>
+        </a:solidFill>
+        <a:effectLst/>
+      </p:bgPr>
+    </p:bg>
+    <p:spTree>
+      <p:nvGrpSpPr>
+        <p:cNvPr id="1" name=""/>
+        <p:cNvGrpSpPr/>
+        <p:nvPr/>
+      </p:nvGrpSpPr>
+      <p:grpSpPr>
+        <a:xfrm>
+          <a:off x="0" y="0"/>
+          <a:ext cx="0" cy="0"/>
+          <a:chOff x="0" y="0"/>
+          <a:chExt cx="0" cy="0"/>
+        </a:xfrm>
+      </p:grpSpPr>
+      <p:sp>
+        <p:nvSpPr>
+          <p:cNvPr id="14" name="직사각형 13"/>
+          <p:cNvSpPr/>
+          <p:nvPr/>
+        </p:nvSpPr>
+        <p:spPr>
+          <a:xfrm>
+            <a:off x="3216068" y="0"/>
+            <a:ext cx="5759864" cy="887615"/>
+          </a:xfrm>
+          <a:prstGeom prst="rect">
+            <a:avLst/>
+          </a:prstGeom>
+        </p:spPr>
+        <p:txBody>
+          <a:bodyPr wrap="square">
+            <a:spAutoFit/>
+          </a:bodyPr>
+          <a:lstStyle/>
+          <a:p>
+            <a:pPr algn="ctr" latinLnBrk="0">
+              <a:lnSpc>
+                <a:spcPct val="150000"/>
+              </a:lnSpc>
+              <a:defRPr/>
+            </a:pPr>
+            <a:r>
+              <a:rPr lang="en-US" altLang="ko-KR" sz="2400" b="1" i="1" kern="0" dirty="0">
+                <a:solidFill>
+                  <a:prstClr val="black">
+                    <a:lumMod val="75000"/>
+                    <a:lumOff val="25000"/>
+                  </a:prstClr>
+                </a:solidFill>
+              </a:rPr>
+              <a:t>Attack &amp; Defense CTF</a:t>
+            </a:r>
+          </a:p>
+          <a:p>
+            <a:pPr algn="ctr" latinLnBrk="0">
+              <a:lnSpc>
+                <a:spcPct val="150000"/>
+              </a:lnSpc>
+              <a:defRPr/>
+            </a:pPr>
+            <a:r>
+              <a:rPr lang="en-US" altLang="ko-KR" sz="1200" kern="0" dirty="0">
+                <a:solidFill>
+                  <a:prstClr val="black">
+                    <a:lumMod val="75000"/>
+                    <a:lumOff val="25000"/>
+                  </a:prstClr>
+                </a:solidFill>
+              </a:rPr>
+              <a:t>PHP</a:t>
+            </a:r>
+            <a:endParaRPr lang="ko-KR" altLang="en-US" sz="7200" kern="0" dirty="0">
+              <a:solidFill>
+                <a:prstClr val="black">
+                  <a:lumMod val="75000"/>
+                  <a:lumOff val="25000"/>
+                </a:prstClr>
+              </a:solidFill>
+            </a:endParaRPr>
+          </a:p>
+        </p:txBody>
+      </p:sp>
+      <p:cxnSp>
+        <p:nvCxnSpPr>
+          <p:cNvPr id="15" name="직선 연결선 14"/>
+          <p:cNvCxnSpPr>
+            <a:cxnSpLocks/>
+          </p:cNvCxnSpPr>
+          <p:nvPr/>
+        </p:nvCxnSpPr>
+        <p:spPr>
+          <a:xfrm>
+            <a:off x="882503" y="1013814"/>
+            <a:ext cx="10241952" cy="0"/>
+          </a:xfrm>
+          <a:prstGeom prst="line">
+            <a:avLst/>
+          </a:prstGeom>
+          <a:ln>
+            <a:solidFill>
+              <a:schemeClr val="tx1">
+                <a:lumMod val="75000"/>
+                <a:lumOff val="25000"/>
+              </a:schemeClr>
+            </a:solidFill>
+          </a:ln>
+        </p:spPr>
+        <p:style>
+          <a:lnRef idx="1">
+            <a:schemeClr val="accent1"/>
+          </a:lnRef>
+          <a:fillRef idx="0">
+            <a:schemeClr val="accent1"/>
+          </a:fillRef>
+          <a:effectRef idx="0">
+            <a:schemeClr val="accent1"/>
+          </a:effectRef>
+          <a:fontRef idx="minor">
+            <a:schemeClr val="tx1"/>
+          </a:fontRef>
+        </p:style>
+      </p:cxnSp>
+      <p:sp>
+        <p:nvSpPr>
+          <p:cNvPr id="5" name="TextBox 4">
+            <a:extLst>
+              <a:ext uri="{FF2B5EF4-FFF2-40B4-BE49-F238E27FC236}">
+                <a16:creationId xmlns:a16="http://schemas.microsoft.com/office/drawing/2014/main" id="{1A68398D-3658-1948-B1F4-0824F8A58215}"/>
+              </a:ext>
+            </a:extLst>
+          </p:cNvPr>
+          <p:cNvSpPr txBox="1"/>
+          <p:nvPr/>
+        </p:nvSpPr>
+        <p:spPr>
+          <a:xfrm>
+            <a:off x="882503" y="1319463"/>
+            <a:ext cx="2852897" cy="461665"/>
+          </a:xfrm>
+          <a:prstGeom prst="rect">
+            <a:avLst/>
+          </a:prstGeom>
+          <a:noFill/>
+        </p:spPr>
+        <p:txBody>
+          <a:bodyPr wrap="none" rtlCol="0">
+            <a:spAutoFit/>
+          </a:bodyPr>
+          <a:lstStyle/>
+          <a:p>
+            <a:r>
+              <a:rPr lang="en-US" sz="2400" b="1" dirty="0"/>
+              <a:t>PHP</a:t>
+            </a:r>
+            <a:r>
+              <a:rPr lang="ko-KR" altLang="en-US" sz="2400" b="1" dirty="0"/>
+              <a:t> </a:t>
+            </a:r>
+            <a:r>
+              <a:rPr lang="en-US" altLang="ko-KR" sz="2400" b="1" dirty="0"/>
+              <a:t>GET &amp; POST</a:t>
+            </a:r>
+            <a:endParaRPr lang="en-KR" sz="2400" b="1" dirty="0"/>
+          </a:p>
+        </p:txBody>
+      </p:sp>
+      <p:sp>
+        <p:nvSpPr>
+          <p:cNvPr id="7" name="TextBox 6">
+            <a:extLst>
+              <a:ext uri="{FF2B5EF4-FFF2-40B4-BE49-F238E27FC236}">
+                <a16:creationId xmlns:a16="http://schemas.microsoft.com/office/drawing/2014/main" id="{6F7D2530-9955-4ABF-8B57-A5967BA668F9}"/>
+              </a:ext>
+            </a:extLst>
+          </p:cNvPr>
+          <p:cNvSpPr txBox="1"/>
+          <p:nvPr/>
+        </p:nvSpPr>
+        <p:spPr>
+          <a:xfrm>
+            <a:off x="882503" y="1781128"/>
+            <a:ext cx="6723123" cy="1112164"/>
+          </a:xfrm>
+          <a:prstGeom prst="rect">
+            <a:avLst/>
+          </a:prstGeom>
+          <a:noFill/>
+        </p:spPr>
+        <p:txBody>
+          <a:bodyPr wrap="none" rtlCol="0">
+            <a:spAutoFit/>
+          </a:bodyPr>
+          <a:lstStyle/>
+          <a:p>
+            <a:pPr marL="285750" indent="-285750">
+              <a:lnSpc>
+                <a:spcPct val="200000"/>
+              </a:lnSpc>
+              <a:buFont typeface="Arial" panose="020B0604020202020204" pitchFamily="34" charset="0"/>
+              <a:buChar char="•"/>
+            </a:pPr>
+            <a:r>
+              <a:rPr lang="en-US" altLang="ko-KR" dirty="0"/>
+              <a:t>GET</a:t>
+            </a:r>
+            <a:r>
+              <a:rPr lang="ko-KR" altLang="en-US" dirty="0"/>
+              <a:t>은 </a:t>
+            </a:r>
+            <a:r>
+              <a:rPr lang="en-US" altLang="ko-KR" dirty="0" err="1"/>
+              <a:t>url</a:t>
+            </a:r>
+            <a:r>
+              <a:rPr lang="ko-KR" altLang="en-US" dirty="0"/>
+              <a:t>뒤에 값이 붙음</a:t>
+            </a:r>
+            <a:endParaRPr lang="en-US" altLang="ko-KR" dirty="0"/>
+          </a:p>
+          <a:p>
+            <a:pPr marL="285750" indent="-285750">
+              <a:lnSpc>
+                <a:spcPct val="200000"/>
+              </a:lnSpc>
+              <a:buFont typeface="Arial" panose="020B0604020202020204" pitchFamily="34" charset="0"/>
+              <a:buChar char="•"/>
+            </a:pPr>
+            <a:r>
+              <a:rPr lang="en-US" altLang="ko-KR" dirty="0"/>
+              <a:t>POST</a:t>
+            </a:r>
+            <a:r>
+              <a:rPr lang="ko-KR" altLang="en-US" dirty="0"/>
+              <a:t>는 </a:t>
+            </a:r>
+            <a:r>
+              <a:rPr lang="en-US" altLang="ko-KR" dirty="0"/>
+              <a:t>packet</a:t>
+            </a:r>
+            <a:r>
+              <a:rPr lang="ko-KR" altLang="en-US" dirty="0"/>
+              <a:t>전송 시 붙기 </a:t>
+            </a:r>
+            <a:r>
+              <a:rPr lang="ko-KR" altLang="en-US" dirty="0" err="1"/>
+              <a:t>떄문에</a:t>
+            </a:r>
+            <a:r>
+              <a:rPr lang="ko-KR" altLang="en-US" dirty="0"/>
+              <a:t> </a:t>
+            </a:r>
+            <a:r>
+              <a:rPr lang="en-US" altLang="ko-KR" dirty="0" err="1"/>
+              <a:t>url</a:t>
+            </a:r>
+            <a:r>
+              <a:rPr lang="ko-KR" altLang="en-US" dirty="0"/>
+              <a:t>로는 값을 알 수 없음</a:t>
+            </a:r>
+            <a:endParaRPr lang="en-US" altLang="ko-KR" dirty="0"/>
+          </a:p>
+        </p:txBody>
+      </p:sp>
+    </p:spTree>
+    <p:extLst>
+      <p:ext uri="{BB962C8B-B14F-4D97-AF65-F5344CB8AC3E}">
+        <p14:creationId xmlns:p14="http://schemas.microsoft.com/office/powerpoint/2010/main" val="2149573966"/>
+      </p:ext>
+    </p:extLst>
+  </p:cSld>
+  <p:clrMapOvr>
+    <a:masterClrMapping/>
+  </p:clrMapOvr>
+</p:sld>
+</file>
+
+<file path=ppt/slides/slide42.xml><?xml version="1.0" encoding="utf-8"?>
 <p:sld xmlns:a="http://schemas.openxmlformats.org/drawingml/2006/main" xmlns:r="http://schemas.openxmlformats.org/officeDocument/2006/relationships" xmlns:p="http://schemas.openxmlformats.org/presentationml/2006/main">
   <p:cSld>
     <p:bg>
@@ -23304,7 +24793,7 @@
 </p:sld>
 </file>
 
-<file path=ppt/slides/slide42.xml><?xml version="1.0" encoding="utf-8"?>
+<file path=ppt/slides/slide43.xml><?xml version="1.0" encoding="utf-8"?>
 <p:sld xmlns:a="http://schemas.openxmlformats.org/drawingml/2006/main" xmlns:r="http://schemas.openxmlformats.org/officeDocument/2006/relationships" xmlns:p="http://schemas.openxmlformats.org/presentationml/2006/main">
   <p:cSld>
     <p:bg>
@@ -23607,7 +25096,7 @@
 </p:sld>
 </file>
 
-<file path=ppt/slides/slide43.xml><?xml version="1.0" encoding="utf-8"?>
+<file path=ppt/slides/slide44.xml><?xml version="1.0" encoding="utf-8"?>
 <p:sld xmlns:a="http://schemas.openxmlformats.org/drawingml/2006/main" xmlns:r="http://schemas.openxmlformats.org/officeDocument/2006/relationships" xmlns:p="http://schemas.openxmlformats.org/presentationml/2006/main">
   <p:cSld>
     <p:bg>
@@ -23968,7 +25457,7 @@
 </p:sld>
 </file>
 
-<file path=ppt/slides/slide44.xml><?xml version="1.0" encoding="utf-8"?>
+<file path=ppt/slides/slide45.xml><?xml version="1.0" encoding="utf-8"?>
 <p:sld xmlns:a="http://schemas.openxmlformats.org/drawingml/2006/main" xmlns:r="http://schemas.openxmlformats.org/officeDocument/2006/relationships" xmlns:p="http://schemas.openxmlformats.org/presentationml/2006/main">
   <p:cSld>
     <p:bg>
@@ -24295,7 +25784,7 @@
 </p:sld>
 </file>
 
-<file path=ppt/slides/slide45.xml><?xml version="1.0" encoding="utf-8"?>
+<file path=ppt/slides/slide46.xml><?xml version="1.0" encoding="utf-8"?>
 <p:sld xmlns:a="http://schemas.openxmlformats.org/drawingml/2006/main" xmlns:r="http://schemas.openxmlformats.org/officeDocument/2006/relationships" xmlns:p="http://schemas.openxmlformats.org/presentationml/2006/main">
   <p:cSld>
     <p:bg>
@@ -24481,14 +25970,14 @@
           <p:nvPr>
             <p:extLst>
               <p:ext uri="{D42A27DB-BD31-4B8C-83A1-F6EECF244321}">
-                <p14:modId xmlns:p14="http://schemas.microsoft.com/office/powerpoint/2010/main" val="3957849833"/>
+                <p14:modId xmlns:p14="http://schemas.microsoft.com/office/powerpoint/2010/main" val="3710666213"/>
               </p:ext>
             </p:extLst>
           </p:nvPr>
         </p:nvGraphicFramePr>
         <p:xfrm>
-          <a:off x="882502" y="2086776"/>
-          <a:ext cx="7931714" cy="2644920"/>
+          <a:off x="1044218" y="4138354"/>
+          <a:ext cx="7931714" cy="2560320"/>
         </p:xfrm>
         <a:graphic>
           <a:graphicData uri="http://schemas.openxmlformats.org/drawingml/2006/table">
@@ -24510,7 +25999,7 @@
                   </a:extLst>
                 </a:gridCol>
               </a:tblGrid>
-              <a:tr h="370440">
+              <a:tr h="343213">
                 <a:tc>
                   <a:txBody>
                     <a:bodyPr/>
@@ -24675,7 +26164,7 @@
                   </a:ext>
                 </a:extLst>
               </a:tr>
-              <a:tr h="379080">
+              <a:tr h="351218">
                 <a:tc>
                   <a:txBody>
                     <a:bodyPr/>
@@ -24868,7 +26357,7 @@
                   </a:ext>
                 </a:extLst>
               </a:tr>
-              <a:tr h="379080">
+              <a:tr h="351218">
                 <a:tc>
                   <a:txBody>
                     <a:bodyPr/>
@@ -25061,7 +26550,7 @@
                   </a:ext>
                 </a:extLst>
               </a:tr>
-              <a:tr h="379080">
+              <a:tr h="351218">
                 <a:tc>
                   <a:txBody>
                     <a:bodyPr/>
@@ -25282,7 +26771,7 @@
                   </a:ext>
                 </a:extLst>
               </a:tr>
-              <a:tr h="379080">
+              <a:tr h="351218">
                 <a:tc>
                   <a:txBody>
                     <a:bodyPr/>
@@ -25573,7 +27062,7 @@
                   </a:ext>
                 </a:extLst>
               </a:tr>
-              <a:tr h="379080">
+              <a:tr h="351218">
                 <a:tc>
                   <a:txBody>
                     <a:bodyPr/>
@@ -25766,7 +27255,7 @@
                   </a:ext>
                 </a:extLst>
               </a:tr>
-              <a:tr h="379080">
+              <a:tr h="351218">
                 <a:tc>
                   <a:txBody>
                     <a:bodyPr/>
@@ -25963,6 +27452,70 @@
           </a:graphicData>
         </a:graphic>
       </p:graphicFrame>
+      <p:sp>
+        <p:nvSpPr>
+          <p:cNvPr id="6" name="TextBox 5">
+            <a:extLst>
+              <a:ext uri="{FF2B5EF4-FFF2-40B4-BE49-F238E27FC236}">
+                <a16:creationId xmlns:a16="http://schemas.microsoft.com/office/drawing/2014/main" id="{892651B3-0982-4BBC-ABB9-78A822B39889}"/>
+              </a:ext>
+            </a:extLst>
+          </p:cNvPr>
+          <p:cNvSpPr txBox="1"/>
+          <p:nvPr/>
+        </p:nvSpPr>
+        <p:spPr>
+          <a:xfrm>
+            <a:off x="882503" y="1807361"/>
+            <a:ext cx="1931811" cy="1112164"/>
+          </a:xfrm>
+          <a:prstGeom prst="rect">
+            <a:avLst/>
+          </a:prstGeom>
+          <a:noFill/>
+        </p:spPr>
+        <p:txBody>
+          <a:bodyPr wrap="none" rtlCol="0">
+            <a:spAutoFit/>
+          </a:bodyPr>
+          <a:lstStyle/>
+          <a:p>
+            <a:pPr marL="285750" indent="-285750">
+              <a:lnSpc>
+                <a:spcPct val="200000"/>
+              </a:lnSpc>
+              <a:buFont typeface="Arial" panose="020B0604020202020204" pitchFamily="34" charset="0"/>
+              <a:buChar char="•"/>
+            </a:pPr>
+            <a:r>
+              <a:rPr lang="en-US" altLang="ko-KR" dirty="0" err="1"/>
+              <a:t>preg_match</a:t>
+            </a:r>
+            <a:r>
+              <a:rPr lang="en-US" altLang="ko-KR" dirty="0"/>
+              <a:t>: </a:t>
+            </a:r>
+          </a:p>
+          <a:p>
+            <a:pPr marL="285750" indent="-285750">
+              <a:lnSpc>
+                <a:spcPct val="200000"/>
+              </a:lnSpc>
+              <a:buFont typeface="Arial" panose="020B0604020202020204" pitchFamily="34" charset="0"/>
+              <a:buChar char="•"/>
+            </a:pPr>
+            <a:r>
+              <a:rPr lang="en-US" altLang="ko-KR" dirty="0" err="1"/>
+              <a:t>preg_replace</a:t>
+            </a:r>
+            <a:r>
+              <a:rPr lang="en-US" altLang="ko-KR" dirty="0"/>
+              <a:t>: </a:t>
+            </a:r>
+            <a:endParaRPr lang="ko-KR" altLang="en-US" dirty="0"/>
+          </a:p>
+        </p:txBody>
+      </p:sp>
     </p:spTree>
     <p:extLst>
       <p:ext uri="{BB962C8B-B14F-4D97-AF65-F5344CB8AC3E}">
@@ -25976,7 +27529,7 @@
 </p:sld>
 </file>
 
-<file path=ppt/slides/slide46.xml><?xml version="1.0" encoding="utf-8"?>
+<file path=ppt/slides/slide47.xml><?xml version="1.0" encoding="utf-8"?>
 <p:sld xmlns:a="http://schemas.openxmlformats.org/drawingml/2006/main" xmlns:r="http://schemas.openxmlformats.org/officeDocument/2006/relationships" xmlns:p="http://schemas.openxmlformats.org/presentationml/2006/main">
   <p:cSld>
     <p:bg>
@@ -27610,7 +29163,193 @@
 </p:sld>
 </file>
 
-<file path=ppt/slides/slide47.xml><?xml version="1.0" encoding="utf-8"?>
+<file path=ppt/slides/slide48.xml><?xml version="1.0" encoding="utf-8"?>
+<p:sld xmlns:a="http://schemas.openxmlformats.org/drawingml/2006/main" xmlns:r="http://schemas.openxmlformats.org/officeDocument/2006/relationships" xmlns:p="http://schemas.openxmlformats.org/presentationml/2006/main">
+  <p:cSld>
+    <p:bg>
+      <p:bgPr>
+        <a:solidFill>
+          <a:srgbClr val="E6E7E2"/>
+        </a:solidFill>
+        <a:effectLst/>
+      </p:bgPr>
+    </p:bg>
+    <p:spTree>
+      <p:nvGrpSpPr>
+        <p:cNvPr id="1" name=""/>
+        <p:cNvGrpSpPr/>
+        <p:nvPr/>
+      </p:nvGrpSpPr>
+      <p:grpSpPr>
+        <a:xfrm>
+          <a:off x="0" y="0"/>
+          <a:ext cx="0" cy="0"/>
+          <a:chOff x="0" y="0"/>
+          <a:chExt cx="0" cy="0"/>
+        </a:xfrm>
+      </p:grpSpPr>
+      <p:sp>
+        <p:nvSpPr>
+          <p:cNvPr id="14" name="직사각형 13"/>
+          <p:cNvSpPr/>
+          <p:nvPr/>
+        </p:nvSpPr>
+        <p:spPr>
+          <a:xfrm>
+            <a:off x="3216068" y="0"/>
+            <a:ext cx="5759864" cy="887615"/>
+          </a:xfrm>
+          <a:prstGeom prst="rect">
+            <a:avLst/>
+          </a:prstGeom>
+        </p:spPr>
+        <p:txBody>
+          <a:bodyPr wrap="square">
+            <a:spAutoFit/>
+          </a:bodyPr>
+          <a:lstStyle/>
+          <a:p>
+            <a:pPr algn="ctr" latinLnBrk="0">
+              <a:lnSpc>
+                <a:spcPct val="150000"/>
+              </a:lnSpc>
+              <a:defRPr/>
+            </a:pPr>
+            <a:r>
+              <a:rPr lang="en-US" altLang="ko-KR" sz="2400" b="1" i="1" kern="0" dirty="0">
+                <a:solidFill>
+                  <a:prstClr val="black">
+                    <a:lumMod val="75000"/>
+                    <a:lumOff val="25000"/>
+                  </a:prstClr>
+                </a:solidFill>
+              </a:rPr>
+              <a:t>Attack &amp; Defense CTF</a:t>
+            </a:r>
+          </a:p>
+          <a:p>
+            <a:pPr algn="ctr" latinLnBrk="0">
+              <a:lnSpc>
+                <a:spcPct val="150000"/>
+              </a:lnSpc>
+              <a:defRPr/>
+            </a:pPr>
+            <a:r>
+              <a:rPr lang="en-US" altLang="ko-KR" sz="1200" kern="0" dirty="0">
+                <a:solidFill>
+                  <a:prstClr val="black">
+                    <a:lumMod val="75000"/>
+                    <a:lumOff val="25000"/>
+                  </a:prstClr>
+                </a:solidFill>
+              </a:rPr>
+              <a:t>PHP</a:t>
+            </a:r>
+            <a:endParaRPr lang="ko-KR" altLang="en-US" sz="7200" kern="0" dirty="0">
+              <a:solidFill>
+                <a:prstClr val="black">
+                  <a:lumMod val="75000"/>
+                  <a:lumOff val="25000"/>
+                </a:prstClr>
+              </a:solidFill>
+            </a:endParaRPr>
+          </a:p>
+        </p:txBody>
+      </p:sp>
+      <p:cxnSp>
+        <p:nvCxnSpPr>
+          <p:cNvPr id="15" name="직선 연결선 14"/>
+          <p:cNvCxnSpPr>
+            <a:cxnSpLocks/>
+          </p:cNvCxnSpPr>
+          <p:nvPr/>
+        </p:nvCxnSpPr>
+        <p:spPr>
+          <a:xfrm>
+            <a:off x="882503" y="1013814"/>
+            <a:ext cx="10241952" cy="0"/>
+          </a:xfrm>
+          <a:prstGeom prst="line">
+            <a:avLst/>
+          </a:prstGeom>
+          <a:ln>
+            <a:solidFill>
+              <a:schemeClr val="tx1">
+                <a:lumMod val="75000"/>
+                <a:lumOff val="25000"/>
+              </a:schemeClr>
+            </a:solidFill>
+          </a:ln>
+        </p:spPr>
+        <p:style>
+          <a:lnRef idx="1">
+            <a:schemeClr val="accent1"/>
+          </a:lnRef>
+          <a:fillRef idx="0">
+            <a:schemeClr val="accent1"/>
+          </a:fillRef>
+          <a:effectRef idx="0">
+            <a:schemeClr val="accent1"/>
+          </a:effectRef>
+          <a:fontRef idx="minor">
+            <a:schemeClr val="tx1"/>
+          </a:fontRef>
+        </p:style>
+      </p:cxnSp>
+      <p:sp>
+        <p:nvSpPr>
+          <p:cNvPr id="5" name="TextBox 4">
+            <a:extLst>
+              <a:ext uri="{FF2B5EF4-FFF2-40B4-BE49-F238E27FC236}">
+                <a16:creationId xmlns:a16="http://schemas.microsoft.com/office/drawing/2014/main" id="{1A68398D-3658-1948-B1F4-0824F8A58215}"/>
+              </a:ext>
+            </a:extLst>
+          </p:cNvPr>
+          <p:cNvSpPr txBox="1"/>
+          <p:nvPr/>
+        </p:nvSpPr>
+        <p:spPr>
+          <a:xfrm>
+            <a:off x="882503" y="1319463"/>
+            <a:ext cx="3390672" cy="461665"/>
+          </a:xfrm>
+          <a:prstGeom prst="rect">
+            <a:avLst/>
+          </a:prstGeom>
+          <a:noFill/>
+        </p:spPr>
+        <p:txBody>
+          <a:bodyPr wrap="none" rtlCol="0">
+            <a:spAutoFit/>
+          </a:bodyPr>
+          <a:lstStyle/>
+          <a:p>
+            <a:r>
+              <a:rPr lang="en-US" sz="2400" b="1" dirty="0"/>
+              <a:t>PHP</a:t>
+            </a:r>
+            <a:r>
+              <a:rPr lang="ko-KR" altLang="en-US" sz="2400" b="1" dirty="0"/>
+              <a:t> 로그인 체크 실습</a:t>
+            </a:r>
+            <a:endParaRPr lang="en-KR" sz="2400" b="1" dirty="0"/>
+          </a:p>
+        </p:txBody>
+      </p:sp>
+    </p:spTree>
+    <p:extLst>
+      <p:ext uri="{BB962C8B-B14F-4D97-AF65-F5344CB8AC3E}">
+        <p14:creationId xmlns:p14="http://schemas.microsoft.com/office/powerpoint/2010/main" val="1012366212"/>
+      </p:ext>
+    </p:extLst>
+  </p:cSld>
+  <p:clrMapOvr>
+    <a:masterClrMapping/>
+  </p:clrMapOvr>
+</p:sld>
+</file>
+
+<file path=ppt/slides/slide49.xml><?xml version="1.0" encoding="utf-8"?>
 <p:sld xmlns:a="http://schemas.openxmlformats.org/drawingml/2006/main" xmlns:r="http://schemas.openxmlformats.org/officeDocument/2006/relationships" xmlns:p="http://schemas.openxmlformats.org/presentationml/2006/main">
   <p:cSld>
     <p:bg>
@@ -27884,536 +29623,6 @@
     <p:extLst>
       <p:ext uri="{BB962C8B-B14F-4D97-AF65-F5344CB8AC3E}">
         <p14:creationId xmlns:p14="http://schemas.microsoft.com/office/powerpoint/2010/main" val="4138335566"/>
-      </p:ext>
-    </p:extLst>
-  </p:cSld>
-  <p:clrMapOvr>
-    <a:masterClrMapping/>
-  </p:clrMapOvr>
-</p:sld>
-</file>
-
-<file path=ppt/slides/slide48.xml><?xml version="1.0" encoding="utf-8"?>
-<p:sld xmlns:a="http://schemas.openxmlformats.org/drawingml/2006/main" xmlns:r="http://schemas.openxmlformats.org/officeDocument/2006/relationships" xmlns:p="http://schemas.openxmlformats.org/presentationml/2006/main">
-  <p:cSld>
-    <p:bg>
-      <p:bgPr>
-        <a:solidFill>
-          <a:srgbClr val="E6E7E2"/>
-        </a:solidFill>
-        <a:effectLst/>
-      </p:bgPr>
-    </p:bg>
-    <p:spTree>
-      <p:nvGrpSpPr>
-        <p:cNvPr id="1" name=""/>
-        <p:cNvGrpSpPr/>
-        <p:nvPr/>
-      </p:nvGrpSpPr>
-      <p:grpSpPr>
-        <a:xfrm>
-          <a:off x="0" y="0"/>
-          <a:ext cx="0" cy="0"/>
-          <a:chOff x="0" y="0"/>
-          <a:chExt cx="0" cy="0"/>
-        </a:xfrm>
-      </p:grpSpPr>
-      <p:sp>
-        <p:nvSpPr>
-          <p:cNvPr id="14" name="직사각형 13"/>
-          <p:cNvSpPr/>
-          <p:nvPr/>
-        </p:nvSpPr>
-        <p:spPr>
-          <a:xfrm>
-            <a:off x="3216068" y="0"/>
-            <a:ext cx="5759864" cy="887615"/>
-          </a:xfrm>
-          <a:prstGeom prst="rect">
-            <a:avLst/>
-          </a:prstGeom>
-        </p:spPr>
-        <p:txBody>
-          <a:bodyPr wrap="square">
-            <a:spAutoFit/>
-          </a:bodyPr>
-          <a:lstStyle/>
-          <a:p>
-            <a:pPr algn="ctr" latinLnBrk="0">
-              <a:lnSpc>
-                <a:spcPct val="150000"/>
-              </a:lnSpc>
-              <a:defRPr/>
-            </a:pPr>
-            <a:r>
-              <a:rPr lang="en-US" altLang="ko-KR" sz="2400" b="1" i="1" kern="0" dirty="0">
-                <a:solidFill>
-                  <a:prstClr val="black">
-                    <a:lumMod val="75000"/>
-                    <a:lumOff val="25000"/>
-                  </a:prstClr>
-                </a:solidFill>
-              </a:rPr>
-              <a:t>Attack &amp; Defense CTF</a:t>
-            </a:r>
-          </a:p>
-          <a:p>
-            <a:pPr algn="ctr" latinLnBrk="0">
-              <a:lnSpc>
-                <a:spcPct val="150000"/>
-              </a:lnSpc>
-              <a:defRPr/>
-            </a:pPr>
-            <a:r>
-              <a:rPr lang="en-US" altLang="ko-KR" sz="1200" kern="0" dirty="0">
-                <a:solidFill>
-                  <a:prstClr val="black">
-                    <a:lumMod val="75000"/>
-                    <a:lumOff val="25000"/>
-                  </a:prstClr>
-                </a:solidFill>
-              </a:rPr>
-              <a:t>PHP</a:t>
-            </a:r>
-            <a:endParaRPr lang="ko-KR" altLang="en-US" sz="7200" kern="0" dirty="0">
-              <a:solidFill>
-                <a:prstClr val="black">
-                  <a:lumMod val="75000"/>
-                  <a:lumOff val="25000"/>
-                </a:prstClr>
-              </a:solidFill>
-            </a:endParaRPr>
-          </a:p>
-        </p:txBody>
-      </p:sp>
-      <p:cxnSp>
-        <p:nvCxnSpPr>
-          <p:cNvPr id="15" name="직선 연결선 14"/>
-          <p:cNvCxnSpPr>
-            <a:cxnSpLocks/>
-          </p:cNvCxnSpPr>
-          <p:nvPr/>
-        </p:nvCxnSpPr>
-        <p:spPr>
-          <a:xfrm>
-            <a:off x="882503" y="1013814"/>
-            <a:ext cx="10241952" cy="0"/>
-          </a:xfrm>
-          <a:prstGeom prst="line">
-            <a:avLst/>
-          </a:prstGeom>
-          <a:ln>
-            <a:solidFill>
-              <a:schemeClr val="tx1">
-                <a:lumMod val="75000"/>
-                <a:lumOff val="25000"/>
-              </a:schemeClr>
-            </a:solidFill>
-          </a:ln>
-        </p:spPr>
-        <p:style>
-          <a:lnRef idx="1">
-            <a:schemeClr val="accent1"/>
-          </a:lnRef>
-          <a:fillRef idx="0">
-            <a:schemeClr val="accent1"/>
-          </a:fillRef>
-          <a:effectRef idx="0">
-            <a:schemeClr val="accent1"/>
-          </a:effectRef>
-          <a:fontRef idx="minor">
-            <a:schemeClr val="tx1"/>
-          </a:fontRef>
-        </p:style>
-      </p:cxnSp>
-      <p:sp>
-        <p:nvSpPr>
-          <p:cNvPr id="5" name="TextBox 4">
-            <a:extLst>
-              <a:ext uri="{FF2B5EF4-FFF2-40B4-BE49-F238E27FC236}">
-                <a16:creationId xmlns:a16="http://schemas.microsoft.com/office/drawing/2014/main" id="{1A68398D-3658-1948-B1F4-0824F8A58215}"/>
-              </a:ext>
-            </a:extLst>
-          </p:cNvPr>
-          <p:cNvSpPr txBox="1"/>
-          <p:nvPr/>
-        </p:nvSpPr>
-        <p:spPr>
-          <a:xfrm>
-            <a:off x="882503" y="1319463"/>
-            <a:ext cx="1596912" cy="461665"/>
-          </a:xfrm>
-          <a:prstGeom prst="rect">
-            <a:avLst/>
-          </a:prstGeom>
-          <a:noFill/>
-        </p:spPr>
-        <p:txBody>
-          <a:bodyPr wrap="none" rtlCol="0">
-            <a:spAutoFit/>
-          </a:bodyPr>
-          <a:lstStyle/>
-          <a:p>
-            <a:r>
-              <a:rPr lang="en-US" sz="2400" b="1" dirty="0"/>
-              <a:t>PHP</a:t>
-            </a:r>
-            <a:r>
-              <a:rPr lang="ko-KR" altLang="en-US" sz="2400" b="1" dirty="0"/>
-              <a:t> </a:t>
-            </a:r>
-            <a:r>
-              <a:rPr lang="en-US" altLang="ko-KR" sz="2400" b="1" dirty="0"/>
-              <a:t>class</a:t>
-            </a:r>
-            <a:endParaRPr lang="en-KR" sz="2400" b="1" dirty="0"/>
-          </a:p>
-        </p:txBody>
-      </p:sp>
-      <p:sp>
-        <p:nvSpPr>
-          <p:cNvPr id="2" name="TextBox 1">
-            <a:extLst>
-              <a:ext uri="{FF2B5EF4-FFF2-40B4-BE49-F238E27FC236}">
-                <a16:creationId xmlns:a16="http://schemas.microsoft.com/office/drawing/2014/main" id="{315A5955-9865-3247-B855-05189EED54F1}"/>
-              </a:ext>
-            </a:extLst>
-          </p:cNvPr>
-          <p:cNvSpPr txBox="1"/>
-          <p:nvPr/>
-        </p:nvSpPr>
-        <p:spPr>
-          <a:xfrm>
-            <a:off x="882503" y="1903751"/>
-            <a:ext cx="4806124" cy="1112164"/>
-          </a:xfrm>
-          <a:prstGeom prst="rect">
-            <a:avLst/>
-          </a:prstGeom>
-          <a:noFill/>
-        </p:spPr>
-        <p:txBody>
-          <a:bodyPr wrap="none" rtlCol="0">
-            <a:spAutoFit/>
-          </a:bodyPr>
-          <a:lstStyle/>
-          <a:p>
-            <a:pPr marL="285750" indent="-285750">
-              <a:lnSpc>
-                <a:spcPct val="200000"/>
-              </a:lnSpc>
-              <a:buFont typeface="Arial" panose="020B0604020202020204" pitchFamily="34" charset="0"/>
-              <a:buChar char="•"/>
-            </a:pPr>
-            <a:r>
-              <a:rPr lang="en-KR" dirty="0"/>
-              <a:t>객체로 사용하기 위한 방식</a:t>
-            </a:r>
-          </a:p>
-          <a:p>
-            <a:pPr marL="285750" indent="-285750">
-              <a:lnSpc>
-                <a:spcPct val="200000"/>
-              </a:lnSpc>
-              <a:buFont typeface="Arial" panose="020B0604020202020204" pitchFamily="34" charset="0"/>
-              <a:buChar char="•"/>
-            </a:pPr>
-            <a:r>
-              <a:rPr lang="en-KR" dirty="0"/>
-              <a:t>동일한 유형을 다른 방식으로 사용하는 것</a:t>
-            </a:r>
-          </a:p>
-        </p:txBody>
-      </p:sp>
-    </p:spTree>
-    <p:extLst>
-      <p:ext uri="{BB962C8B-B14F-4D97-AF65-F5344CB8AC3E}">
-        <p14:creationId xmlns:p14="http://schemas.microsoft.com/office/powerpoint/2010/main" val="2303482524"/>
-      </p:ext>
-    </p:extLst>
-  </p:cSld>
-  <p:clrMapOvr>
-    <a:masterClrMapping/>
-  </p:clrMapOvr>
-</p:sld>
-</file>
-
-<file path=ppt/slides/slide49.xml><?xml version="1.0" encoding="utf-8"?>
-<p:sld xmlns:a="http://schemas.openxmlformats.org/drawingml/2006/main" xmlns:r="http://schemas.openxmlformats.org/officeDocument/2006/relationships" xmlns:p="http://schemas.openxmlformats.org/presentationml/2006/main">
-  <p:cSld>
-    <p:bg>
-      <p:bgPr>
-        <a:solidFill>
-          <a:srgbClr val="E6E7E2"/>
-        </a:solidFill>
-        <a:effectLst/>
-      </p:bgPr>
-    </p:bg>
-    <p:spTree>
-      <p:nvGrpSpPr>
-        <p:cNvPr id="1" name=""/>
-        <p:cNvGrpSpPr/>
-        <p:nvPr/>
-      </p:nvGrpSpPr>
-      <p:grpSpPr>
-        <a:xfrm>
-          <a:off x="0" y="0"/>
-          <a:ext cx="0" cy="0"/>
-          <a:chOff x="0" y="0"/>
-          <a:chExt cx="0" cy="0"/>
-        </a:xfrm>
-      </p:grpSpPr>
-      <p:sp>
-        <p:nvSpPr>
-          <p:cNvPr id="14" name="직사각형 13"/>
-          <p:cNvSpPr/>
-          <p:nvPr/>
-        </p:nvSpPr>
-        <p:spPr>
-          <a:xfrm>
-            <a:off x="3216068" y="0"/>
-            <a:ext cx="5759864" cy="887615"/>
-          </a:xfrm>
-          <a:prstGeom prst="rect">
-            <a:avLst/>
-          </a:prstGeom>
-        </p:spPr>
-        <p:txBody>
-          <a:bodyPr wrap="square">
-            <a:spAutoFit/>
-          </a:bodyPr>
-          <a:lstStyle/>
-          <a:p>
-            <a:pPr algn="ctr" latinLnBrk="0">
-              <a:lnSpc>
-                <a:spcPct val="150000"/>
-              </a:lnSpc>
-              <a:defRPr/>
-            </a:pPr>
-            <a:r>
-              <a:rPr lang="en-US" altLang="ko-KR" sz="2400" b="1" i="1" kern="0" dirty="0">
-                <a:solidFill>
-                  <a:prstClr val="black">
-                    <a:lumMod val="75000"/>
-                    <a:lumOff val="25000"/>
-                  </a:prstClr>
-                </a:solidFill>
-              </a:rPr>
-              <a:t>Attack &amp; Defense CTF</a:t>
-            </a:r>
-          </a:p>
-          <a:p>
-            <a:pPr algn="ctr" latinLnBrk="0">
-              <a:lnSpc>
-                <a:spcPct val="150000"/>
-              </a:lnSpc>
-              <a:defRPr/>
-            </a:pPr>
-            <a:r>
-              <a:rPr lang="en-US" altLang="ko-KR" sz="1200" kern="0" dirty="0">
-                <a:solidFill>
-                  <a:prstClr val="black">
-                    <a:lumMod val="75000"/>
-                    <a:lumOff val="25000"/>
-                  </a:prstClr>
-                </a:solidFill>
-              </a:rPr>
-              <a:t>PHP</a:t>
-            </a:r>
-            <a:endParaRPr lang="ko-KR" altLang="en-US" sz="7200" kern="0" dirty="0">
-              <a:solidFill>
-                <a:prstClr val="black">
-                  <a:lumMod val="75000"/>
-                  <a:lumOff val="25000"/>
-                </a:prstClr>
-              </a:solidFill>
-            </a:endParaRPr>
-          </a:p>
-        </p:txBody>
-      </p:sp>
-      <p:cxnSp>
-        <p:nvCxnSpPr>
-          <p:cNvPr id="15" name="직선 연결선 14"/>
-          <p:cNvCxnSpPr>
-            <a:cxnSpLocks/>
-          </p:cNvCxnSpPr>
-          <p:nvPr/>
-        </p:nvCxnSpPr>
-        <p:spPr>
-          <a:xfrm>
-            <a:off x="882503" y="1013814"/>
-            <a:ext cx="10241952" cy="0"/>
-          </a:xfrm>
-          <a:prstGeom prst="line">
-            <a:avLst/>
-          </a:prstGeom>
-          <a:ln>
-            <a:solidFill>
-              <a:schemeClr val="tx1">
-                <a:lumMod val="75000"/>
-                <a:lumOff val="25000"/>
-              </a:schemeClr>
-            </a:solidFill>
-          </a:ln>
-        </p:spPr>
-        <p:style>
-          <a:lnRef idx="1">
-            <a:schemeClr val="accent1"/>
-          </a:lnRef>
-          <a:fillRef idx="0">
-            <a:schemeClr val="accent1"/>
-          </a:fillRef>
-          <a:effectRef idx="0">
-            <a:schemeClr val="accent1"/>
-          </a:effectRef>
-          <a:fontRef idx="minor">
-            <a:schemeClr val="tx1"/>
-          </a:fontRef>
-        </p:style>
-      </p:cxnSp>
-      <p:sp>
-        <p:nvSpPr>
-          <p:cNvPr id="5" name="TextBox 4">
-            <a:extLst>
-              <a:ext uri="{FF2B5EF4-FFF2-40B4-BE49-F238E27FC236}">
-                <a16:creationId xmlns:a16="http://schemas.microsoft.com/office/drawing/2014/main" id="{1A68398D-3658-1948-B1F4-0824F8A58215}"/>
-              </a:ext>
-            </a:extLst>
-          </p:cNvPr>
-          <p:cNvSpPr txBox="1"/>
-          <p:nvPr/>
-        </p:nvSpPr>
-        <p:spPr>
-          <a:xfrm>
-            <a:off x="882503" y="1319463"/>
-            <a:ext cx="1524776" cy="461665"/>
-          </a:xfrm>
-          <a:prstGeom prst="rect">
-            <a:avLst/>
-          </a:prstGeom>
-          <a:noFill/>
-        </p:spPr>
-        <p:txBody>
-          <a:bodyPr wrap="none" rtlCol="0">
-            <a:spAutoFit/>
-          </a:bodyPr>
-          <a:lstStyle/>
-          <a:p>
-            <a:r>
-              <a:rPr lang="en-US" sz="2400" b="1" dirty="0"/>
-              <a:t>PHP</a:t>
-            </a:r>
-            <a:r>
-              <a:rPr lang="ko-KR" altLang="en-US" sz="2400" b="1" dirty="0"/>
-              <a:t> 상속</a:t>
-            </a:r>
-            <a:endParaRPr lang="en-KR" sz="2400" b="1" dirty="0"/>
-          </a:p>
-        </p:txBody>
-      </p:sp>
-      <p:sp>
-        <p:nvSpPr>
-          <p:cNvPr id="2" name="TextBox 1">
-            <a:extLst>
-              <a:ext uri="{FF2B5EF4-FFF2-40B4-BE49-F238E27FC236}">
-                <a16:creationId xmlns:a16="http://schemas.microsoft.com/office/drawing/2014/main" id="{315A5955-9865-3247-B855-05189EED54F1}"/>
-              </a:ext>
-            </a:extLst>
-          </p:cNvPr>
-          <p:cNvSpPr txBox="1"/>
-          <p:nvPr/>
-        </p:nvSpPr>
-        <p:spPr>
-          <a:xfrm>
-            <a:off x="882503" y="1903751"/>
-            <a:ext cx="3572325" cy="558166"/>
-          </a:xfrm>
-          <a:prstGeom prst="rect">
-            <a:avLst/>
-          </a:prstGeom>
-          <a:noFill/>
-        </p:spPr>
-        <p:txBody>
-          <a:bodyPr wrap="none" rtlCol="0">
-            <a:spAutoFit/>
-          </a:bodyPr>
-          <a:lstStyle/>
-          <a:p>
-            <a:pPr marL="285750" indent="-285750">
-              <a:lnSpc>
-                <a:spcPct val="200000"/>
-              </a:lnSpc>
-              <a:buFont typeface="Arial" panose="020B0604020202020204" pitchFamily="34" charset="0"/>
-              <a:buChar char="•"/>
-            </a:pPr>
-            <a:r>
-              <a:rPr lang="en-US" altLang="ko-KR" dirty="0"/>
-              <a:t>JAVA</a:t>
-            </a:r>
-            <a:r>
-              <a:rPr lang="ko-KR" altLang="en-US" dirty="0"/>
-              <a:t>와 같이 </a:t>
-            </a:r>
-            <a:r>
-              <a:rPr lang="en-US" altLang="ko-KR" dirty="0"/>
-              <a:t>e</a:t>
-            </a:r>
-            <a:r>
-              <a:rPr lang="en-KR" altLang="ko-KR" dirty="0"/>
-              <a:t>xtends</a:t>
-            </a:r>
-            <a:r>
-              <a:rPr lang="ko-KR" altLang="en-US" dirty="0"/>
-              <a:t>로</a:t>
-            </a:r>
-            <a:r>
-              <a:rPr lang="en-US" altLang="ko-KR" dirty="0"/>
-              <a:t> </a:t>
-            </a:r>
-            <a:r>
-              <a:rPr lang="ko-KR" altLang="en-US" dirty="0"/>
-              <a:t>상속 </a:t>
-            </a:r>
-            <a:endParaRPr lang="en-KR" dirty="0"/>
-          </a:p>
-        </p:txBody>
-      </p:sp>
-      <p:sp>
-        <p:nvSpPr>
-          <p:cNvPr id="3" name="TextBox 2">
-            <a:extLst>
-              <a:ext uri="{FF2B5EF4-FFF2-40B4-BE49-F238E27FC236}">
-                <a16:creationId xmlns:a16="http://schemas.microsoft.com/office/drawing/2014/main" id="{6DF5F0E9-783A-0647-9C2C-4ECF05EBBD07}"/>
-              </a:ext>
-            </a:extLst>
-          </p:cNvPr>
-          <p:cNvSpPr txBox="1"/>
-          <p:nvPr/>
-        </p:nvSpPr>
-        <p:spPr>
-          <a:xfrm>
-            <a:off x="1079292" y="3522689"/>
-            <a:ext cx="184731" cy="369332"/>
-          </a:xfrm>
-          <a:prstGeom prst="rect">
-            <a:avLst/>
-          </a:prstGeom>
-          <a:noFill/>
-        </p:spPr>
-        <p:txBody>
-          <a:bodyPr wrap="none" rtlCol="0">
-            <a:spAutoFit/>
-          </a:bodyPr>
-          <a:lstStyle/>
-          <a:p>
-            <a:endParaRPr lang="en-KR" dirty="0"/>
-          </a:p>
-        </p:txBody>
-      </p:sp>
-    </p:spTree>
-    <p:extLst>
-      <p:ext uri="{BB962C8B-B14F-4D97-AF65-F5344CB8AC3E}">
-        <p14:creationId xmlns:p14="http://schemas.microsoft.com/office/powerpoint/2010/main" val="782275382"/>
       </p:ext>
     </p:extLst>
   </p:cSld>
@@ -29527,6 +30736,536 @@
         <p:spPr>
           <a:xfrm>
             <a:off x="882503" y="1319463"/>
+            <a:ext cx="1596912" cy="461665"/>
+          </a:xfrm>
+          <a:prstGeom prst="rect">
+            <a:avLst/>
+          </a:prstGeom>
+          <a:noFill/>
+        </p:spPr>
+        <p:txBody>
+          <a:bodyPr wrap="none" rtlCol="0">
+            <a:spAutoFit/>
+          </a:bodyPr>
+          <a:lstStyle/>
+          <a:p>
+            <a:r>
+              <a:rPr lang="en-US" sz="2400" b="1" dirty="0"/>
+              <a:t>PHP</a:t>
+            </a:r>
+            <a:r>
+              <a:rPr lang="ko-KR" altLang="en-US" sz="2400" b="1" dirty="0"/>
+              <a:t> </a:t>
+            </a:r>
+            <a:r>
+              <a:rPr lang="en-US" altLang="ko-KR" sz="2400" b="1" dirty="0"/>
+              <a:t>class</a:t>
+            </a:r>
+            <a:endParaRPr lang="en-KR" sz="2400" b="1" dirty="0"/>
+          </a:p>
+        </p:txBody>
+      </p:sp>
+      <p:sp>
+        <p:nvSpPr>
+          <p:cNvPr id="2" name="TextBox 1">
+            <a:extLst>
+              <a:ext uri="{FF2B5EF4-FFF2-40B4-BE49-F238E27FC236}">
+                <a16:creationId xmlns:a16="http://schemas.microsoft.com/office/drawing/2014/main" id="{315A5955-9865-3247-B855-05189EED54F1}"/>
+              </a:ext>
+            </a:extLst>
+          </p:cNvPr>
+          <p:cNvSpPr txBox="1"/>
+          <p:nvPr/>
+        </p:nvSpPr>
+        <p:spPr>
+          <a:xfrm>
+            <a:off x="882503" y="1903751"/>
+            <a:ext cx="4806124" cy="1112164"/>
+          </a:xfrm>
+          <a:prstGeom prst="rect">
+            <a:avLst/>
+          </a:prstGeom>
+          <a:noFill/>
+        </p:spPr>
+        <p:txBody>
+          <a:bodyPr wrap="none" rtlCol="0">
+            <a:spAutoFit/>
+          </a:bodyPr>
+          <a:lstStyle/>
+          <a:p>
+            <a:pPr marL="285750" indent="-285750">
+              <a:lnSpc>
+                <a:spcPct val="200000"/>
+              </a:lnSpc>
+              <a:buFont typeface="Arial" panose="020B0604020202020204" pitchFamily="34" charset="0"/>
+              <a:buChar char="•"/>
+            </a:pPr>
+            <a:r>
+              <a:rPr lang="en-KR" dirty="0"/>
+              <a:t>객체로 사용하기 위한 방식</a:t>
+            </a:r>
+          </a:p>
+          <a:p>
+            <a:pPr marL="285750" indent="-285750">
+              <a:lnSpc>
+                <a:spcPct val="200000"/>
+              </a:lnSpc>
+              <a:buFont typeface="Arial" panose="020B0604020202020204" pitchFamily="34" charset="0"/>
+              <a:buChar char="•"/>
+            </a:pPr>
+            <a:r>
+              <a:rPr lang="en-KR" dirty="0"/>
+              <a:t>동일한 유형을 다른 방식으로 사용하는 것</a:t>
+            </a:r>
+          </a:p>
+        </p:txBody>
+      </p:sp>
+    </p:spTree>
+    <p:extLst>
+      <p:ext uri="{BB962C8B-B14F-4D97-AF65-F5344CB8AC3E}">
+        <p14:creationId xmlns:p14="http://schemas.microsoft.com/office/powerpoint/2010/main" val="2303482524"/>
+      </p:ext>
+    </p:extLst>
+  </p:cSld>
+  <p:clrMapOvr>
+    <a:masterClrMapping/>
+  </p:clrMapOvr>
+</p:sld>
+</file>
+
+<file path=ppt/slides/slide51.xml><?xml version="1.0" encoding="utf-8"?>
+<p:sld xmlns:a="http://schemas.openxmlformats.org/drawingml/2006/main" xmlns:r="http://schemas.openxmlformats.org/officeDocument/2006/relationships" xmlns:p="http://schemas.openxmlformats.org/presentationml/2006/main">
+  <p:cSld>
+    <p:bg>
+      <p:bgPr>
+        <a:solidFill>
+          <a:srgbClr val="E6E7E2"/>
+        </a:solidFill>
+        <a:effectLst/>
+      </p:bgPr>
+    </p:bg>
+    <p:spTree>
+      <p:nvGrpSpPr>
+        <p:cNvPr id="1" name=""/>
+        <p:cNvGrpSpPr/>
+        <p:nvPr/>
+      </p:nvGrpSpPr>
+      <p:grpSpPr>
+        <a:xfrm>
+          <a:off x="0" y="0"/>
+          <a:ext cx="0" cy="0"/>
+          <a:chOff x="0" y="0"/>
+          <a:chExt cx="0" cy="0"/>
+        </a:xfrm>
+      </p:grpSpPr>
+      <p:sp>
+        <p:nvSpPr>
+          <p:cNvPr id="14" name="직사각형 13"/>
+          <p:cNvSpPr/>
+          <p:nvPr/>
+        </p:nvSpPr>
+        <p:spPr>
+          <a:xfrm>
+            <a:off x="3216068" y="0"/>
+            <a:ext cx="5759864" cy="887615"/>
+          </a:xfrm>
+          <a:prstGeom prst="rect">
+            <a:avLst/>
+          </a:prstGeom>
+        </p:spPr>
+        <p:txBody>
+          <a:bodyPr wrap="square">
+            <a:spAutoFit/>
+          </a:bodyPr>
+          <a:lstStyle/>
+          <a:p>
+            <a:pPr algn="ctr" latinLnBrk="0">
+              <a:lnSpc>
+                <a:spcPct val="150000"/>
+              </a:lnSpc>
+              <a:defRPr/>
+            </a:pPr>
+            <a:r>
+              <a:rPr lang="en-US" altLang="ko-KR" sz="2400" b="1" i="1" kern="0" dirty="0">
+                <a:solidFill>
+                  <a:prstClr val="black">
+                    <a:lumMod val="75000"/>
+                    <a:lumOff val="25000"/>
+                  </a:prstClr>
+                </a:solidFill>
+              </a:rPr>
+              <a:t>Attack &amp; Defense CTF</a:t>
+            </a:r>
+          </a:p>
+          <a:p>
+            <a:pPr algn="ctr" latinLnBrk="0">
+              <a:lnSpc>
+                <a:spcPct val="150000"/>
+              </a:lnSpc>
+              <a:defRPr/>
+            </a:pPr>
+            <a:r>
+              <a:rPr lang="en-US" altLang="ko-KR" sz="1200" kern="0" dirty="0">
+                <a:solidFill>
+                  <a:prstClr val="black">
+                    <a:lumMod val="75000"/>
+                    <a:lumOff val="25000"/>
+                  </a:prstClr>
+                </a:solidFill>
+              </a:rPr>
+              <a:t>PHP</a:t>
+            </a:r>
+            <a:endParaRPr lang="ko-KR" altLang="en-US" sz="7200" kern="0" dirty="0">
+              <a:solidFill>
+                <a:prstClr val="black">
+                  <a:lumMod val="75000"/>
+                  <a:lumOff val="25000"/>
+                </a:prstClr>
+              </a:solidFill>
+            </a:endParaRPr>
+          </a:p>
+        </p:txBody>
+      </p:sp>
+      <p:cxnSp>
+        <p:nvCxnSpPr>
+          <p:cNvPr id="15" name="직선 연결선 14"/>
+          <p:cNvCxnSpPr>
+            <a:cxnSpLocks/>
+          </p:cNvCxnSpPr>
+          <p:nvPr/>
+        </p:nvCxnSpPr>
+        <p:spPr>
+          <a:xfrm>
+            <a:off x="882503" y="1013814"/>
+            <a:ext cx="10241952" cy="0"/>
+          </a:xfrm>
+          <a:prstGeom prst="line">
+            <a:avLst/>
+          </a:prstGeom>
+          <a:ln>
+            <a:solidFill>
+              <a:schemeClr val="tx1">
+                <a:lumMod val="75000"/>
+                <a:lumOff val="25000"/>
+              </a:schemeClr>
+            </a:solidFill>
+          </a:ln>
+        </p:spPr>
+        <p:style>
+          <a:lnRef idx="1">
+            <a:schemeClr val="accent1"/>
+          </a:lnRef>
+          <a:fillRef idx="0">
+            <a:schemeClr val="accent1"/>
+          </a:fillRef>
+          <a:effectRef idx="0">
+            <a:schemeClr val="accent1"/>
+          </a:effectRef>
+          <a:fontRef idx="minor">
+            <a:schemeClr val="tx1"/>
+          </a:fontRef>
+        </p:style>
+      </p:cxnSp>
+      <p:sp>
+        <p:nvSpPr>
+          <p:cNvPr id="5" name="TextBox 4">
+            <a:extLst>
+              <a:ext uri="{FF2B5EF4-FFF2-40B4-BE49-F238E27FC236}">
+                <a16:creationId xmlns:a16="http://schemas.microsoft.com/office/drawing/2014/main" id="{1A68398D-3658-1948-B1F4-0824F8A58215}"/>
+              </a:ext>
+            </a:extLst>
+          </p:cNvPr>
+          <p:cNvSpPr txBox="1"/>
+          <p:nvPr/>
+        </p:nvSpPr>
+        <p:spPr>
+          <a:xfrm>
+            <a:off x="882503" y="1319463"/>
+            <a:ext cx="1524776" cy="461665"/>
+          </a:xfrm>
+          <a:prstGeom prst="rect">
+            <a:avLst/>
+          </a:prstGeom>
+          <a:noFill/>
+        </p:spPr>
+        <p:txBody>
+          <a:bodyPr wrap="none" rtlCol="0">
+            <a:spAutoFit/>
+          </a:bodyPr>
+          <a:lstStyle/>
+          <a:p>
+            <a:r>
+              <a:rPr lang="en-US" sz="2400" b="1" dirty="0"/>
+              <a:t>PHP</a:t>
+            </a:r>
+            <a:r>
+              <a:rPr lang="ko-KR" altLang="en-US" sz="2400" b="1" dirty="0"/>
+              <a:t> 상속</a:t>
+            </a:r>
+            <a:endParaRPr lang="en-KR" sz="2400" b="1" dirty="0"/>
+          </a:p>
+        </p:txBody>
+      </p:sp>
+      <p:sp>
+        <p:nvSpPr>
+          <p:cNvPr id="2" name="TextBox 1">
+            <a:extLst>
+              <a:ext uri="{FF2B5EF4-FFF2-40B4-BE49-F238E27FC236}">
+                <a16:creationId xmlns:a16="http://schemas.microsoft.com/office/drawing/2014/main" id="{315A5955-9865-3247-B855-05189EED54F1}"/>
+              </a:ext>
+            </a:extLst>
+          </p:cNvPr>
+          <p:cNvSpPr txBox="1"/>
+          <p:nvPr/>
+        </p:nvSpPr>
+        <p:spPr>
+          <a:xfrm>
+            <a:off x="882503" y="1903751"/>
+            <a:ext cx="3572325" cy="558166"/>
+          </a:xfrm>
+          <a:prstGeom prst="rect">
+            <a:avLst/>
+          </a:prstGeom>
+          <a:noFill/>
+        </p:spPr>
+        <p:txBody>
+          <a:bodyPr wrap="none" rtlCol="0">
+            <a:spAutoFit/>
+          </a:bodyPr>
+          <a:lstStyle/>
+          <a:p>
+            <a:pPr marL="285750" indent="-285750">
+              <a:lnSpc>
+                <a:spcPct val="200000"/>
+              </a:lnSpc>
+              <a:buFont typeface="Arial" panose="020B0604020202020204" pitchFamily="34" charset="0"/>
+              <a:buChar char="•"/>
+            </a:pPr>
+            <a:r>
+              <a:rPr lang="en-US" altLang="ko-KR" dirty="0"/>
+              <a:t>JAVA</a:t>
+            </a:r>
+            <a:r>
+              <a:rPr lang="ko-KR" altLang="en-US" dirty="0"/>
+              <a:t>와 같이 </a:t>
+            </a:r>
+            <a:r>
+              <a:rPr lang="en-US" altLang="ko-KR" dirty="0"/>
+              <a:t>e</a:t>
+            </a:r>
+            <a:r>
+              <a:rPr lang="en-KR" altLang="ko-KR" dirty="0"/>
+              <a:t>xtends</a:t>
+            </a:r>
+            <a:r>
+              <a:rPr lang="ko-KR" altLang="en-US" dirty="0"/>
+              <a:t>로</a:t>
+            </a:r>
+            <a:r>
+              <a:rPr lang="en-US" altLang="ko-KR" dirty="0"/>
+              <a:t> </a:t>
+            </a:r>
+            <a:r>
+              <a:rPr lang="ko-KR" altLang="en-US" dirty="0"/>
+              <a:t>상속 </a:t>
+            </a:r>
+            <a:endParaRPr lang="en-KR" dirty="0"/>
+          </a:p>
+        </p:txBody>
+      </p:sp>
+      <p:sp>
+        <p:nvSpPr>
+          <p:cNvPr id="3" name="TextBox 2">
+            <a:extLst>
+              <a:ext uri="{FF2B5EF4-FFF2-40B4-BE49-F238E27FC236}">
+                <a16:creationId xmlns:a16="http://schemas.microsoft.com/office/drawing/2014/main" id="{6DF5F0E9-783A-0647-9C2C-4ECF05EBBD07}"/>
+              </a:ext>
+            </a:extLst>
+          </p:cNvPr>
+          <p:cNvSpPr txBox="1"/>
+          <p:nvPr/>
+        </p:nvSpPr>
+        <p:spPr>
+          <a:xfrm>
+            <a:off x="1079292" y="3522689"/>
+            <a:ext cx="184731" cy="369332"/>
+          </a:xfrm>
+          <a:prstGeom prst="rect">
+            <a:avLst/>
+          </a:prstGeom>
+          <a:noFill/>
+        </p:spPr>
+        <p:txBody>
+          <a:bodyPr wrap="none" rtlCol="0">
+            <a:spAutoFit/>
+          </a:bodyPr>
+          <a:lstStyle/>
+          <a:p>
+            <a:endParaRPr lang="en-KR" dirty="0"/>
+          </a:p>
+        </p:txBody>
+      </p:sp>
+    </p:spTree>
+    <p:extLst>
+      <p:ext uri="{BB962C8B-B14F-4D97-AF65-F5344CB8AC3E}">
+        <p14:creationId xmlns:p14="http://schemas.microsoft.com/office/powerpoint/2010/main" val="782275382"/>
+      </p:ext>
+    </p:extLst>
+  </p:cSld>
+  <p:clrMapOvr>
+    <a:masterClrMapping/>
+  </p:clrMapOvr>
+</p:sld>
+</file>
+
+<file path=ppt/slides/slide52.xml><?xml version="1.0" encoding="utf-8"?>
+<p:sld xmlns:a="http://schemas.openxmlformats.org/drawingml/2006/main" xmlns:r="http://schemas.openxmlformats.org/officeDocument/2006/relationships" xmlns:p="http://schemas.openxmlformats.org/presentationml/2006/main">
+  <p:cSld>
+    <p:bg>
+      <p:bgPr>
+        <a:solidFill>
+          <a:srgbClr val="E6E7E2"/>
+        </a:solidFill>
+        <a:effectLst/>
+      </p:bgPr>
+    </p:bg>
+    <p:spTree>
+      <p:nvGrpSpPr>
+        <p:cNvPr id="1" name=""/>
+        <p:cNvGrpSpPr/>
+        <p:nvPr/>
+      </p:nvGrpSpPr>
+      <p:grpSpPr>
+        <a:xfrm>
+          <a:off x="0" y="0"/>
+          <a:ext cx="0" cy="0"/>
+          <a:chOff x="0" y="0"/>
+          <a:chExt cx="0" cy="0"/>
+        </a:xfrm>
+      </p:grpSpPr>
+      <p:sp>
+        <p:nvSpPr>
+          <p:cNvPr id="14" name="직사각형 13"/>
+          <p:cNvSpPr/>
+          <p:nvPr/>
+        </p:nvSpPr>
+        <p:spPr>
+          <a:xfrm>
+            <a:off x="3216068" y="0"/>
+            <a:ext cx="5759864" cy="887615"/>
+          </a:xfrm>
+          <a:prstGeom prst="rect">
+            <a:avLst/>
+          </a:prstGeom>
+        </p:spPr>
+        <p:txBody>
+          <a:bodyPr wrap="square">
+            <a:spAutoFit/>
+          </a:bodyPr>
+          <a:lstStyle/>
+          <a:p>
+            <a:pPr algn="ctr" latinLnBrk="0">
+              <a:lnSpc>
+                <a:spcPct val="150000"/>
+              </a:lnSpc>
+              <a:defRPr/>
+            </a:pPr>
+            <a:r>
+              <a:rPr lang="en-US" altLang="ko-KR" sz="2400" b="1" i="1" kern="0" dirty="0">
+                <a:solidFill>
+                  <a:prstClr val="black">
+                    <a:lumMod val="75000"/>
+                    <a:lumOff val="25000"/>
+                  </a:prstClr>
+                </a:solidFill>
+              </a:rPr>
+              <a:t>Attack &amp; Defense CTF</a:t>
+            </a:r>
+          </a:p>
+          <a:p>
+            <a:pPr algn="ctr" latinLnBrk="0">
+              <a:lnSpc>
+                <a:spcPct val="150000"/>
+              </a:lnSpc>
+              <a:defRPr/>
+            </a:pPr>
+            <a:r>
+              <a:rPr lang="en-US" altLang="ko-KR" sz="1200" kern="0" dirty="0">
+                <a:solidFill>
+                  <a:prstClr val="black">
+                    <a:lumMod val="75000"/>
+                    <a:lumOff val="25000"/>
+                  </a:prstClr>
+                </a:solidFill>
+              </a:rPr>
+              <a:t>PHP</a:t>
+            </a:r>
+            <a:endParaRPr lang="ko-KR" altLang="en-US" sz="7200" kern="0" dirty="0">
+              <a:solidFill>
+                <a:prstClr val="black">
+                  <a:lumMod val="75000"/>
+                  <a:lumOff val="25000"/>
+                </a:prstClr>
+              </a:solidFill>
+            </a:endParaRPr>
+          </a:p>
+        </p:txBody>
+      </p:sp>
+      <p:cxnSp>
+        <p:nvCxnSpPr>
+          <p:cNvPr id="15" name="직선 연결선 14"/>
+          <p:cNvCxnSpPr>
+            <a:cxnSpLocks/>
+          </p:cNvCxnSpPr>
+          <p:nvPr/>
+        </p:nvCxnSpPr>
+        <p:spPr>
+          <a:xfrm>
+            <a:off x="882503" y="1013814"/>
+            <a:ext cx="10241952" cy="0"/>
+          </a:xfrm>
+          <a:prstGeom prst="line">
+            <a:avLst/>
+          </a:prstGeom>
+          <a:ln>
+            <a:solidFill>
+              <a:schemeClr val="tx1">
+                <a:lumMod val="75000"/>
+                <a:lumOff val="25000"/>
+              </a:schemeClr>
+            </a:solidFill>
+          </a:ln>
+        </p:spPr>
+        <p:style>
+          <a:lnRef idx="1">
+            <a:schemeClr val="accent1"/>
+          </a:lnRef>
+          <a:fillRef idx="0">
+            <a:schemeClr val="accent1"/>
+          </a:fillRef>
+          <a:effectRef idx="0">
+            <a:schemeClr val="accent1"/>
+          </a:effectRef>
+          <a:fontRef idx="minor">
+            <a:schemeClr val="tx1"/>
+          </a:fontRef>
+        </p:style>
+      </p:cxnSp>
+      <p:sp>
+        <p:nvSpPr>
+          <p:cNvPr id="5" name="TextBox 4">
+            <a:extLst>
+              <a:ext uri="{FF2B5EF4-FFF2-40B4-BE49-F238E27FC236}">
+                <a16:creationId xmlns:a16="http://schemas.microsoft.com/office/drawing/2014/main" id="{1A68398D-3658-1948-B1F4-0824F8A58215}"/>
+              </a:ext>
+            </a:extLst>
+          </p:cNvPr>
+          <p:cNvSpPr txBox="1"/>
+          <p:nvPr/>
+        </p:nvSpPr>
+        <p:spPr>
+          <a:xfrm>
+            <a:off x="882503" y="1319463"/>
             <a:ext cx="2973891" cy="461665"/>
           </a:xfrm>
           <a:prstGeom prst="rect">
@@ -29748,7 +31487,7 @@
 </p:sld>
 </file>
 
-<file path=ppt/slides/slide51.xml><?xml version="1.0" encoding="utf-8"?>
+<file path=ppt/slides/slide53.xml><?xml version="1.0" encoding="utf-8"?>
 <p:sld xmlns:a="http://schemas.openxmlformats.org/drawingml/2006/main" xmlns:r="http://schemas.openxmlformats.org/officeDocument/2006/relationships" xmlns:p="http://schemas.openxmlformats.org/presentationml/2006/main">
   <p:cSld>
     <p:bg>
@@ -30013,7 +31752,7 @@
 </p:sld>
 </file>
 
-<file path=ppt/slides/slide52.xml><?xml version="1.0" encoding="utf-8"?>
+<file path=ppt/slides/slide54.xml><?xml version="1.0" encoding="utf-8"?>
 <p:sld xmlns:a="http://schemas.openxmlformats.org/drawingml/2006/main" xmlns:r="http://schemas.openxmlformats.org/officeDocument/2006/relationships" xmlns:p="http://schemas.openxmlformats.org/presentationml/2006/main">
   <p:cSld>
     <p:bg>
@@ -30278,7 +32017,7 @@
 </p:sld>
 </file>
 
-<file path=ppt/slides/slide53.xml><?xml version="1.0" encoding="utf-8"?>
+<file path=ppt/slides/slide55.xml><?xml version="1.0" encoding="utf-8"?>
 <p:sld xmlns:a="http://schemas.openxmlformats.org/drawingml/2006/main" xmlns:r="http://schemas.openxmlformats.org/officeDocument/2006/relationships" xmlns:p="http://schemas.openxmlformats.org/presentationml/2006/main">
   <p:cSld>
     <p:bg>
@@ -30687,7 +32426,7 @@
 </p:sld>
 </file>
 
-<file path=ppt/slides/slide54.xml><?xml version="1.0" encoding="utf-8"?>
+<file path=ppt/slides/slide56.xml><?xml version="1.0" encoding="utf-8"?>
 <p:sld xmlns:a="http://schemas.openxmlformats.org/drawingml/2006/main" xmlns:r="http://schemas.openxmlformats.org/officeDocument/2006/relationships" xmlns:p="http://schemas.openxmlformats.org/presentationml/2006/main">
   <p:cSld>
     <p:bg>
@@ -31161,7 +32900,7 @@
 </p:sld>
 </file>
 
-<file path=ppt/slides/slide55.xml><?xml version="1.0" encoding="utf-8"?>
+<file path=ppt/slides/slide57.xml><?xml version="1.0" encoding="utf-8"?>
 <p:sld xmlns:a="http://schemas.openxmlformats.org/drawingml/2006/main" xmlns:r="http://schemas.openxmlformats.org/officeDocument/2006/relationships" xmlns:p="http://schemas.openxmlformats.org/presentationml/2006/main">
   <p:cSld>
     <p:bg>
@@ -31528,7 +33267,7 @@
 </p:sld>
 </file>
 
-<file path=ppt/slides/slide56.xml><?xml version="1.0" encoding="utf-8"?>
+<file path=ppt/slides/slide58.xml><?xml version="1.0" encoding="utf-8"?>
 <p:sld xmlns:a="http://schemas.openxmlformats.org/drawingml/2006/main" xmlns:r="http://schemas.openxmlformats.org/officeDocument/2006/relationships" xmlns:p="http://schemas.openxmlformats.org/presentationml/2006/main">
   <p:cSld>
     <p:bg>
@@ -33128,7 +34867,7 @@
 </p:sld>
 </file>
 
-<file path=ppt/slides/slide57.xml><?xml version="1.0" encoding="utf-8"?>
+<file path=ppt/slides/slide59.xml><?xml version="1.0" encoding="utf-8"?>
 <p:sld xmlns:a="http://schemas.openxmlformats.org/drawingml/2006/main" xmlns:r="http://schemas.openxmlformats.org/officeDocument/2006/relationships" xmlns:p="http://schemas.openxmlformats.org/presentationml/2006/main">
   <p:cSld>
     <p:bg>
@@ -33437,858 +35176,6 @@
 </p:sld>
 </file>
 
-<file path=ppt/slides/slide58.xml><?xml version="1.0" encoding="utf-8"?>
-<p:sld xmlns:a="http://schemas.openxmlformats.org/drawingml/2006/main" xmlns:r="http://schemas.openxmlformats.org/officeDocument/2006/relationships" xmlns:p="http://schemas.openxmlformats.org/presentationml/2006/main">
-  <p:cSld>
-    <p:bg>
-      <p:bgPr>
-        <a:solidFill>
-          <a:srgbClr val="E6E7E2"/>
-        </a:solidFill>
-        <a:effectLst/>
-      </p:bgPr>
-    </p:bg>
-    <p:spTree>
-      <p:nvGrpSpPr>
-        <p:cNvPr id="1" name=""/>
-        <p:cNvGrpSpPr/>
-        <p:nvPr/>
-      </p:nvGrpSpPr>
-      <p:grpSpPr>
-        <a:xfrm>
-          <a:off x="0" y="0"/>
-          <a:ext cx="0" cy="0"/>
-          <a:chOff x="0" y="0"/>
-          <a:chExt cx="0" cy="0"/>
-        </a:xfrm>
-      </p:grpSpPr>
-      <p:sp>
-        <p:nvSpPr>
-          <p:cNvPr id="14" name="직사각형 13"/>
-          <p:cNvSpPr/>
-          <p:nvPr/>
-        </p:nvSpPr>
-        <p:spPr>
-          <a:xfrm>
-            <a:off x="3216068" y="0"/>
-            <a:ext cx="5759864" cy="887615"/>
-          </a:xfrm>
-          <a:prstGeom prst="rect">
-            <a:avLst/>
-          </a:prstGeom>
-        </p:spPr>
-        <p:txBody>
-          <a:bodyPr wrap="square">
-            <a:spAutoFit/>
-          </a:bodyPr>
-          <a:lstStyle/>
-          <a:p>
-            <a:pPr algn="ctr" latinLnBrk="0">
-              <a:lnSpc>
-                <a:spcPct val="150000"/>
-              </a:lnSpc>
-              <a:defRPr/>
-            </a:pPr>
-            <a:r>
-              <a:rPr lang="en-US" altLang="ko-KR" sz="2400" b="1" i="1" kern="0" dirty="0">
-                <a:solidFill>
-                  <a:prstClr val="black">
-                    <a:lumMod val="75000"/>
-                    <a:lumOff val="25000"/>
-                  </a:prstClr>
-                </a:solidFill>
-              </a:rPr>
-              <a:t>Attack &amp; Defense CTF</a:t>
-            </a:r>
-          </a:p>
-          <a:p>
-            <a:pPr algn="ctr" latinLnBrk="0">
-              <a:lnSpc>
-                <a:spcPct val="150000"/>
-              </a:lnSpc>
-              <a:defRPr/>
-            </a:pPr>
-            <a:r>
-              <a:rPr lang="en-US" altLang="ko-KR" sz="1200" kern="0" dirty="0">
-                <a:solidFill>
-                  <a:prstClr val="black">
-                    <a:lumMod val="75000"/>
-                    <a:lumOff val="25000"/>
-                  </a:prstClr>
-                </a:solidFill>
-              </a:rPr>
-              <a:t>MYSQL</a:t>
-            </a:r>
-            <a:endParaRPr lang="ko-KR" altLang="en-US" sz="7200" kern="0" dirty="0">
-              <a:solidFill>
-                <a:prstClr val="black">
-                  <a:lumMod val="75000"/>
-                  <a:lumOff val="25000"/>
-                </a:prstClr>
-              </a:solidFill>
-            </a:endParaRPr>
-          </a:p>
-        </p:txBody>
-      </p:sp>
-      <p:cxnSp>
-        <p:nvCxnSpPr>
-          <p:cNvPr id="15" name="직선 연결선 14"/>
-          <p:cNvCxnSpPr>
-            <a:cxnSpLocks/>
-          </p:cNvCxnSpPr>
-          <p:nvPr/>
-        </p:nvCxnSpPr>
-        <p:spPr>
-          <a:xfrm>
-            <a:off x="882503" y="1013814"/>
-            <a:ext cx="10241952" cy="0"/>
-          </a:xfrm>
-          <a:prstGeom prst="line">
-            <a:avLst/>
-          </a:prstGeom>
-          <a:ln>
-            <a:solidFill>
-              <a:schemeClr val="tx1">
-                <a:lumMod val="75000"/>
-                <a:lumOff val="25000"/>
-              </a:schemeClr>
-            </a:solidFill>
-          </a:ln>
-        </p:spPr>
-        <p:style>
-          <a:lnRef idx="1">
-            <a:schemeClr val="accent1"/>
-          </a:lnRef>
-          <a:fillRef idx="0">
-            <a:schemeClr val="accent1"/>
-          </a:fillRef>
-          <a:effectRef idx="0">
-            <a:schemeClr val="accent1"/>
-          </a:effectRef>
-          <a:fontRef idx="minor">
-            <a:schemeClr val="tx1"/>
-          </a:fontRef>
-        </p:style>
-      </p:cxnSp>
-      <p:sp>
-        <p:nvSpPr>
-          <p:cNvPr id="5" name="TextBox 4">
-            <a:extLst>
-              <a:ext uri="{FF2B5EF4-FFF2-40B4-BE49-F238E27FC236}">
-                <a16:creationId xmlns:a16="http://schemas.microsoft.com/office/drawing/2014/main" id="{1A68398D-3658-1948-B1F4-0824F8A58215}"/>
-              </a:ext>
-            </a:extLst>
-          </p:cNvPr>
-          <p:cNvSpPr txBox="1"/>
-          <p:nvPr/>
-        </p:nvSpPr>
-        <p:spPr>
-          <a:xfrm>
-            <a:off x="882503" y="1319463"/>
-            <a:ext cx="2375458" cy="461665"/>
-          </a:xfrm>
-          <a:prstGeom prst="rect">
-            <a:avLst/>
-          </a:prstGeom>
-          <a:noFill/>
-        </p:spPr>
-        <p:txBody>
-          <a:bodyPr wrap="none" rtlCol="0">
-            <a:spAutoFit/>
-          </a:bodyPr>
-          <a:lstStyle/>
-          <a:p>
-            <a:r>
-              <a:rPr lang="en-US" sz="2400" b="1" dirty="0"/>
-              <a:t>MYSQL – Table</a:t>
-            </a:r>
-            <a:endParaRPr lang="en-KR" sz="2400" b="1" dirty="0"/>
-          </a:p>
-        </p:txBody>
-      </p:sp>
-      <p:sp>
-        <p:nvSpPr>
-          <p:cNvPr id="3" name="TextBox 2">
-            <a:extLst>
-              <a:ext uri="{FF2B5EF4-FFF2-40B4-BE49-F238E27FC236}">
-                <a16:creationId xmlns:a16="http://schemas.microsoft.com/office/drawing/2014/main" id="{6DF5F0E9-783A-0647-9C2C-4ECF05EBBD07}"/>
-              </a:ext>
-            </a:extLst>
-          </p:cNvPr>
-          <p:cNvSpPr txBox="1"/>
-          <p:nvPr/>
-        </p:nvSpPr>
-        <p:spPr>
-          <a:xfrm>
-            <a:off x="1079292" y="3522689"/>
-            <a:ext cx="184731" cy="369332"/>
-          </a:xfrm>
-          <a:prstGeom prst="rect">
-            <a:avLst/>
-          </a:prstGeom>
-          <a:noFill/>
-        </p:spPr>
-        <p:txBody>
-          <a:bodyPr wrap="none" rtlCol="0">
-            <a:spAutoFit/>
-          </a:bodyPr>
-          <a:lstStyle/>
-          <a:p>
-            <a:endParaRPr lang="en-KR" dirty="0"/>
-          </a:p>
-        </p:txBody>
-      </p:sp>
-      <p:sp>
-        <p:nvSpPr>
-          <p:cNvPr id="2" name="TextBox 1">
-            <a:extLst>
-              <a:ext uri="{FF2B5EF4-FFF2-40B4-BE49-F238E27FC236}">
-                <a16:creationId xmlns:a16="http://schemas.microsoft.com/office/drawing/2014/main" id="{01880842-E068-564F-8EFD-A3CEFD35167C}"/>
-              </a:ext>
-            </a:extLst>
-          </p:cNvPr>
-          <p:cNvSpPr txBox="1"/>
-          <p:nvPr/>
-        </p:nvSpPr>
-        <p:spPr>
-          <a:xfrm>
-            <a:off x="1155700" y="2120900"/>
-            <a:ext cx="9814931" cy="2585323"/>
-          </a:xfrm>
-          <a:prstGeom prst="rect">
-            <a:avLst/>
-          </a:prstGeom>
-          <a:noFill/>
-        </p:spPr>
-        <p:txBody>
-          <a:bodyPr wrap="none" rtlCol="0">
-            <a:spAutoFit/>
-          </a:bodyPr>
-          <a:lstStyle/>
-          <a:p>
-            <a:pPr marL="285750" indent="-285750">
-              <a:buFont typeface="Arial" panose="020B0604020202020204" pitchFamily="34" charset="0"/>
-              <a:buChar char="•"/>
-            </a:pPr>
-            <a:r>
-              <a:rPr lang="en-KR" dirty="0"/>
-              <a:t>생성</a:t>
-            </a:r>
-          </a:p>
-          <a:p>
-            <a:pPr marL="285750" indent="-285750">
-              <a:buFont typeface="System Font Regular"/>
-              <a:buChar char="-"/>
-            </a:pPr>
-            <a:r>
-              <a:rPr lang="en-KR" b="1" dirty="0"/>
-              <a:t>CREATE</a:t>
-            </a:r>
-            <a:r>
-              <a:rPr lang="en-KR" dirty="0"/>
-              <a:t> TABLE </a:t>
-            </a:r>
-            <a:r>
-              <a:rPr lang="en-KR" dirty="0">
-                <a:solidFill>
-                  <a:srgbClr val="FF0000"/>
-                </a:solidFill>
-              </a:rPr>
-              <a:t>tablename</a:t>
-            </a:r>
-            <a:r>
-              <a:rPr lang="en-KR" dirty="0"/>
-              <a:t> (COLUMN TYPE OPTION, …)</a:t>
-            </a:r>
-          </a:p>
-          <a:p>
-            <a:pPr marL="285750" indent="-285750">
-              <a:buFont typeface="System Font Regular"/>
-              <a:buChar char="-"/>
-            </a:pPr>
-            <a:r>
-              <a:rPr lang="en-US" dirty="0"/>
-              <a:t>E</a:t>
-            </a:r>
-            <a:r>
-              <a:rPr lang="en-KR" dirty="0"/>
-              <a:t>x) CREATE TABLE </a:t>
-            </a:r>
-            <a:r>
-              <a:rPr lang="en-KR" dirty="0">
-                <a:solidFill>
-                  <a:srgbClr val="FF0000"/>
-                </a:solidFill>
-              </a:rPr>
-              <a:t>storage</a:t>
-            </a:r>
-            <a:r>
-              <a:rPr lang="en-KR" dirty="0"/>
-              <a:t>(seq int auto increment, name varchar(100) not null, count int);</a:t>
-            </a:r>
-          </a:p>
-          <a:p>
-            <a:endParaRPr lang="en-KR" dirty="0"/>
-          </a:p>
-          <a:p>
-            <a:pPr marL="285750" indent="-285750">
-              <a:buFont typeface="Arial" panose="020B0604020202020204" pitchFamily="34" charset="0"/>
-              <a:buChar char="•"/>
-            </a:pPr>
-            <a:r>
-              <a:rPr lang="en-KR" dirty="0"/>
-              <a:t>삭제</a:t>
-            </a:r>
-          </a:p>
-          <a:p>
-            <a:pPr marL="285750" indent="-285750">
-              <a:buFont typeface="System Font Regular"/>
-              <a:buChar char="-"/>
-            </a:pPr>
-            <a:r>
-              <a:rPr lang="en-KR" b="1" dirty="0"/>
-              <a:t>DROP</a:t>
-            </a:r>
-            <a:r>
-              <a:rPr lang="en-KR" dirty="0"/>
-              <a:t> TABLE </a:t>
-            </a:r>
-            <a:r>
-              <a:rPr lang="en-KR" dirty="0">
-                <a:solidFill>
-                  <a:srgbClr val="FF0000"/>
-                </a:solidFill>
-              </a:rPr>
-              <a:t>tablename</a:t>
-            </a:r>
-            <a:r>
-              <a:rPr lang="en-KR" dirty="0"/>
-              <a:t>;</a:t>
-            </a:r>
-          </a:p>
-          <a:p>
-            <a:endParaRPr lang="en-KR" dirty="0"/>
-          </a:p>
-          <a:p>
-            <a:pPr marL="285750" indent="-285750">
-              <a:buFont typeface="Arial" panose="020B0604020202020204" pitchFamily="34" charset="0"/>
-              <a:buChar char="•"/>
-            </a:pPr>
-            <a:r>
-              <a:rPr lang="en-KR" dirty="0"/>
-              <a:t>초기화</a:t>
-            </a:r>
-          </a:p>
-          <a:p>
-            <a:pPr marL="285750" indent="-285750">
-              <a:buFont typeface="System Font Regular"/>
-              <a:buChar char="-"/>
-            </a:pPr>
-            <a:r>
-              <a:rPr lang="en-KR" b="1" dirty="0"/>
-              <a:t>TRUNCATE</a:t>
-            </a:r>
-            <a:r>
-              <a:rPr lang="en-KR" dirty="0"/>
-              <a:t> TABLE </a:t>
-            </a:r>
-            <a:r>
-              <a:rPr lang="en-KR" dirty="0">
-                <a:solidFill>
-                  <a:srgbClr val="FF0000"/>
-                </a:solidFill>
-              </a:rPr>
-              <a:t>tablename</a:t>
-            </a:r>
-            <a:r>
-              <a:rPr lang="en-KR" dirty="0"/>
-              <a:t>;</a:t>
-            </a:r>
-          </a:p>
-        </p:txBody>
-      </p:sp>
-    </p:spTree>
-    <p:extLst>
-      <p:ext uri="{BB962C8B-B14F-4D97-AF65-F5344CB8AC3E}">
-        <p14:creationId xmlns:p14="http://schemas.microsoft.com/office/powerpoint/2010/main" val="2354417128"/>
-      </p:ext>
-    </p:extLst>
-  </p:cSld>
-  <p:clrMapOvr>
-    <a:masterClrMapping/>
-  </p:clrMapOvr>
-</p:sld>
-</file>
-
-<file path=ppt/slides/slide59.xml><?xml version="1.0" encoding="utf-8"?>
-<p:sld xmlns:a="http://schemas.openxmlformats.org/drawingml/2006/main" xmlns:r="http://schemas.openxmlformats.org/officeDocument/2006/relationships" xmlns:p="http://schemas.openxmlformats.org/presentationml/2006/main">
-  <p:cSld>
-    <p:bg>
-      <p:bgPr>
-        <a:solidFill>
-          <a:srgbClr val="E6E7E2"/>
-        </a:solidFill>
-        <a:effectLst/>
-      </p:bgPr>
-    </p:bg>
-    <p:spTree>
-      <p:nvGrpSpPr>
-        <p:cNvPr id="1" name=""/>
-        <p:cNvGrpSpPr/>
-        <p:nvPr/>
-      </p:nvGrpSpPr>
-      <p:grpSpPr>
-        <a:xfrm>
-          <a:off x="0" y="0"/>
-          <a:ext cx="0" cy="0"/>
-          <a:chOff x="0" y="0"/>
-          <a:chExt cx="0" cy="0"/>
-        </a:xfrm>
-      </p:grpSpPr>
-      <p:sp>
-        <p:nvSpPr>
-          <p:cNvPr id="14" name="직사각형 13"/>
-          <p:cNvSpPr/>
-          <p:nvPr/>
-        </p:nvSpPr>
-        <p:spPr>
-          <a:xfrm>
-            <a:off x="3216068" y="0"/>
-            <a:ext cx="5759864" cy="887615"/>
-          </a:xfrm>
-          <a:prstGeom prst="rect">
-            <a:avLst/>
-          </a:prstGeom>
-        </p:spPr>
-        <p:txBody>
-          <a:bodyPr wrap="square">
-            <a:spAutoFit/>
-          </a:bodyPr>
-          <a:lstStyle/>
-          <a:p>
-            <a:pPr algn="ctr" latinLnBrk="0">
-              <a:lnSpc>
-                <a:spcPct val="150000"/>
-              </a:lnSpc>
-              <a:defRPr/>
-            </a:pPr>
-            <a:r>
-              <a:rPr lang="en-US" altLang="ko-KR" sz="2400" b="1" i="1" kern="0" dirty="0">
-                <a:solidFill>
-                  <a:prstClr val="black">
-                    <a:lumMod val="75000"/>
-                    <a:lumOff val="25000"/>
-                  </a:prstClr>
-                </a:solidFill>
-              </a:rPr>
-              <a:t>Attack &amp; Defense CTF</a:t>
-            </a:r>
-          </a:p>
-          <a:p>
-            <a:pPr algn="ctr" latinLnBrk="0">
-              <a:lnSpc>
-                <a:spcPct val="150000"/>
-              </a:lnSpc>
-              <a:defRPr/>
-            </a:pPr>
-            <a:r>
-              <a:rPr lang="en-US" altLang="ko-KR" sz="1200" kern="0" dirty="0">
-                <a:solidFill>
-                  <a:prstClr val="black">
-                    <a:lumMod val="75000"/>
-                    <a:lumOff val="25000"/>
-                  </a:prstClr>
-                </a:solidFill>
-              </a:rPr>
-              <a:t>MYSQL</a:t>
-            </a:r>
-            <a:endParaRPr lang="ko-KR" altLang="en-US" sz="7200" kern="0" dirty="0">
-              <a:solidFill>
-                <a:prstClr val="black">
-                  <a:lumMod val="75000"/>
-                  <a:lumOff val="25000"/>
-                </a:prstClr>
-              </a:solidFill>
-            </a:endParaRPr>
-          </a:p>
-        </p:txBody>
-      </p:sp>
-      <p:cxnSp>
-        <p:nvCxnSpPr>
-          <p:cNvPr id="15" name="직선 연결선 14"/>
-          <p:cNvCxnSpPr>
-            <a:cxnSpLocks/>
-          </p:cNvCxnSpPr>
-          <p:nvPr/>
-        </p:nvCxnSpPr>
-        <p:spPr>
-          <a:xfrm>
-            <a:off x="882503" y="1013814"/>
-            <a:ext cx="10241952" cy="0"/>
-          </a:xfrm>
-          <a:prstGeom prst="line">
-            <a:avLst/>
-          </a:prstGeom>
-          <a:ln>
-            <a:solidFill>
-              <a:schemeClr val="tx1">
-                <a:lumMod val="75000"/>
-                <a:lumOff val="25000"/>
-              </a:schemeClr>
-            </a:solidFill>
-          </a:ln>
-        </p:spPr>
-        <p:style>
-          <a:lnRef idx="1">
-            <a:schemeClr val="accent1"/>
-          </a:lnRef>
-          <a:fillRef idx="0">
-            <a:schemeClr val="accent1"/>
-          </a:fillRef>
-          <a:effectRef idx="0">
-            <a:schemeClr val="accent1"/>
-          </a:effectRef>
-          <a:fontRef idx="minor">
-            <a:schemeClr val="tx1"/>
-          </a:fontRef>
-        </p:style>
-      </p:cxnSp>
-      <p:sp>
-        <p:nvSpPr>
-          <p:cNvPr id="5" name="TextBox 4">
-            <a:extLst>
-              <a:ext uri="{FF2B5EF4-FFF2-40B4-BE49-F238E27FC236}">
-                <a16:creationId xmlns:a16="http://schemas.microsoft.com/office/drawing/2014/main" id="{1A68398D-3658-1948-B1F4-0824F8A58215}"/>
-              </a:ext>
-            </a:extLst>
-          </p:cNvPr>
-          <p:cNvSpPr txBox="1"/>
-          <p:nvPr/>
-        </p:nvSpPr>
-        <p:spPr>
-          <a:xfrm>
-            <a:off x="882503" y="1319463"/>
-            <a:ext cx="2742674" cy="461665"/>
-          </a:xfrm>
-          <a:prstGeom prst="rect">
-            <a:avLst/>
-          </a:prstGeom>
-          <a:noFill/>
-        </p:spPr>
-        <p:txBody>
-          <a:bodyPr wrap="none" rtlCol="0">
-            <a:spAutoFit/>
-          </a:bodyPr>
-          <a:lstStyle/>
-          <a:p>
-            <a:r>
-              <a:rPr lang="en-US" sz="2400" b="1" dirty="0"/>
-              <a:t>MYSQL – Column</a:t>
-            </a:r>
-            <a:endParaRPr lang="en-KR" sz="2400" b="1" dirty="0"/>
-          </a:p>
-        </p:txBody>
-      </p:sp>
-      <p:sp>
-        <p:nvSpPr>
-          <p:cNvPr id="3" name="TextBox 2">
-            <a:extLst>
-              <a:ext uri="{FF2B5EF4-FFF2-40B4-BE49-F238E27FC236}">
-                <a16:creationId xmlns:a16="http://schemas.microsoft.com/office/drawing/2014/main" id="{6DF5F0E9-783A-0647-9C2C-4ECF05EBBD07}"/>
-              </a:ext>
-            </a:extLst>
-          </p:cNvPr>
-          <p:cNvSpPr txBox="1"/>
-          <p:nvPr/>
-        </p:nvSpPr>
-        <p:spPr>
-          <a:xfrm>
-            <a:off x="1079292" y="3522689"/>
-            <a:ext cx="184731" cy="369332"/>
-          </a:xfrm>
-          <a:prstGeom prst="rect">
-            <a:avLst/>
-          </a:prstGeom>
-          <a:noFill/>
-        </p:spPr>
-        <p:txBody>
-          <a:bodyPr wrap="none" rtlCol="0">
-            <a:spAutoFit/>
-          </a:bodyPr>
-          <a:lstStyle/>
-          <a:p>
-            <a:endParaRPr lang="en-KR" dirty="0"/>
-          </a:p>
-        </p:txBody>
-      </p:sp>
-      <p:sp>
-        <p:nvSpPr>
-          <p:cNvPr id="2" name="TextBox 1">
-            <a:extLst>
-              <a:ext uri="{FF2B5EF4-FFF2-40B4-BE49-F238E27FC236}">
-                <a16:creationId xmlns:a16="http://schemas.microsoft.com/office/drawing/2014/main" id="{01880842-E068-564F-8EFD-A3CEFD35167C}"/>
-              </a:ext>
-            </a:extLst>
-          </p:cNvPr>
-          <p:cNvSpPr txBox="1"/>
-          <p:nvPr/>
-        </p:nvSpPr>
-        <p:spPr>
-          <a:xfrm>
-            <a:off x="1155700" y="2120900"/>
-            <a:ext cx="8167492" cy="2308324"/>
-          </a:xfrm>
-          <a:prstGeom prst="rect">
-            <a:avLst/>
-          </a:prstGeom>
-          <a:noFill/>
-        </p:spPr>
-        <p:txBody>
-          <a:bodyPr wrap="none" rtlCol="0">
-            <a:spAutoFit/>
-          </a:bodyPr>
-          <a:lstStyle/>
-          <a:p>
-            <a:pPr marL="285750" indent="-285750">
-              <a:buFont typeface="Arial" panose="020B0604020202020204" pitchFamily="34" charset="0"/>
-              <a:buChar char="•"/>
-            </a:pPr>
-            <a:r>
-              <a:rPr lang="en-KR" dirty="0"/>
-              <a:t>추가</a:t>
-            </a:r>
-          </a:p>
-          <a:p>
-            <a:pPr marL="285750" indent="-285750">
-              <a:buFont typeface="System Font Regular"/>
-              <a:buChar char="-"/>
-            </a:pPr>
-            <a:r>
-              <a:rPr lang="en-KR" dirty="0"/>
-              <a:t>ALTER TABLE </a:t>
-            </a:r>
-            <a:r>
-              <a:rPr lang="en-KR" dirty="0">
-                <a:solidFill>
-                  <a:srgbClr val="FF0000"/>
-                </a:solidFill>
-              </a:rPr>
-              <a:t>tablename</a:t>
-            </a:r>
-            <a:r>
-              <a:rPr lang="en-KR" dirty="0"/>
-              <a:t> </a:t>
-            </a:r>
-            <a:r>
-              <a:rPr lang="en-KR" b="1" dirty="0"/>
-              <a:t>ADD</a:t>
-            </a:r>
-            <a:r>
-              <a:rPr lang="en-KR" dirty="0"/>
-              <a:t> COLUMN </a:t>
-            </a:r>
-            <a:r>
-              <a:rPr lang="en-KR" dirty="0">
-                <a:solidFill>
-                  <a:srgbClr val="FF0000"/>
-                </a:solidFill>
-              </a:rPr>
-              <a:t>column</a:t>
-            </a:r>
-            <a:r>
-              <a:rPr lang="en-KR" dirty="0"/>
-              <a:t> </a:t>
-            </a:r>
-            <a:r>
-              <a:rPr lang="en-KR" dirty="0">
-                <a:solidFill>
-                  <a:srgbClr val="FF0000"/>
-                </a:solidFill>
-              </a:rPr>
-              <a:t>TYPE OPTION</a:t>
-            </a:r>
-          </a:p>
-          <a:p>
-            <a:endParaRPr lang="en-KR" dirty="0"/>
-          </a:p>
-          <a:p>
-            <a:pPr marL="285750" indent="-285750">
-              <a:buFont typeface="Arial" panose="020B0604020202020204" pitchFamily="34" charset="0"/>
-              <a:buChar char="•"/>
-            </a:pPr>
-            <a:r>
-              <a:rPr lang="en-KR" dirty="0"/>
-              <a:t>수정</a:t>
-            </a:r>
-          </a:p>
-          <a:p>
-            <a:pPr marL="285750" indent="-285750">
-              <a:buFont typeface="System Font Regular"/>
-              <a:buChar char="-"/>
-            </a:pPr>
-            <a:r>
-              <a:rPr lang="en-KR" dirty="0"/>
-              <a:t>ALTER TABLE </a:t>
-            </a:r>
-            <a:r>
-              <a:rPr lang="en-KR" dirty="0">
-                <a:solidFill>
-                  <a:srgbClr val="FF0000"/>
-                </a:solidFill>
-              </a:rPr>
-              <a:t>tablename</a:t>
-            </a:r>
-            <a:r>
-              <a:rPr lang="en-KR" dirty="0"/>
-              <a:t> </a:t>
-            </a:r>
-            <a:r>
-              <a:rPr lang="en-KR" b="1" dirty="0"/>
-              <a:t>CHANGE</a:t>
-            </a:r>
-            <a:r>
-              <a:rPr lang="en-KR" dirty="0"/>
-              <a:t> </a:t>
-            </a:r>
-            <a:r>
-              <a:rPr lang="en-KR" dirty="0">
-                <a:solidFill>
-                  <a:srgbClr val="FF0000"/>
-                </a:solidFill>
-              </a:rPr>
-              <a:t>[컬럼명</a:t>
-            </a:r>
-            <a:r>
-              <a:rPr lang="en-US" altLang="ko-KR" dirty="0">
-                <a:solidFill>
-                  <a:srgbClr val="FF0000"/>
-                </a:solidFill>
-              </a:rPr>
-              <a:t>] [</a:t>
-            </a:r>
-            <a:r>
-              <a:rPr lang="ko-KR" altLang="en-US" dirty="0">
-                <a:solidFill>
-                  <a:srgbClr val="FF0000"/>
-                </a:solidFill>
-              </a:rPr>
-              <a:t>변경할 </a:t>
-            </a:r>
-            <a:r>
-              <a:rPr lang="ko-KR" altLang="en-US" dirty="0" err="1">
-                <a:solidFill>
-                  <a:srgbClr val="FF0000"/>
-                </a:solidFill>
-              </a:rPr>
-              <a:t>컬럼명</a:t>
-            </a:r>
-            <a:r>
-              <a:rPr lang="en-US" altLang="ko-KR" dirty="0">
-                <a:solidFill>
-                  <a:srgbClr val="FF0000"/>
-                </a:solidFill>
-              </a:rPr>
-              <a:t>]</a:t>
-            </a:r>
-            <a:r>
-              <a:rPr lang="ko-KR" altLang="en-US" dirty="0">
-                <a:solidFill>
-                  <a:srgbClr val="FF0000"/>
-                </a:solidFill>
-              </a:rPr>
-              <a:t> </a:t>
-            </a:r>
-            <a:r>
-              <a:rPr lang="en-US" altLang="ko-KR" dirty="0">
-                <a:solidFill>
-                  <a:srgbClr val="FF0000"/>
-                </a:solidFill>
-              </a:rPr>
-              <a:t>TYPE OPTION</a:t>
-            </a:r>
-            <a:r>
-              <a:rPr lang="en-KR" dirty="0"/>
-              <a:t>;</a:t>
-            </a:r>
-          </a:p>
-          <a:p>
-            <a:endParaRPr lang="en-KR" dirty="0"/>
-          </a:p>
-          <a:p>
-            <a:pPr marL="285750" indent="-285750">
-              <a:buFont typeface="Arial" panose="020B0604020202020204" pitchFamily="34" charset="0"/>
-              <a:buChar char="•"/>
-            </a:pPr>
-            <a:r>
-              <a:rPr lang="en-KR" dirty="0"/>
-              <a:t>삭제</a:t>
-            </a:r>
-          </a:p>
-          <a:p>
-            <a:pPr marL="285750" indent="-285750">
-              <a:buFont typeface="System Font Regular"/>
-              <a:buChar char="-"/>
-            </a:pPr>
-            <a:r>
-              <a:rPr lang="en-KR" dirty="0"/>
-              <a:t>ALTER TABLE </a:t>
-            </a:r>
-            <a:r>
-              <a:rPr lang="en-KR" dirty="0">
-                <a:solidFill>
-                  <a:srgbClr val="FF0000"/>
-                </a:solidFill>
-              </a:rPr>
-              <a:t>tablename</a:t>
-            </a:r>
-            <a:r>
-              <a:rPr lang="en-KR" dirty="0"/>
-              <a:t> </a:t>
-            </a:r>
-            <a:r>
-              <a:rPr lang="en-KR" b="1" dirty="0"/>
-              <a:t>DROP</a:t>
-            </a:r>
-            <a:r>
-              <a:rPr lang="en-KR" dirty="0"/>
-              <a:t> </a:t>
-            </a:r>
-            <a:r>
-              <a:rPr lang="en-KR" dirty="0">
-                <a:solidFill>
-                  <a:srgbClr val="FF0000"/>
-                </a:solidFill>
-              </a:rPr>
-              <a:t>[컬럼명</a:t>
-            </a:r>
-            <a:r>
-              <a:rPr lang="en-US" altLang="ko-KR" dirty="0">
-                <a:solidFill>
-                  <a:srgbClr val="FF0000"/>
-                </a:solidFill>
-              </a:rPr>
-              <a:t>]</a:t>
-            </a:r>
-            <a:r>
-              <a:rPr lang="en-KR" dirty="0"/>
-              <a:t>;</a:t>
-            </a:r>
-          </a:p>
-        </p:txBody>
-      </p:sp>
-    </p:spTree>
-    <p:extLst>
-      <p:ext uri="{BB962C8B-B14F-4D97-AF65-F5344CB8AC3E}">
-        <p14:creationId xmlns:p14="http://schemas.microsoft.com/office/powerpoint/2010/main" val="3022272253"/>
-      </p:ext>
-    </p:extLst>
-  </p:cSld>
-  <p:clrMapOvr>
-    <a:masterClrMapping/>
-  </p:clrMapOvr>
-</p:sld>
-</file>
-
 <file path=ppt/slides/slide6.xml><?xml version="1.0" encoding="utf-8"?>
 <p:sld xmlns:a="http://schemas.openxmlformats.org/drawingml/2006/main" xmlns:r="http://schemas.openxmlformats.org/officeDocument/2006/relationships" xmlns:p="http://schemas.openxmlformats.org/presentationml/2006/main">
   <p:cSld>
@@ -34437,7 +35324,7 @@
           <p:nvPr/>
         </p:nvPicPr>
         <p:blipFill>
-          <a:blip r:embed="rId2">
+          <a:blip r:embed="rId2" cstate="print">
             <a:extLst>
               <a:ext uri="{28A0092B-C50C-407E-A947-70E740481C1C}">
                 <a14:useLocalDpi xmlns:a14="http://schemas.microsoft.com/office/drawing/2010/main" val="0"/>
@@ -34476,7 +35363,7 @@
           <p:nvPr/>
         </p:nvPicPr>
         <p:blipFill>
-          <a:blip r:embed="rId3">
+          <a:blip r:embed="rId3" cstate="print">
             <a:extLst>
               <a:ext uri="{28A0092B-C50C-407E-A947-70E740481C1C}">
                 <a14:useLocalDpi xmlns:a14="http://schemas.microsoft.com/office/drawing/2010/main" val="0"/>
@@ -34523,7 +35410,7 @@
           <p:nvPr/>
         </p:nvPicPr>
         <p:blipFill>
-          <a:blip r:embed="rId4">
+          <a:blip r:embed="rId4" cstate="print">
             <a:extLst>
               <a:ext uri="{28A0092B-C50C-407E-A947-70E740481C1C}">
                 <a14:useLocalDpi xmlns:a14="http://schemas.microsoft.com/office/drawing/2010/main" val="0"/>
@@ -34606,7 +35493,7 @@
           <p:nvPr/>
         </p:nvPicPr>
         <p:blipFill>
-          <a:blip r:embed="rId4">
+          <a:blip r:embed="rId4" cstate="print">
             <a:extLst>
               <a:ext uri="{28A0092B-C50C-407E-A947-70E740481C1C}">
                 <a14:useLocalDpi xmlns:a14="http://schemas.microsoft.com/office/drawing/2010/main" val="0"/>
@@ -35045,7 +35932,7 @@
           <p:nvPr/>
         </p:nvPicPr>
         <p:blipFill>
-          <a:blip r:embed="rId5">
+          <a:blip r:embed="rId6" cstate="print">
             <a:extLst>
               <a:ext uri="{28A0092B-C50C-407E-A947-70E740481C1C}">
                 <a14:useLocalDpi xmlns:a14="http://schemas.microsoft.com/office/drawing/2010/main" val="0"/>
@@ -35139,6 +36026,858 @@
 </file>
 
 <file path=ppt/slides/slide60.xml><?xml version="1.0" encoding="utf-8"?>
+<p:sld xmlns:a="http://schemas.openxmlformats.org/drawingml/2006/main" xmlns:r="http://schemas.openxmlformats.org/officeDocument/2006/relationships" xmlns:p="http://schemas.openxmlformats.org/presentationml/2006/main">
+  <p:cSld>
+    <p:bg>
+      <p:bgPr>
+        <a:solidFill>
+          <a:srgbClr val="E6E7E2"/>
+        </a:solidFill>
+        <a:effectLst/>
+      </p:bgPr>
+    </p:bg>
+    <p:spTree>
+      <p:nvGrpSpPr>
+        <p:cNvPr id="1" name=""/>
+        <p:cNvGrpSpPr/>
+        <p:nvPr/>
+      </p:nvGrpSpPr>
+      <p:grpSpPr>
+        <a:xfrm>
+          <a:off x="0" y="0"/>
+          <a:ext cx="0" cy="0"/>
+          <a:chOff x="0" y="0"/>
+          <a:chExt cx="0" cy="0"/>
+        </a:xfrm>
+      </p:grpSpPr>
+      <p:sp>
+        <p:nvSpPr>
+          <p:cNvPr id="14" name="직사각형 13"/>
+          <p:cNvSpPr/>
+          <p:nvPr/>
+        </p:nvSpPr>
+        <p:spPr>
+          <a:xfrm>
+            <a:off x="3216068" y="0"/>
+            <a:ext cx="5759864" cy="887615"/>
+          </a:xfrm>
+          <a:prstGeom prst="rect">
+            <a:avLst/>
+          </a:prstGeom>
+        </p:spPr>
+        <p:txBody>
+          <a:bodyPr wrap="square">
+            <a:spAutoFit/>
+          </a:bodyPr>
+          <a:lstStyle/>
+          <a:p>
+            <a:pPr algn="ctr" latinLnBrk="0">
+              <a:lnSpc>
+                <a:spcPct val="150000"/>
+              </a:lnSpc>
+              <a:defRPr/>
+            </a:pPr>
+            <a:r>
+              <a:rPr lang="en-US" altLang="ko-KR" sz="2400" b="1" i="1" kern="0" dirty="0">
+                <a:solidFill>
+                  <a:prstClr val="black">
+                    <a:lumMod val="75000"/>
+                    <a:lumOff val="25000"/>
+                  </a:prstClr>
+                </a:solidFill>
+              </a:rPr>
+              <a:t>Attack &amp; Defense CTF</a:t>
+            </a:r>
+          </a:p>
+          <a:p>
+            <a:pPr algn="ctr" latinLnBrk="0">
+              <a:lnSpc>
+                <a:spcPct val="150000"/>
+              </a:lnSpc>
+              <a:defRPr/>
+            </a:pPr>
+            <a:r>
+              <a:rPr lang="en-US" altLang="ko-KR" sz="1200" kern="0" dirty="0">
+                <a:solidFill>
+                  <a:prstClr val="black">
+                    <a:lumMod val="75000"/>
+                    <a:lumOff val="25000"/>
+                  </a:prstClr>
+                </a:solidFill>
+              </a:rPr>
+              <a:t>MYSQL</a:t>
+            </a:r>
+            <a:endParaRPr lang="ko-KR" altLang="en-US" sz="7200" kern="0" dirty="0">
+              <a:solidFill>
+                <a:prstClr val="black">
+                  <a:lumMod val="75000"/>
+                  <a:lumOff val="25000"/>
+                </a:prstClr>
+              </a:solidFill>
+            </a:endParaRPr>
+          </a:p>
+        </p:txBody>
+      </p:sp>
+      <p:cxnSp>
+        <p:nvCxnSpPr>
+          <p:cNvPr id="15" name="직선 연결선 14"/>
+          <p:cNvCxnSpPr>
+            <a:cxnSpLocks/>
+          </p:cNvCxnSpPr>
+          <p:nvPr/>
+        </p:nvCxnSpPr>
+        <p:spPr>
+          <a:xfrm>
+            <a:off x="882503" y="1013814"/>
+            <a:ext cx="10241952" cy="0"/>
+          </a:xfrm>
+          <a:prstGeom prst="line">
+            <a:avLst/>
+          </a:prstGeom>
+          <a:ln>
+            <a:solidFill>
+              <a:schemeClr val="tx1">
+                <a:lumMod val="75000"/>
+                <a:lumOff val="25000"/>
+              </a:schemeClr>
+            </a:solidFill>
+          </a:ln>
+        </p:spPr>
+        <p:style>
+          <a:lnRef idx="1">
+            <a:schemeClr val="accent1"/>
+          </a:lnRef>
+          <a:fillRef idx="0">
+            <a:schemeClr val="accent1"/>
+          </a:fillRef>
+          <a:effectRef idx="0">
+            <a:schemeClr val="accent1"/>
+          </a:effectRef>
+          <a:fontRef idx="minor">
+            <a:schemeClr val="tx1"/>
+          </a:fontRef>
+        </p:style>
+      </p:cxnSp>
+      <p:sp>
+        <p:nvSpPr>
+          <p:cNvPr id="5" name="TextBox 4">
+            <a:extLst>
+              <a:ext uri="{FF2B5EF4-FFF2-40B4-BE49-F238E27FC236}">
+                <a16:creationId xmlns:a16="http://schemas.microsoft.com/office/drawing/2014/main" id="{1A68398D-3658-1948-B1F4-0824F8A58215}"/>
+              </a:ext>
+            </a:extLst>
+          </p:cNvPr>
+          <p:cNvSpPr txBox="1"/>
+          <p:nvPr/>
+        </p:nvSpPr>
+        <p:spPr>
+          <a:xfrm>
+            <a:off x="882503" y="1319463"/>
+            <a:ext cx="2375458" cy="461665"/>
+          </a:xfrm>
+          <a:prstGeom prst="rect">
+            <a:avLst/>
+          </a:prstGeom>
+          <a:noFill/>
+        </p:spPr>
+        <p:txBody>
+          <a:bodyPr wrap="none" rtlCol="0">
+            <a:spAutoFit/>
+          </a:bodyPr>
+          <a:lstStyle/>
+          <a:p>
+            <a:r>
+              <a:rPr lang="en-US" sz="2400" b="1" dirty="0"/>
+              <a:t>MYSQL – Table</a:t>
+            </a:r>
+            <a:endParaRPr lang="en-KR" sz="2400" b="1" dirty="0"/>
+          </a:p>
+        </p:txBody>
+      </p:sp>
+      <p:sp>
+        <p:nvSpPr>
+          <p:cNvPr id="3" name="TextBox 2">
+            <a:extLst>
+              <a:ext uri="{FF2B5EF4-FFF2-40B4-BE49-F238E27FC236}">
+                <a16:creationId xmlns:a16="http://schemas.microsoft.com/office/drawing/2014/main" id="{6DF5F0E9-783A-0647-9C2C-4ECF05EBBD07}"/>
+              </a:ext>
+            </a:extLst>
+          </p:cNvPr>
+          <p:cNvSpPr txBox="1"/>
+          <p:nvPr/>
+        </p:nvSpPr>
+        <p:spPr>
+          <a:xfrm>
+            <a:off x="1079292" y="3522689"/>
+            <a:ext cx="184731" cy="369332"/>
+          </a:xfrm>
+          <a:prstGeom prst="rect">
+            <a:avLst/>
+          </a:prstGeom>
+          <a:noFill/>
+        </p:spPr>
+        <p:txBody>
+          <a:bodyPr wrap="none" rtlCol="0">
+            <a:spAutoFit/>
+          </a:bodyPr>
+          <a:lstStyle/>
+          <a:p>
+            <a:endParaRPr lang="en-KR" dirty="0"/>
+          </a:p>
+        </p:txBody>
+      </p:sp>
+      <p:sp>
+        <p:nvSpPr>
+          <p:cNvPr id="2" name="TextBox 1">
+            <a:extLst>
+              <a:ext uri="{FF2B5EF4-FFF2-40B4-BE49-F238E27FC236}">
+                <a16:creationId xmlns:a16="http://schemas.microsoft.com/office/drawing/2014/main" id="{01880842-E068-564F-8EFD-A3CEFD35167C}"/>
+              </a:ext>
+            </a:extLst>
+          </p:cNvPr>
+          <p:cNvSpPr txBox="1"/>
+          <p:nvPr/>
+        </p:nvSpPr>
+        <p:spPr>
+          <a:xfrm>
+            <a:off x="1155700" y="2120900"/>
+            <a:ext cx="9814931" cy="2585323"/>
+          </a:xfrm>
+          <a:prstGeom prst="rect">
+            <a:avLst/>
+          </a:prstGeom>
+          <a:noFill/>
+        </p:spPr>
+        <p:txBody>
+          <a:bodyPr wrap="none" rtlCol="0">
+            <a:spAutoFit/>
+          </a:bodyPr>
+          <a:lstStyle/>
+          <a:p>
+            <a:pPr marL="285750" indent="-285750">
+              <a:buFont typeface="Arial" panose="020B0604020202020204" pitchFamily="34" charset="0"/>
+              <a:buChar char="•"/>
+            </a:pPr>
+            <a:r>
+              <a:rPr lang="en-KR" dirty="0"/>
+              <a:t>생성</a:t>
+            </a:r>
+          </a:p>
+          <a:p>
+            <a:pPr marL="285750" indent="-285750">
+              <a:buFont typeface="System Font Regular"/>
+              <a:buChar char="-"/>
+            </a:pPr>
+            <a:r>
+              <a:rPr lang="en-KR" b="1" dirty="0"/>
+              <a:t>CREATE</a:t>
+            </a:r>
+            <a:r>
+              <a:rPr lang="en-KR" dirty="0"/>
+              <a:t> TABLE </a:t>
+            </a:r>
+            <a:r>
+              <a:rPr lang="en-KR" dirty="0">
+                <a:solidFill>
+                  <a:srgbClr val="FF0000"/>
+                </a:solidFill>
+              </a:rPr>
+              <a:t>tablename</a:t>
+            </a:r>
+            <a:r>
+              <a:rPr lang="en-KR" dirty="0"/>
+              <a:t> (COLUMN TYPE OPTION, …)</a:t>
+            </a:r>
+          </a:p>
+          <a:p>
+            <a:pPr marL="285750" indent="-285750">
+              <a:buFont typeface="System Font Regular"/>
+              <a:buChar char="-"/>
+            </a:pPr>
+            <a:r>
+              <a:rPr lang="en-US" dirty="0"/>
+              <a:t>E</a:t>
+            </a:r>
+            <a:r>
+              <a:rPr lang="en-KR" dirty="0"/>
+              <a:t>x) CREATE TABLE </a:t>
+            </a:r>
+            <a:r>
+              <a:rPr lang="en-KR" dirty="0">
+                <a:solidFill>
+                  <a:srgbClr val="FF0000"/>
+                </a:solidFill>
+              </a:rPr>
+              <a:t>storage</a:t>
+            </a:r>
+            <a:r>
+              <a:rPr lang="en-KR" dirty="0"/>
+              <a:t>(seq int auto increment, name varchar(100) not null, count int);</a:t>
+            </a:r>
+          </a:p>
+          <a:p>
+            <a:endParaRPr lang="en-KR" dirty="0"/>
+          </a:p>
+          <a:p>
+            <a:pPr marL="285750" indent="-285750">
+              <a:buFont typeface="Arial" panose="020B0604020202020204" pitchFamily="34" charset="0"/>
+              <a:buChar char="•"/>
+            </a:pPr>
+            <a:r>
+              <a:rPr lang="en-KR" dirty="0"/>
+              <a:t>삭제</a:t>
+            </a:r>
+          </a:p>
+          <a:p>
+            <a:pPr marL="285750" indent="-285750">
+              <a:buFont typeface="System Font Regular"/>
+              <a:buChar char="-"/>
+            </a:pPr>
+            <a:r>
+              <a:rPr lang="en-KR" b="1" dirty="0"/>
+              <a:t>DROP</a:t>
+            </a:r>
+            <a:r>
+              <a:rPr lang="en-KR" dirty="0"/>
+              <a:t> TABLE </a:t>
+            </a:r>
+            <a:r>
+              <a:rPr lang="en-KR" dirty="0">
+                <a:solidFill>
+                  <a:srgbClr val="FF0000"/>
+                </a:solidFill>
+              </a:rPr>
+              <a:t>tablename</a:t>
+            </a:r>
+            <a:r>
+              <a:rPr lang="en-KR" dirty="0"/>
+              <a:t>;</a:t>
+            </a:r>
+          </a:p>
+          <a:p>
+            <a:endParaRPr lang="en-KR" dirty="0"/>
+          </a:p>
+          <a:p>
+            <a:pPr marL="285750" indent="-285750">
+              <a:buFont typeface="Arial" panose="020B0604020202020204" pitchFamily="34" charset="0"/>
+              <a:buChar char="•"/>
+            </a:pPr>
+            <a:r>
+              <a:rPr lang="en-KR" dirty="0"/>
+              <a:t>초기화</a:t>
+            </a:r>
+          </a:p>
+          <a:p>
+            <a:pPr marL="285750" indent="-285750">
+              <a:buFont typeface="System Font Regular"/>
+              <a:buChar char="-"/>
+            </a:pPr>
+            <a:r>
+              <a:rPr lang="en-KR" b="1" dirty="0"/>
+              <a:t>TRUNCATE</a:t>
+            </a:r>
+            <a:r>
+              <a:rPr lang="en-KR" dirty="0"/>
+              <a:t> TABLE </a:t>
+            </a:r>
+            <a:r>
+              <a:rPr lang="en-KR" dirty="0">
+                <a:solidFill>
+                  <a:srgbClr val="FF0000"/>
+                </a:solidFill>
+              </a:rPr>
+              <a:t>tablename</a:t>
+            </a:r>
+            <a:r>
+              <a:rPr lang="en-KR" dirty="0"/>
+              <a:t>;</a:t>
+            </a:r>
+          </a:p>
+        </p:txBody>
+      </p:sp>
+    </p:spTree>
+    <p:extLst>
+      <p:ext uri="{BB962C8B-B14F-4D97-AF65-F5344CB8AC3E}">
+        <p14:creationId xmlns:p14="http://schemas.microsoft.com/office/powerpoint/2010/main" val="2354417128"/>
+      </p:ext>
+    </p:extLst>
+  </p:cSld>
+  <p:clrMapOvr>
+    <a:masterClrMapping/>
+  </p:clrMapOvr>
+</p:sld>
+</file>
+
+<file path=ppt/slides/slide61.xml><?xml version="1.0" encoding="utf-8"?>
+<p:sld xmlns:a="http://schemas.openxmlformats.org/drawingml/2006/main" xmlns:r="http://schemas.openxmlformats.org/officeDocument/2006/relationships" xmlns:p="http://schemas.openxmlformats.org/presentationml/2006/main">
+  <p:cSld>
+    <p:bg>
+      <p:bgPr>
+        <a:solidFill>
+          <a:srgbClr val="E6E7E2"/>
+        </a:solidFill>
+        <a:effectLst/>
+      </p:bgPr>
+    </p:bg>
+    <p:spTree>
+      <p:nvGrpSpPr>
+        <p:cNvPr id="1" name=""/>
+        <p:cNvGrpSpPr/>
+        <p:nvPr/>
+      </p:nvGrpSpPr>
+      <p:grpSpPr>
+        <a:xfrm>
+          <a:off x="0" y="0"/>
+          <a:ext cx="0" cy="0"/>
+          <a:chOff x="0" y="0"/>
+          <a:chExt cx="0" cy="0"/>
+        </a:xfrm>
+      </p:grpSpPr>
+      <p:sp>
+        <p:nvSpPr>
+          <p:cNvPr id="14" name="직사각형 13"/>
+          <p:cNvSpPr/>
+          <p:nvPr/>
+        </p:nvSpPr>
+        <p:spPr>
+          <a:xfrm>
+            <a:off x="3216068" y="0"/>
+            <a:ext cx="5759864" cy="887615"/>
+          </a:xfrm>
+          <a:prstGeom prst="rect">
+            <a:avLst/>
+          </a:prstGeom>
+        </p:spPr>
+        <p:txBody>
+          <a:bodyPr wrap="square">
+            <a:spAutoFit/>
+          </a:bodyPr>
+          <a:lstStyle/>
+          <a:p>
+            <a:pPr algn="ctr" latinLnBrk="0">
+              <a:lnSpc>
+                <a:spcPct val="150000"/>
+              </a:lnSpc>
+              <a:defRPr/>
+            </a:pPr>
+            <a:r>
+              <a:rPr lang="en-US" altLang="ko-KR" sz="2400" b="1" i="1" kern="0" dirty="0">
+                <a:solidFill>
+                  <a:prstClr val="black">
+                    <a:lumMod val="75000"/>
+                    <a:lumOff val="25000"/>
+                  </a:prstClr>
+                </a:solidFill>
+              </a:rPr>
+              <a:t>Attack &amp; Defense CTF</a:t>
+            </a:r>
+          </a:p>
+          <a:p>
+            <a:pPr algn="ctr" latinLnBrk="0">
+              <a:lnSpc>
+                <a:spcPct val="150000"/>
+              </a:lnSpc>
+              <a:defRPr/>
+            </a:pPr>
+            <a:r>
+              <a:rPr lang="en-US" altLang="ko-KR" sz="1200" kern="0" dirty="0">
+                <a:solidFill>
+                  <a:prstClr val="black">
+                    <a:lumMod val="75000"/>
+                    <a:lumOff val="25000"/>
+                  </a:prstClr>
+                </a:solidFill>
+              </a:rPr>
+              <a:t>MYSQL</a:t>
+            </a:r>
+            <a:endParaRPr lang="ko-KR" altLang="en-US" sz="7200" kern="0" dirty="0">
+              <a:solidFill>
+                <a:prstClr val="black">
+                  <a:lumMod val="75000"/>
+                  <a:lumOff val="25000"/>
+                </a:prstClr>
+              </a:solidFill>
+            </a:endParaRPr>
+          </a:p>
+        </p:txBody>
+      </p:sp>
+      <p:cxnSp>
+        <p:nvCxnSpPr>
+          <p:cNvPr id="15" name="직선 연결선 14"/>
+          <p:cNvCxnSpPr>
+            <a:cxnSpLocks/>
+          </p:cNvCxnSpPr>
+          <p:nvPr/>
+        </p:nvCxnSpPr>
+        <p:spPr>
+          <a:xfrm>
+            <a:off x="882503" y="1013814"/>
+            <a:ext cx="10241952" cy="0"/>
+          </a:xfrm>
+          <a:prstGeom prst="line">
+            <a:avLst/>
+          </a:prstGeom>
+          <a:ln>
+            <a:solidFill>
+              <a:schemeClr val="tx1">
+                <a:lumMod val="75000"/>
+                <a:lumOff val="25000"/>
+              </a:schemeClr>
+            </a:solidFill>
+          </a:ln>
+        </p:spPr>
+        <p:style>
+          <a:lnRef idx="1">
+            <a:schemeClr val="accent1"/>
+          </a:lnRef>
+          <a:fillRef idx="0">
+            <a:schemeClr val="accent1"/>
+          </a:fillRef>
+          <a:effectRef idx="0">
+            <a:schemeClr val="accent1"/>
+          </a:effectRef>
+          <a:fontRef idx="minor">
+            <a:schemeClr val="tx1"/>
+          </a:fontRef>
+        </p:style>
+      </p:cxnSp>
+      <p:sp>
+        <p:nvSpPr>
+          <p:cNvPr id="5" name="TextBox 4">
+            <a:extLst>
+              <a:ext uri="{FF2B5EF4-FFF2-40B4-BE49-F238E27FC236}">
+                <a16:creationId xmlns:a16="http://schemas.microsoft.com/office/drawing/2014/main" id="{1A68398D-3658-1948-B1F4-0824F8A58215}"/>
+              </a:ext>
+            </a:extLst>
+          </p:cNvPr>
+          <p:cNvSpPr txBox="1"/>
+          <p:nvPr/>
+        </p:nvSpPr>
+        <p:spPr>
+          <a:xfrm>
+            <a:off x="882503" y="1319463"/>
+            <a:ext cx="2742674" cy="461665"/>
+          </a:xfrm>
+          <a:prstGeom prst="rect">
+            <a:avLst/>
+          </a:prstGeom>
+          <a:noFill/>
+        </p:spPr>
+        <p:txBody>
+          <a:bodyPr wrap="none" rtlCol="0">
+            <a:spAutoFit/>
+          </a:bodyPr>
+          <a:lstStyle/>
+          <a:p>
+            <a:r>
+              <a:rPr lang="en-US" sz="2400" b="1" dirty="0"/>
+              <a:t>MYSQL – Column</a:t>
+            </a:r>
+            <a:endParaRPr lang="en-KR" sz="2400" b="1" dirty="0"/>
+          </a:p>
+        </p:txBody>
+      </p:sp>
+      <p:sp>
+        <p:nvSpPr>
+          <p:cNvPr id="3" name="TextBox 2">
+            <a:extLst>
+              <a:ext uri="{FF2B5EF4-FFF2-40B4-BE49-F238E27FC236}">
+                <a16:creationId xmlns:a16="http://schemas.microsoft.com/office/drawing/2014/main" id="{6DF5F0E9-783A-0647-9C2C-4ECF05EBBD07}"/>
+              </a:ext>
+            </a:extLst>
+          </p:cNvPr>
+          <p:cNvSpPr txBox="1"/>
+          <p:nvPr/>
+        </p:nvSpPr>
+        <p:spPr>
+          <a:xfrm>
+            <a:off x="1079292" y="3522689"/>
+            <a:ext cx="184731" cy="369332"/>
+          </a:xfrm>
+          <a:prstGeom prst="rect">
+            <a:avLst/>
+          </a:prstGeom>
+          <a:noFill/>
+        </p:spPr>
+        <p:txBody>
+          <a:bodyPr wrap="none" rtlCol="0">
+            <a:spAutoFit/>
+          </a:bodyPr>
+          <a:lstStyle/>
+          <a:p>
+            <a:endParaRPr lang="en-KR" dirty="0"/>
+          </a:p>
+        </p:txBody>
+      </p:sp>
+      <p:sp>
+        <p:nvSpPr>
+          <p:cNvPr id="2" name="TextBox 1">
+            <a:extLst>
+              <a:ext uri="{FF2B5EF4-FFF2-40B4-BE49-F238E27FC236}">
+                <a16:creationId xmlns:a16="http://schemas.microsoft.com/office/drawing/2014/main" id="{01880842-E068-564F-8EFD-A3CEFD35167C}"/>
+              </a:ext>
+            </a:extLst>
+          </p:cNvPr>
+          <p:cNvSpPr txBox="1"/>
+          <p:nvPr/>
+        </p:nvSpPr>
+        <p:spPr>
+          <a:xfrm>
+            <a:off x="1155700" y="2120900"/>
+            <a:ext cx="8167492" cy="2308324"/>
+          </a:xfrm>
+          <a:prstGeom prst="rect">
+            <a:avLst/>
+          </a:prstGeom>
+          <a:noFill/>
+        </p:spPr>
+        <p:txBody>
+          <a:bodyPr wrap="none" rtlCol="0">
+            <a:spAutoFit/>
+          </a:bodyPr>
+          <a:lstStyle/>
+          <a:p>
+            <a:pPr marL="285750" indent="-285750">
+              <a:buFont typeface="Arial" panose="020B0604020202020204" pitchFamily="34" charset="0"/>
+              <a:buChar char="•"/>
+            </a:pPr>
+            <a:r>
+              <a:rPr lang="en-KR" dirty="0"/>
+              <a:t>추가</a:t>
+            </a:r>
+          </a:p>
+          <a:p>
+            <a:pPr marL="285750" indent="-285750">
+              <a:buFont typeface="System Font Regular"/>
+              <a:buChar char="-"/>
+            </a:pPr>
+            <a:r>
+              <a:rPr lang="en-KR" dirty="0"/>
+              <a:t>ALTER TABLE </a:t>
+            </a:r>
+            <a:r>
+              <a:rPr lang="en-KR" dirty="0">
+                <a:solidFill>
+                  <a:srgbClr val="FF0000"/>
+                </a:solidFill>
+              </a:rPr>
+              <a:t>tablename</a:t>
+            </a:r>
+            <a:r>
+              <a:rPr lang="en-KR" dirty="0"/>
+              <a:t> </a:t>
+            </a:r>
+            <a:r>
+              <a:rPr lang="en-KR" b="1" dirty="0"/>
+              <a:t>ADD</a:t>
+            </a:r>
+            <a:r>
+              <a:rPr lang="en-KR" dirty="0"/>
+              <a:t> COLUMN </a:t>
+            </a:r>
+            <a:r>
+              <a:rPr lang="en-KR" dirty="0">
+                <a:solidFill>
+                  <a:srgbClr val="FF0000"/>
+                </a:solidFill>
+              </a:rPr>
+              <a:t>column</a:t>
+            </a:r>
+            <a:r>
+              <a:rPr lang="en-KR" dirty="0"/>
+              <a:t> </a:t>
+            </a:r>
+            <a:r>
+              <a:rPr lang="en-KR" dirty="0">
+                <a:solidFill>
+                  <a:srgbClr val="FF0000"/>
+                </a:solidFill>
+              </a:rPr>
+              <a:t>TYPE OPTION</a:t>
+            </a:r>
+          </a:p>
+          <a:p>
+            <a:endParaRPr lang="en-KR" dirty="0"/>
+          </a:p>
+          <a:p>
+            <a:pPr marL="285750" indent="-285750">
+              <a:buFont typeface="Arial" panose="020B0604020202020204" pitchFamily="34" charset="0"/>
+              <a:buChar char="•"/>
+            </a:pPr>
+            <a:r>
+              <a:rPr lang="en-KR" dirty="0"/>
+              <a:t>수정</a:t>
+            </a:r>
+          </a:p>
+          <a:p>
+            <a:pPr marL="285750" indent="-285750">
+              <a:buFont typeface="System Font Regular"/>
+              <a:buChar char="-"/>
+            </a:pPr>
+            <a:r>
+              <a:rPr lang="en-KR" dirty="0"/>
+              <a:t>ALTER TABLE </a:t>
+            </a:r>
+            <a:r>
+              <a:rPr lang="en-KR" dirty="0">
+                <a:solidFill>
+                  <a:srgbClr val="FF0000"/>
+                </a:solidFill>
+              </a:rPr>
+              <a:t>tablename</a:t>
+            </a:r>
+            <a:r>
+              <a:rPr lang="en-KR" dirty="0"/>
+              <a:t> </a:t>
+            </a:r>
+            <a:r>
+              <a:rPr lang="en-KR" b="1" dirty="0"/>
+              <a:t>CHANGE</a:t>
+            </a:r>
+            <a:r>
+              <a:rPr lang="en-KR" dirty="0"/>
+              <a:t> </a:t>
+            </a:r>
+            <a:r>
+              <a:rPr lang="en-KR" dirty="0">
+                <a:solidFill>
+                  <a:srgbClr val="FF0000"/>
+                </a:solidFill>
+              </a:rPr>
+              <a:t>[컬럼명</a:t>
+            </a:r>
+            <a:r>
+              <a:rPr lang="en-US" altLang="ko-KR" dirty="0">
+                <a:solidFill>
+                  <a:srgbClr val="FF0000"/>
+                </a:solidFill>
+              </a:rPr>
+              <a:t>] [</a:t>
+            </a:r>
+            <a:r>
+              <a:rPr lang="ko-KR" altLang="en-US" dirty="0">
+                <a:solidFill>
+                  <a:srgbClr val="FF0000"/>
+                </a:solidFill>
+              </a:rPr>
+              <a:t>변경할 </a:t>
+            </a:r>
+            <a:r>
+              <a:rPr lang="ko-KR" altLang="en-US" dirty="0" err="1">
+                <a:solidFill>
+                  <a:srgbClr val="FF0000"/>
+                </a:solidFill>
+              </a:rPr>
+              <a:t>컬럼명</a:t>
+            </a:r>
+            <a:r>
+              <a:rPr lang="en-US" altLang="ko-KR" dirty="0">
+                <a:solidFill>
+                  <a:srgbClr val="FF0000"/>
+                </a:solidFill>
+              </a:rPr>
+              <a:t>]</a:t>
+            </a:r>
+            <a:r>
+              <a:rPr lang="ko-KR" altLang="en-US" dirty="0">
+                <a:solidFill>
+                  <a:srgbClr val="FF0000"/>
+                </a:solidFill>
+              </a:rPr>
+              <a:t> </a:t>
+            </a:r>
+            <a:r>
+              <a:rPr lang="en-US" altLang="ko-KR" dirty="0">
+                <a:solidFill>
+                  <a:srgbClr val="FF0000"/>
+                </a:solidFill>
+              </a:rPr>
+              <a:t>TYPE OPTION</a:t>
+            </a:r>
+            <a:r>
+              <a:rPr lang="en-KR" dirty="0"/>
+              <a:t>;</a:t>
+            </a:r>
+          </a:p>
+          <a:p>
+            <a:endParaRPr lang="en-KR" dirty="0"/>
+          </a:p>
+          <a:p>
+            <a:pPr marL="285750" indent="-285750">
+              <a:buFont typeface="Arial" panose="020B0604020202020204" pitchFamily="34" charset="0"/>
+              <a:buChar char="•"/>
+            </a:pPr>
+            <a:r>
+              <a:rPr lang="en-KR" dirty="0"/>
+              <a:t>삭제</a:t>
+            </a:r>
+          </a:p>
+          <a:p>
+            <a:pPr marL="285750" indent="-285750">
+              <a:buFont typeface="System Font Regular"/>
+              <a:buChar char="-"/>
+            </a:pPr>
+            <a:r>
+              <a:rPr lang="en-KR" dirty="0"/>
+              <a:t>ALTER TABLE </a:t>
+            </a:r>
+            <a:r>
+              <a:rPr lang="en-KR" dirty="0">
+                <a:solidFill>
+                  <a:srgbClr val="FF0000"/>
+                </a:solidFill>
+              </a:rPr>
+              <a:t>tablename</a:t>
+            </a:r>
+            <a:r>
+              <a:rPr lang="en-KR" dirty="0"/>
+              <a:t> </a:t>
+            </a:r>
+            <a:r>
+              <a:rPr lang="en-KR" b="1" dirty="0"/>
+              <a:t>DROP</a:t>
+            </a:r>
+            <a:r>
+              <a:rPr lang="en-KR" dirty="0"/>
+              <a:t> </a:t>
+            </a:r>
+            <a:r>
+              <a:rPr lang="en-KR" dirty="0">
+                <a:solidFill>
+                  <a:srgbClr val="FF0000"/>
+                </a:solidFill>
+              </a:rPr>
+              <a:t>[컬럼명</a:t>
+            </a:r>
+            <a:r>
+              <a:rPr lang="en-US" altLang="ko-KR" dirty="0">
+                <a:solidFill>
+                  <a:srgbClr val="FF0000"/>
+                </a:solidFill>
+              </a:rPr>
+              <a:t>]</a:t>
+            </a:r>
+            <a:r>
+              <a:rPr lang="en-KR" dirty="0"/>
+              <a:t>;</a:t>
+            </a:r>
+          </a:p>
+        </p:txBody>
+      </p:sp>
+    </p:spTree>
+    <p:extLst>
+      <p:ext uri="{BB962C8B-B14F-4D97-AF65-F5344CB8AC3E}">
+        <p14:creationId xmlns:p14="http://schemas.microsoft.com/office/powerpoint/2010/main" val="3022272253"/>
+      </p:ext>
+    </p:extLst>
+  </p:cSld>
+  <p:clrMapOvr>
+    <a:masterClrMapping/>
+  </p:clrMapOvr>
+</p:sld>
+</file>
+
+<file path=ppt/slides/slide62.xml><?xml version="1.0" encoding="utf-8"?>
 <p:sld xmlns:a="http://schemas.openxmlformats.org/drawingml/2006/main" xmlns:r="http://schemas.openxmlformats.org/officeDocument/2006/relationships" xmlns:p="http://schemas.openxmlformats.org/presentationml/2006/main">
   <p:cSld>
     <p:bg>
@@ -35624,7 +37363,7 @@
 </p:sld>
 </file>
 
-<file path=ppt/slides/slide61.xml><?xml version="1.0" encoding="utf-8"?>
+<file path=ppt/slides/slide63.xml><?xml version="1.0" encoding="utf-8"?>
 <p:sld xmlns:a="http://schemas.openxmlformats.org/drawingml/2006/main" xmlns:r="http://schemas.openxmlformats.org/officeDocument/2006/relationships" xmlns:p="http://schemas.openxmlformats.org/presentationml/2006/main">
   <p:cSld>
     <p:bg>
@@ -35963,7 +37702,7 @@
 </p:sld>
 </file>
 
-<file path=ppt/slides/slide62.xml><?xml version="1.0" encoding="utf-8"?>
+<file path=ppt/slides/slide64.xml><?xml version="1.0" encoding="utf-8"?>
 <p:sld xmlns:a="http://schemas.openxmlformats.org/drawingml/2006/main" xmlns:r="http://schemas.openxmlformats.org/officeDocument/2006/relationships" xmlns:p="http://schemas.openxmlformats.org/presentationml/2006/main">
   <p:cSld>
     <p:bg>
@@ -36518,7 +38257,7 @@
 </p:sld>
 </file>
 
-<file path=ppt/slides/slide63.xml><?xml version="1.0" encoding="utf-8"?>
+<file path=ppt/slides/slide65.xml><?xml version="1.0" encoding="utf-8"?>
 <p:sld xmlns:a="http://schemas.openxmlformats.org/drawingml/2006/main" xmlns:r="http://schemas.openxmlformats.org/officeDocument/2006/relationships" xmlns:p="http://schemas.openxmlformats.org/presentationml/2006/main">
   <p:cSld>
     <p:bg>
@@ -36903,7 +38642,7 @@
 </p:sld>
 </file>
 
-<file path=ppt/slides/slide64.xml><?xml version="1.0" encoding="utf-8"?>
+<file path=ppt/slides/slide66.xml><?xml version="1.0" encoding="utf-8"?>
 <p:sld xmlns:a="http://schemas.openxmlformats.org/drawingml/2006/main" xmlns:r="http://schemas.openxmlformats.org/officeDocument/2006/relationships" xmlns:p="http://schemas.openxmlformats.org/presentationml/2006/main">
   <p:cSld>
     <p:bg>
@@ -37279,7 +39018,7 @@
 </p:sld>
 </file>
 
-<file path=ppt/slides/slide65.xml><?xml version="1.0" encoding="utf-8"?>
+<file path=ppt/slides/slide67.xml><?xml version="1.0" encoding="utf-8"?>
 <p:sld xmlns:a="http://schemas.openxmlformats.org/drawingml/2006/main" xmlns:r="http://schemas.openxmlformats.org/officeDocument/2006/relationships" xmlns:p="http://schemas.openxmlformats.org/presentationml/2006/main">
   <p:cSld>
     <p:bg>
@@ -37648,7 +39387,7 @@
 </p:sld>
 </file>
 
-<file path=ppt/slides/slide66.xml><?xml version="1.0" encoding="utf-8"?>
+<file path=ppt/slides/slide68.xml><?xml version="1.0" encoding="utf-8"?>
 <p:sld xmlns:a="http://schemas.openxmlformats.org/drawingml/2006/main" xmlns:r="http://schemas.openxmlformats.org/officeDocument/2006/relationships" xmlns:p="http://schemas.openxmlformats.org/presentationml/2006/main">
   <p:cSld>
     <p:bg>
@@ -38027,7 +39766,7 @@
             <p:nvPr/>
           </p:nvPicPr>
           <p:blipFill>
-            <a:blip r:embed="rId4">
+            <a:blip r:embed="rId4" cstate="print">
               <a:extLst>
                 <a:ext uri="{28A0092B-C50C-407E-A947-70E740481C1C}">
                   <a14:useLocalDpi xmlns:a14="http://schemas.microsoft.com/office/drawing/2010/main" val="0"/>
@@ -38074,7 +39813,7 @@
             <p:nvPr/>
           </p:nvPicPr>
           <p:blipFill>
-            <a:blip r:embed="rId5">
+            <a:blip r:embed="rId5" cstate="print">
               <a:extLst>
                 <a:ext uri="{28A0092B-C50C-407E-A947-70E740481C1C}">
                   <a14:useLocalDpi xmlns:a14="http://schemas.microsoft.com/office/drawing/2010/main" val="0"/>
@@ -39186,4 +40925,299 @@
     </a:ext>
   </a:extLst>
 </a:theme>
+</file>
+
+<file path=ppt/theme/theme2.xml><?xml version="1.0" encoding="utf-8"?>
+<a:theme xmlns:a="http://schemas.openxmlformats.org/drawingml/2006/main" name="Office 테마">
+  <a:themeElements>
+    <a:clrScheme name="Office">
+      <a:dk1>
+        <a:sysClr val="windowText" lastClr="000000"/>
+      </a:dk1>
+      <a:lt1>
+        <a:sysClr val="window" lastClr="FFFFFF"/>
+      </a:lt1>
+      <a:dk2>
+        <a:srgbClr val="44546A"/>
+      </a:dk2>
+      <a:lt2>
+        <a:srgbClr val="E7E6E6"/>
+      </a:lt2>
+      <a:accent1>
+        <a:srgbClr val="4472C4"/>
+      </a:accent1>
+      <a:accent2>
+        <a:srgbClr val="ED7D31"/>
+      </a:accent2>
+      <a:accent3>
+        <a:srgbClr val="A5A5A5"/>
+      </a:accent3>
+      <a:accent4>
+        <a:srgbClr val="FFC000"/>
+      </a:accent4>
+      <a:accent5>
+        <a:srgbClr val="5B9BD5"/>
+      </a:accent5>
+      <a:accent6>
+        <a:srgbClr val="70AD47"/>
+      </a:accent6>
+      <a:hlink>
+        <a:srgbClr val="0563C1"/>
+      </a:hlink>
+      <a:folHlink>
+        <a:srgbClr val="954F72"/>
+      </a:folHlink>
+    </a:clrScheme>
+    <a:fontScheme name="Office">
+      <a:majorFont>
+        <a:latin typeface="맑은 고딕" panose="020F0302020204030204"/>
+        <a:ea typeface=""/>
+        <a:cs typeface=""/>
+        <a:font script="Jpan" typeface="游ゴシック Light"/>
+        <a:font script="Hang" typeface="맑은 고딕"/>
+        <a:font script="Hans" typeface="等线 Light"/>
+        <a:font script="Hant" typeface="新細明體"/>
+        <a:font script="Arab" typeface="Times New Roman"/>
+        <a:font script="Hebr" typeface="Times New Roman"/>
+        <a:font script="Thai" typeface="Angsana New"/>
+        <a:font script="Ethi" typeface="Nyala"/>
+        <a:font script="Beng" typeface="Vrinda"/>
+        <a:font script="Gujr" typeface="Shruti"/>
+        <a:font script="Khmr" typeface="MoolBoran"/>
+        <a:font script="Knda" typeface="Tunga"/>
+        <a:font script="Guru" typeface="Raavi"/>
+        <a:font script="Cans" typeface="Euphemia"/>
+        <a:font script="Cher" typeface="Plantagenet Cherokee"/>
+        <a:font script="Yiii" typeface="Microsoft Yi Baiti"/>
+        <a:font script="Tibt" typeface="Microsoft Himalaya"/>
+        <a:font script="Thaa" typeface="MV Boli"/>
+        <a:font script="Deva" typeface="Mangal"/>
+        <a:font script="Telu" typeface="Gautami"/>
+        <a:font script="Taml" typeface="Latha"/>
+        <a:font script="Syrc" typeface="Estrangelo Edessa"/>
+        <a:font script="Orya" typeface="Kalinga"/>
+        <a:font script="Mlym" typeface="Kartika"/>
+        <a:font script="Laoo" typeface="DokChampa"/>
+        <a:font script="Sinh" typeface="Iskoola Pota"/>
+        <a:font script="Mong" typeface="Mongolian Baiti"/>
+        <a:font script="Viet" typeface="Times New Roman"/>
+        <a:font script="Uigh" typeface="Microsoft Uighur"/>
+        <a:font script="Geor" typeface="Sylfaen"/>
+        <a:font script="Armn" typeface="Arial"/>
+        <a:font script="Bugi" typeface="Leelawadee UI"/>
+        <a:font script="Bopo" typeface="Microsoft JhengHei"/>
+        <a:font script="Java" typeface="Javanese Text"/>
+        <a:font script="Lisu" typeface="Segoe UI"/>
+        <a:font script="Mymr" typeface="Myanmar Text"/>
+        <a:font script="Nkoo" typeface="Ebrima"/>
+        <a:font script="Olck" typeface="Nirmala UI"/>
+        <a:font script="Osma" typeface="Ebrima"/>
+        <a:font script="Phag" typeface="Phagspa"/>
+        <a:font script="Syrn" typeface="Estrangelo Edessa"/>
+        <a:font script="Syrj" typeface="Estrangelo Edessa"/>
+        <a:font script="Syre" typeface="Estrangelo Edessa"/>
+        <a:font script="Sora" typeface="Nirmala UI"/>
+        <a:font script="Tale" typeface="Microsoft Tai Le"/>
+        <a:font script="Talu" typeface="Microsoft New Tai Lue"/>
+        <a:font script="Tfng" typeface="Ebrima"/>
+      </a:majorFont>
+      <a:minorFont>
+        <a:latin typeface="맑은 고딕" panose="020F0502020204030204"/>
+        <a:ea typeface=""/>
+        <a:cs typeface=""/>
+        <a:font script="Jpan" typeface="游ゴシック"/>
+        <a:font script="Hang" typeface="맑은 고딕"/>
+        <a:font script="Hans" typeface="等线"/>
+        <a:font script="Hant" typeface="新細明體"/>
+        <a:font script="Arab" typeface="Arial"/>
+        <a:font script="Hebr" typeface="Arial"/>
+        <a:font script="Thai" typeface="Cordia New"/>
+        <a:font script="Ethi" typeface="Nyala"/>
+        <a:font script="Beng" typeface="Vrinda"/>
+        <a:font script="Gujr" typeface="Shruti"/>
+        <a:font script="Khmr" typeface="DaunPenh"/>
+        <a:font script="Knda" typeface="Tunga"/>
+        <a:font script="Guru" typeface="Raavi"/>
+        <a:font script="Cans" typeface="Euphemia"/>
+        <a:font script="Cher" typeface="Plantagenet Cherokee"/>
+        <a:font script="Yiii" typeface="Microsoft Yi Baiti"/>
+        <a:font script="Tibt" typeface="Microsoft Himalaya"/>
+        <a:font script="Thaa" typeface="MV Boli"/>
+        <a:font script="Deva" typeface="Mangal"/>
+        <a:font script="Telu" typeface="Gautami"/>
+        <a:font script="Taml" typeface="Latha"/>
+        <a:font script="Syrc" typeface="Estrangelo Edessa"/>
+        <a:font script="Orya" typeface="Kalinga"/>
+        <a:font script="Mlym" typeface="Kartika"/>
+        <a:font script="Laoo" typeface="DokChampa"/>
+        <a:font script="Sinh" typeface="Iskoola Pota"/>
+        <a:font script="Mong" typeface="Mongolian Baiti"/>
+        <a:font script="Viet" typeface="Arial"/>
+        <a:font script="Uigh" typeface="Microsoft Uighur"/>
+        <a:font script="Geor" typeface="Sylfaen"/>
+        <a:font script="Armn" typeface="Arial"/>
+        <a:font script="Bugi" typeface="Leelawadee UI"/>
+        <a:font script="Bopo" typeface="Microsoft JhengHei"/>
+        <a:font script="Java" typeface="Javanese Text"/>
+        <a:font script="Lisu" typeface="Segoe UI"/>
+        <a:font script="Mymr" typeface="Myanmar Text"/>
+        <a:font script="Nkoo" typeface="Ebrima"/>
+        <a:font script="Olck" typeface="Nirmala UI"/>
+        <a:font script="Osma" typeface="Ebrima"/>
+        <a:font script="Phag" typeface="Phagspa"/>
+        <a:font script="Syrn" typeface="Estrangelo Edessa"/>
+        <a:font script="Syrj" typeface="Estrangelo Edessa"/>
+        <a:font script="Syre" typeface="Estrangelo Edessa"/>
+        <a:font script="Sora" typeface="Nirmala UI"/>
+        <a:font script="Tale" typeface="Microsoft Tai Le"/>
+        <a:font script="Talu" typeface="Microsoft New Tai Lue"/>
+        <a:font script="Tfng" typeface="Ebrima"/>
+      </a:minorFont>
+    </a:fontScheme>
+    <a:fmtScheme name="Office">
+      <a:fillStyleLst>
+        <a:solidFill>
+          <a:schemeClr val="phClr"/>
+        </a:solidFill>
+        <a:gradFill rotWithShape="1">
+          <a:gsLst>
+            <a:gs pos="0">
+              <a:schemeClr val="phClr">
+                <a:lumMod val="110000"/>
+                <a:satMod val="105000"/>
+                <a:tint val="67000"/>
+              </a:schemeClr>
+            </a:gs>
+            <a:gs pos="50000">
+              <a:schemeClr val="phClr">
+                <a:lumMod val="105000"/>
+                <a:satMod val="103000"/>
+                <a:tint val="73000"/>
+              </a:schemeClr>
+            </a:gs>
+            <a:gs pos="100000">
+              <a:schemeClr val="phClr">
+                <a:lumMod val="105000"/>
+                <a:satMod val="109000"/>
+                <a:tint val="81000"/>
+              </a:schemeClr>
+            </a:gs>
+          </a:gsLst>
+          <a:lin ang="5400000" scaled="0"/>
+        </a:gradFill>
+        <a:gradFill rotWithShape="1">
+          <a:gsLst>
+            <a:gs pos="0">
+              <a:schemeClr val="phClr">
+                <a:satMod val="103000"/>
+                <a:lumMod val="102000"/>
+                <a:tint val="94000"/>
+              </a:schemeClr>
+            </a:gs>
+            <a:gs pos="50000">
+              <a:schemeClr val="phClr">
+                <a:satMod val="110000"/>
+                <a:lumMod val="100000"/>
+                <a:shade val="100000"/>
+              </a:schemeClr>
+            </a:gs>
+            <a:gs pos="100000">
+              <a:schemeClr val="phClr">
+                <a:lumMod val="99000"/>
+                <a:satMod val="120000"/>
+                <a:shade val="78000"/>
+              </a:schemeClr>
+            </a:gs>
+          </a:gsLst>
+          <a:lin ang="5400000" scaled="0"/>
+        </a:gradFill>
+      </a:fillStyleLst>
+      <a:lnStyleLst>
+        <a:ln w="6350" cap="flat" cmpd="sng" algn="ctr">
+          <a:solidFill>
+            <a:schemeClr val="phClr"/>
+          </a:solidFill>
+          <a:prstDash val="solid"/>
+          <a:miter lim="800000"/>
+        </a:ln>
+        <a:ln w="12700" cap="flat" cmpd="sng" algn="ctr">
+          <a:solidFill>
+            <a:schemeClr val="phClr"/>
+          </a:solidFill>
+          <a:prstDash val="solid"/>
+          <a:miter lim="800000"/>
+        </a:ln>
+        <a:ln w="19050" cap="flat" cmpd="sng" algn="ctr">
+          <a:solidFill>
+            <a:schemeClr val="phClr"/>
+          </a:solidFill>
+          <a:prstDash val="solid"/>
+          <a:miter lim="800000"/>
+        </a:ln>
+      </a:lnStyleLst>
+      <a:effectStyleLst>
+        <a:effectStyle>
+          <a:effectLst/>
+        </a:effectStyle>
+        <a:effectStyle>
+          <a:effectLst/>
+        </a:effectStyle>
+        <a:effectStyle>
+          <a:effectLst>
+            <a:outerShdw blurRad="57150" dist="19050" dir="5400000" algn="ctr" rotWithShape="0">
+              <a:srgbClr val="000000">
+                <a:alpha val="63000"/>
+              </a:srgbClr>
+            </a:outerShdw>
+          </a:effectLst>
+        </a:effectStyle>
+      </a:effectStyleLst>
+      <a:bgFillStyleLst>
+        <a:solidFill>
+          <a:schemeClr val="phClr"/>
+        </a:solidFill>
+        <a:solidFill>
+          <a:schemeClr val="phClr">
+            <a:tint val="95000"/>
+            <a:satMod val="170000"/>
+          </a:schemeClr>
+        </a:solidFill>
+        <a:gradFill rotWithShape="1">
+          <a:gsLst>
+            <a:gs pos="0">
+              <a:schemeClr val="phClr">
+                <a:tint val="93000"/>
+                <a:satMod val="150000"/>
+                <a:shade val="98000"/>
+                <a:lumMod val="102000"/>
+              </a:schemeClr>
+            </a:gs>
+            <a:gs pos="50000">
+              <a:schemeClr val="phClr">
+                <a:tint val="98000"/>
+                <a:satMod val="130000"/>
+                <a:shade val="90000"/>
+                <a:lumMod val="103000"/>
+              </a:schemeClr>
+            </a:gs>
+            <a:gs pos="100000">
+              <a:schemeClr val="phClr">
+                <a:shade val="63000"/>
+                <a:satMod val="120000"/>
+              </a:schemeClr>
+            </a:gs>
+          </a:gsLst>
+          <a:lin ang="5400000" scaled="0"/>
+        </a:gradFill>
+      </a:bgFillStyleLst>
+    </a:fmtScheme>
+  </a:themeElements>
+  <a:objectDefaults/>
+  <a:extraClrSchemeLst/>
+  <a:extLst>
+    <a:ext uri="{05A4C25C-085E-4340-85A3-A5531E510DB2}">
+      <thm15:themeFamily xmlns:thm15="http://schemas.microsoft.com/office/thememl/2012/main" name="Office Theme" id="{62F939B6-93AF-4DB8-9C6B-D6C7DFDC589F}" vid="{4A3C46E8-61CC-4603-A589-7422A47A8E4A}"/>
+    </a:ext>
+  </a:extLst>
+</a:theme>
 </file>